--- a/docs/images/quickstart-compliance-hipaa-architecture.pptx
+++ b/docs/images/quickstart-compliance-hipaa-architecture.pptx
@@ -5,13 +5,14 @@
     <p:sldMasterId id="2147483692" r:id="rId1"/>
   </p:sldMasterIdLst>
   <p:notesMasterIdLst>
-    <p:notesMasterId r:id="rId3"/>
+    <p:notesMasterId r:id="rId4"/>
   </p:notesMasterIdLst>
   <p:handoutMasterIdLst>
-    <p:handoutMasterId r:id="rId4"/>
+    <p:handoutMasterId r:id="rId5"/>
   </p:handoutMasterIdLst>
   <p:sldIdLst>
     <p:sldId id="260" r:id="rId2"/>
+    <p:sldId id="262" r:id="rId3"/>
   </p:sldIdLst>
   <p:sldSz cx="12192000" cy="6858000"/>
   <p:notesSz cx="6858000" cy="9144000"/>
@@ -223,7 +224,7 @@
           <a:p>
             <a:fld id="{49A7721D-1176-A640-AC48-B82F78C92D56}" type="datetimeFigureOut">
               <a:rPr lang="en-US" smtClean="0"/>
-              <a:t>10/25/2020</a:t>
+              <a:t>12/8/20</a:t>
             </a:fld>
             <a:endParaRPr lang="en-US" dirty="0"/>
           </a:p>
@@ -400,7 +401,7 @@
           <a:p>
             <a:fld id="{C884A089-FB25-6D46-9D21-F0F04A18BCA8}" type="datetimeFigureOut">
               <a:rPr lang="en-US" smtClean="0"/>
-              <a:t>10/25/2020</a:t>
+              <a:t>12/8/20</a:t>
             </a:fld>
             <a:endParaRPr lang="en-US" dirty="0"/>
           </a:p>
@@ -5936,6 +5937,7210 @@
     <p:extLst>
       <p:ext uri="{BB962C8B-B14F-4D97-AF65-F5344CB8AC3E}">
         <p14:creationId xmlns:p14="http://schemas.microsoft.com/office/powerpoint/2010/main" val="174417499"/>
+      </p:ext>
+    </p:extLst>
+  </p:cSld>
+  <p:clrMapOvr>
+    <a:masterClrMapping/>
+  </p:clrMapOvr>
+</p:sld>
+</file>
+
+<file path=ppt/slides/slide2.xml><?xml version="1.0" encoding="utf-8"?>
+<p:sld xmlns:a="http://schemas.openxmlformats.org/drawingml/2006/main" xmlns:r="http://schemas.openxmlformats.org/officeDocument/2006/relationships" xmlns:p="http://schemas.openxmlformats.org/presentationml/2006/main">
+  <p:cSld>
+    <p:spTree>
+      <p:nvGrpSpPr>
+        <p:cNvPr id="1" name=""/>
+        <p:cNvGrpSpPr/>
+        <p:nvPr/>
+      </p:nvGrpSpPr>
+      <p:grpSpPr>
+        <a:xfrm>
+          <a:off x="0" y="0"/>
+          <a:ext cx="0" cy="0"/>
+          <a:chOff x="0" y="0"/>
+          <a:chExt cx="0" cy="0"/>
+        </a:xfrm>
+      </p:grpSpPr>
+      <p:sp>
+        <p:nvSpPr>
+          <p:cNvPr id="59" name="Rectangle 58">
+            <a:extLst>
+              <a:ext uri="{FF2B5EF4-FFF2-40B4-BE49-F238E27FC236}">
+                <a16:creationId xmlns:a16="http://schemas.microsoft.com/office/drawing/2014/main" id="{540B6412-6E5D-B24E-8630-AD02E15A85EC}"/>
+              </a:ext>
+            </a:extLst>
+          </p:cNvPr>
+          <p:cNvSpPr/>
+          <p:nvPr/>
+        </p:nvSpPr>
+        <p:spPr>
+          <a:xfrm>
+            <a:off x="62204" y="74645"/>
+            <a:ext cx="11115869" cy="6717404"/>
+          </a:xfrm>
+          <a:prstGeom prst="rect">
+            <a:avLst/>
+          </a:prstGeom>
+          <a:noFill/>
+          <a:ln w="12700">
+            <a:solidFill>
+              <a:schemeClr val="tx1"/>
+            </a:solidFill>
+          </a:ln>
+        </p:spPr>
+        <p:style>
+          <a:lnRef idx="2">
+            <a:schemeClr val="accent1">
+              <a:shade val="50000"/>
+            </a:schemeClr>
+          </a:lnRef>
+          <a:fillRef idx="1">
+            <a:schemeClr val="accent1"/>
+          </a:fillRef>
+          <a:effectRef idx="0">
+            <a:schemeClr val="accent1"/>
+          </a:effectRef>
+          <a:fontRef idx="minor">
+            <a:schemeClr val="lt1"/>
+          </a:fontRef>
+        </p:style>
+        <p:txBody>
+          <a:bodyPr rot="0" spcFirstLastPara="0" vertOverflow="overflow" horzOverflow="overflow" vert="horz" wrap="square" lIns="457200" tIns="91440" rIns="91440" bIns="45720" numCol="1" spcCol="0" rtlCol="0" fromWordArt="0" anchor="t" anchorCtr="0" forceAA="0" compatLnSpc="1">
+            <a:prstTxWarp prst="textNoShape">
+              <a:avLst/>
+            </a:prstTxWarp>
+            <a:noAutofit/>
+          </a:bodyPr>
+          <a:lstStyle/>
+          <a:p>
+            <a:pPr algn="l"/>
+            <a:r>
+              <a:rPr lang="en-US" sz="1000" dirty="0">
+                <a:solidFill>
+                  <a:sysClr val="windowText" lastClr="000000"/>
+                </a:solidFill>
+                <a:latin typeface="Arial" panose="020B0604020202020204" pitchFamily="34" charset="0"/>
+                <a:cs typeface="Arial" panose="020B0604020202020204" pitchFamily="34" charset="0"/>
+              </a:rPr>
+              <a:t>AWS Cloud</a:t>
+            </a:r>
+          </a:p>
+        </p:txBody>
+      </p:sp>
+      <p:pic>
+        <p:nvPicPr>
+          <p:cNvPr id="62" name="Graphic 61">
+            <a:extLst>
+              <a:ext uri="{FF2B5EF4-FFF2-40B4-BE49-F238E27FC236}">
+                <a16:creationId xmlns:a16="http://schemas.microsoft.com/office/drawing/2014/main" id="{89490AF9-EFA6-8440-9A79-E963D0EE7295}"/>
+              </a:ext>
+            </a:extLst>
+          </p:cNvPr>
+          <p:cNvPicPr>
+            <a:picLocks noChangeAspect="1"/>
+          </p:cNvPicPr>
+          <p:nvPr/>
+        </p:nvPicPr>
+        <p:blipFill>
+          <a:blip r:embed="rId2">
+            <a:extLst>
+              <a:ext uri="{96DAC541-7B7A-43D3-8B79-37D633B846F1}">
+                <asvg:svgBlip xmlns:asvg="http://schemas.microsoft.com/office/drawing/2016/SVG/main" r:embed="rId3"/>
+              </a:ext>
+            </a:extLst>
+          </a:blip>
+          <a:stretch>
+            <a:fillRect/>
+          </a:stretch>
+        </p:blipFill>
+        <p:spPr>
+          <a:xfrm>
+            <a:off x="62204" y="65951"/>
+            <a:ext cx="330200" cy="330200"/>
+          </a:xfrm>
+          <a:prstGeom prst="rect">
+            <a:avLst/>
+          </a:prstGeom>
+        </p:spPr>
+      </p:pic>
+      <p:grpSp>
+        <p:nvGrpSpPr>
+          <p:cNvPr id="2" name="Group 1">
+            <a:extLst>
+              <a:ext uri="{FF2B5EF4-FFF2-40B4-BE49-F238E27FC236}">
+                <a16:creationId xmlns:a16="http://schemas.microsoft.com/office/drawing/2014/main" id="{89283520-40CF-0E4A-80F0-3B6B82DA9106}"/>
+              </a:ext>
+            </a:extLst>
+          </p:cNvPr>
+          <p:cNvGrpSpPr/>
+          <p:nvPr/>
+        </p:nvGrpSpPr>
+        <p:grpSpPr>
+          <a:xfrm>
+            <a:off x="194009" y="2917404"/>
+            <a:ext cx="984755" cy="636427"/>
+            <a:chOff x="1135826" y="5361343"/>
+            <a:chExt cx="984755" cy="636427"/>
+          </a:xfrm>
+        </p:grpSpPr>
+        <p:sp>
+          <p:nvSpPr>
+            <p:cNvPr id="101" name="TextBox 12">
+              <a:extLst>
+                <a:ext uri="{FF2B5EF4-FFF2-40B4-BE49-F238E27FC236}">
+                  <a16:creationId xmlns:a16="http://schemas.microsoft.com/office/drawing/2014/main" id="{AA476546-CCE7-4707-B5AB-BE43670F954D}"/>
+                </a:ext>
+              </a:extLst>
+            </p:cNvPr>
+            <p:cNvSpPr txBox="1">
+              <a:spLocks noChangeArrowheads="1"/>
+            </p:cNvSpPr>
+            <p:nvPr/>
+          </p:nvSpPr>
+          <p:spPr bwMode="auto">
+            <a:xfrm>
+              <a:off x="1135826" y="5782326"/>
+              <a:ext cx="984755" cy="215444"/>
+            </a:xfrm>
+            <a:prstGeom prst="rect">
+              <a:avLst/>
+            </a:prstGeom>
+            <a:noFill/>
+            <a:ln>
+              <a:noFill/>
+            </a:ln>
+            <a:extLst>
+              <a:ext uri="{909E8E84-426E-40DD-AFC4-6F175D3DCCD1}">
+                <a14:hiddenFill xmlns:a14="http://schemas.microsoft.com/office/drawing/2010/main">
+                  <a:solidFill>
+                    <a:srgbClr val="FFFFFF"/>
+                  </a:solidFill>
+                </a14:hiddenFill>
+              </a:ext>
+              <a:ext uri="{91240B29-F687-4F45-9708-019B960494DF}">
+                <a14:hiddenLine xmlns:a14="http://schemas.microsoft.com/office/drawing/2010/main" w="9525">
+                  <a:solidFill>
+                    <a:srgbClr val="000000"/>
+                  </a:solidFill>
+                  <a:miter lim="800000"/>
+                  <a:headEnd/>
+                  <a:tailEnd/>
+                </a14:hiddenLine>
+              </a:ext>
+            </a:extLst>
+          </p:spPr>
+          <p:txBody>
+            <a:bodyPr wrap="square">
+              <a:spAutoFit/>
+            </a:bodyPr>
+            <a:lstStyle>
+              <a:lvl1pPr>
+                <a:defRPr>
+                  <a:solidFill>
+                    <a:schemeClr val="tx1"/>
+                  </a:solidFill>
+                  <a:latin typeface="Calibri" panose="020F0502020204030204" pitchFamily="34" charset="0"/>
+                </a:defRPr>
+              </a:lvl1pPr>
+              <a:lvl2pPr marL="742950" indent="-285750">
+                <a:defRPr>
+                  <a:solidFill>
+                    <a:schemeClr val="tx1"/>
+                  </a:solidFill>
+                  <a:latin typeface="Calibri" panose="020F0502020204030204" pitchFamily="34" charset="0"/>
+                </a:defRPr>
+              </a:lvl2pPr>
+              <a:lvl3pPr marL="1143000" indent="-228600">
+                <a:defRPr>
+                  <a:solidFill>
+                    <a:schemeClr val="tx1"/>
+                  </a:solidFill>
+                  <a:latin typeface="Calibri" panose="020F0502020204030204" pitchFamily="34" charset="0"/>
+                </a:defRPr>
+              </a:lvl3pPr>
+              <a:lvl4pPr marL="1600200" indent="-228600">
+                <a:defRPr>
+                  <a:solidFill>
+                    <a:schemeClr val="tx1"/>
+                  </a:solidFill>
+                  <a:latin typeface="Calibri" panose="020F0502020204030204" pitchFamily="34" charset="0"/>
+                </a:defRPr>
+              </a:lvl4pPr>
+              <a:lvl5pPr marL="2057400" indent="-228600">
+                <a:defRPr>
+                  <a:solidFill>
+                    <a:schemeClr val="tx1"/>
+                  </a:solidFill>
+                  <a:latin typeface="Calibri" panose="020F0502020204030204" pitchFamily="34" charset="0"/>
+                </a:defRPr>
+              </a:lvl5pPr>
+              <a:lvl6pPr marL="2514600" indent="-228600" eaLnBrk="0" fontAlgn="base" hangingPunct="0">
+                <a:spcBef>
+                  <a:spcPct val="0"/>
+                </a:spcBef>
+                <a:spcAft>
+                  <a:spcPct val="0"/>
+                </a:spcAft>
+                <a:defRPr>
+                  <a:solidFill>
+                    <a:schemeClr val="tx1"/>
+                  </a:solidFill>
+                  <a:latin typeface="Calibri" panose="020F0502020204030204" pitchFamily="34" charset="0"/>
+                </a:defRPr>
+              </a:lvl6pPr>
+              <a:lvl7pPr marL="2971800" indent="-228600" eaLnBrk="0" fontAlgn="base" hangingPunct="0">
+                <a:spcBef>
+                  <a:spcPct val="0"/>
+                </a:spcBef>
+                <a:spcAft>
+                  <a:spcPct val="0"/>
+                </a:spcAft>
+                <a:defRPr>
+                  <a:solidFill>
+                    <a:schemeClr val="tx1"/>
+                  </a:solidFill>
+                  <a:latin typeface="Calibri" panose="020F0502020204030204" pitchFamily="34" charset="0"/>
+                </a:defRPr>
+              </a:lvl7pPr>
+              <a:lvl8pPr marL="3429000" indent="-228600" eaLnBrk="0" fontAlgn="base" hangingPunct="0">
+                <a:spcBef>
+                  <a:spcPct val="0"/>
+                </a:spcBef>
+                <a:spcAft>
+                  <a:spcPct val="0"/>
+                </a:spcAft>
+                <a:defRPr>
+                  <a:solidFill>
+                    <a:schemeClr val="tx1"/>
+                  </a:solidFill>
+                  <a:latin typeface="Calibri" panose="020F0502020204030204" pitchFamily="34" charset="0"/>
+                </a:defRPr>
+              </a:lvl8pPr>
+              <a:lvl9pPr marL="3886200" indent="-228600" eaLnBrk="0" fontAlgn="base" hangingPunct="0">
+                <a:spcBef>
+                  <a:spcPct val="0"/>
+                </a:spcBef>
+                <a:spcAft>
+                  <a:spcPct val="0"/>
+                </a:spcAft>
+                <a:defRPr>
+                  <a:solidFill>
+                    <a:schemeClr val="tx1"/>
+                  </a:solidFill>
+                  <a:latin typeface="Calibri" panose="020F0502020204030204" pitchFamily="34" charset="0"/>
+                </a:defRPr>
+              </a:lvl9pPr>
+            </a:lstStyle>
+            <a:p>
+              <a:pPr algn="ctr" eaLnBrk="1" hangingPunct="1"/>
+              <a:r>
+                <a:rPr lang="en-US" altLang="en-US" sz="800" dirty="0">
+                  <a:latin typeface="Arial" panose="020B0604020202020204" pitchFamily="34" charset="0"/>
+                  <a:ea typeface="Amazon Ember" panose="020B0603020204020204" pitchFamily="34" charset="0"/>
+                  <a:cs typeface="Arial" panose="020B0604020202020204" pitchFamily="34" charset="0"/>
+                </a:rPr>
+                <a:t>Internet gateway</a:t>
+              </a:r>
+            </a:p>
+          </p:txBody>
+        </p:sp>
+        <p:pic>
+          <p:nvPicPr>
+            <p:cNvPr id="104" name="Graphic 10">
+              <a:extLst>
+                <a:ext uri="{FF2B5EF4-FFF2-40B4-BE49-F238E27FC236}">
+                  <a16:creationId xmlns:a16="http://schemas.microsoft.com/office/drawing/2014/main" id="{CFE99145-9A95-4BD6-8F80-0DBC65D2BB92}"/>
+                </a:ext>
+              </a:extLst>
+            </p:cNvPr>
+            <p:cNvPicPr>
+              <a:picLocks noChangeAspect="1" noChangeArrowheads="1"/>
+            </p:cNvPicPr>
+            <p:nvPr/>
+          </p:nvPicPr>
+          <p:blipFill>
+            <a:blip r:embed="rId4">
+              <a:extLst>
+                <a:ext uri="{28A0092B-C50C-407E-A947-70E740481C1C}">
+                  <a14:useLocalDpi xmlns:a14="http://schemas.microsoft.com/office/drawing/2010/main" val="0"/>
+                </a:ext>
+              </a:extLst>
+            </a:blip>
+            <a:srcRect/>
+            <a:stretch>
+              <a:fillRect/>
+            </a:stretch>
+          </p:blipFill>
+          <p:spPr bwMode="auto">
+            <a:xfrm>
+              <a:off x="1387588" y="5361343"/>
+              <a:ext cx="457200" cy="457200"/>
+            </a:xfrm>
+            <a:prstGeom prst="rect">
+              <a:avLst/>
+            </a:prstGeom>
+            <a:noFill/>
+            <a:ln>
+              <a:noFill/>
+            </a:ln>
+            <a:extLst>
+              <a:ext uri="{909E8E84-426E-40DD-AFC4-6F175D3DCCD1}">
+                <a14:hiddenFill xmlns:a14="http://schemas.microsoft.com/office/drawing/2010/main">
+                  <a:solidFill>
+                    <a:srgbClr val="FFFFFF"/>
+                  </a:solidFill>
+                </a14:hiddenFill>
+              </a:ext>
+              <a:ext uri="{91240B29-F687-4F45-9708-019B960494DF}">
+                <a14:hiddenLine xmlns:a14="http://schemas.microsoft.com/office/drawing/2010/main" w="9525">
+                  <a:solidFill>
+                    <a:srgbClr val="000000"/>
+                  </a:solidFill>
+                  <a:miter lim="800000"/>
+                  <a:headEnd/>
+                  <a:tailEnd/>
+                </a14:hiddenLine>
+              </a:ext>
+            </a:extLst>
+          </p:spPr>
+        </p:pic>
+      </p:grpSp>
+      <p:grpSp>
+        <p:nvGrpSpPr>
+          <p:cNvPr id="7" name="Group 6">
+            <a:extLst>
+              <a:ext uri="{FF2B5EF4-FFF2-40B4-BE49-F238E27FC236}">
+                <a16:creationId xmlns:a16="http://schemas.microsoft.com/office/drawing/2014/main" id="{ECF94105-8CE2-6F40-BDD7-E69A559A5C81}"/>
+              </a:ext>
+            </a:extLst>
+          </p:cNvPr>
+          <p:cNvGrpSpPr/>
+          <p:nvPr/>
+        </p:nvGrpSpPr>
+        <p:grpSpPr>
+          <a:xfrm>
+            <a:off x="3843022" y="3795799"/>
+            <a:ext cx="1224444" cy="691611"/>
+            <a:chOff x="2534027" y="4118913"/>
+            <a:chExt cx="1224444" cy="691611"/>
+          </a:xfrm>
+        </p:grpSpPr>
+        <p:pic>
+          <p:nvPicPr>
+            <p:cNvPr id="115" name="Graphic 7">
+              <a:extLst>
+                <a:ext uri="{FF2B5EF4-FFF2-40B4-BE49-F238E27FC236}">
+                  <a16:creationId xmlns:a16="http://schemas.microsoft.com/office/drawing/2014/main" id="{60CE8B0F-481F-474F-81BE-8370973CB636}"/>
+                </a:ext>
+              </a:extLst>
+            </p:cNvPr>
+            <p:cNvPicPr>
+              <a:picLocks noChangeAspect="1" noChangeArrowheads="1"/>
+            </p:cNvPicPr>
+            <p:nvPr/>
+          </p:nvPicPr>
+          <p:blipFill>
+            <a:blip r:embed="rId5">
+              <a:extLst>
+                <a:ext uri="{28A0092B-C50C-407E-A947-70E740481C1C}">
+                  <a14:useLocalDpi xmlns:a14="http://schemas.microsoft.com/office/drawing/2010/main" val="0"/>
+                </a:ext>
+              </a:extLst>
+            </a:blip>
+            <a:srcRect/>
+            <a:stretch>
+              <a:fillRect/>
+            </a:stretch>
+          </p:blipFill>
+          <p:spPr bwMode="auto">
+            <a:xfrm>
+              <a:off x="2906054" y="4118913"/>
+              <a:ext cx="480391" cy="480391"/>
+            </a:xfrm>
+            <a:prstGeom prst="rect">
+              <a:avLst/>
+            </a:prstGeom>
+            <a:noFill/>
+            <a:ln>
+              <a:noFill/>
+            </a:ln>
+            <a:extLst>
+              <a:ext uri="{909E8E84-426E-40DD-AFC4-6F175D3DCCD1}">
+                <a14:hiddenFill xmlns:a14="http://schemas.microsoft.com/office/drawing/2010/main">
+                  <a:solidFill>
+                    <a:srgbClr val="FFFFFF"/>
+                  </a:solidFill>
+                </a14:hiddenFill>
+              </a:ext>
+              <a:ext uri="{91240B29-F687-4F45-9708-019B960494DF}">
+                <a14:hiddenLine xmlns:a14="http://schemas.microsoft.com/office/drawing/2010/main" w="9525">
+                  <a:solidFill>
+                    <a:srgbClr val="000000"/>
+                  </a:solidFill>
+                  <a:miter lim="800000"/>
+                  <a:headEnd/>
+                  <a:tailEnd/>
+                </a14:hiddenLine>
+              </a:ext>
+            </a:extLst>
+          </p:spPr>
+        </p:pic>
+        <p:sp>
+          <p:nvSpPr>
+            <p:cNvPr id="116" name="TextBox 9">
+              <a:extLst>
+                <a:ext uri="{FF2B5EF4-FFF2-40B4-BE49-F238E27FC236}">
+                  <a16:creationId xmlns:a16="http://schemas.microsoft.com/office/drawing/2014/main" id="{E8CE5DBE-DDD4-4426-BFAE-0EB7C8AC5E38}"/>
+                </a:ext>
+              </a:extLst>
+            </p:cNvPr>
+            <p:cNvSpPr txBox="1">
+              <a:spLocks noChangeArrowheads="1"/>
+            </p:cNvSpPr>
+            <p:nvPr/>
+          </p:nvSpPr>
+          <p:spPr bwMode="auto">
+            <a:xfrm>
+              <a:off x="2534027" y="4595080"/>
+              <a:ext cx="1224444" cy="215444"/>
+            </a:xfrm>
+            <a:prstGeom prst="rect">
+              <a:avLst/>
+            </a:prstGeom>
+            <a:noFill/>
+            <a:ln>
+              <a:noFill/>
+            </a:ln>
+            <a:extLst>
+              <a:ext uri="{909E8E84-426E-40DD-AFC4-6F175D3DCCD1}">
+                <a14:hiddenFill xmlns:a14="http://schemas.microsoft.com/office/drawing/2010/main">
+                  <a:solidFill>
+                    <a:srgbClr val="FFFFFF"/>
+                  </a:solidFill>
+                </a14:hiddenFill>
+              </a:ext>
+              <a:ext uri="{91240B29-F687-4F45-9708-019B960494DF}">
+                <a14:hiddenLine xmlns:a14="http://schemas.microsoft.com/office/drawing/2010/main" w="9525">
+                  <a:solidFill>
+                    <a:srgbClr val="000000"/>
+                  </a:solidFill>
+                  <a:miter lim="800000"/>
+                  <a:headEnd/>
+                  <a:tailEnd/>
+                </a14:hiddenLine>
+              </a:ext>
+            </a:extLst>
+          </p:spPr>
+          <p:txBody>
+            <a:bodyPr wrap="square">
+              <a:spAutoFit/>
+            </a:bodyPr>
+            <a:lstStyle>
+              <a:lvl1pPr>
+                <a:defRPr>
+                  <a:solidFill>
+                    <a:schemeClr val="tx1"/>
+                  </a:solidFill>
+                  <a:latin typeface="Calibri" panose="020F0502020204030204" pitchFamily="34" charset="0"/>
+                </a:defRPr>
+              </a:lvl1pPr>
+              <a:lvl2pPr marL="742950" indent="-285750">
+                <a:defRPr>
+                  <a:solidFill>
+                    <a:schemeClr val="tx1"/>
+                  </a:solidFill>
+                  <a:latin typeface="Calibri" panose="020F0502020204030204" pitchFamily="34" charset="0"/>
+                </a:defRPr>
+              </a:lvl2pPr>
+              <a:lvl3pPr marL="1143000" indent="-228600">
+                <a:defRPr>
+                  <a:solidFill>
+                    <a:schemeClr val="tx1"/>
+                  </a:solidFill>
+                  <a:latin typeface="Calibri" panose="020F0502020204030204" pitchFamily="34" charset="0"/>
+                </a:defRPr>
+              </a:lvl3pPr>
+              <a:lvl4pPr marL="1600200" indent="-228600">
+                <a:defRPr>
+                  <a:solidFill>
+                    <a:schemeClr val="tx1"/>
+                  </a:solidFill>
+                  <a:latin typeface="Calibri" panose="020F0502020204030204" pitchFamily="34" charset="0"/>
+                </a:defRPr>
+              </a:lvl4pPr>
+              <a:lvl5pPr marL="2057400" indent="-228600">
+                <a:defRPr>
+                  <a:solidFill>
+                    <a:schemeClr val="tx1"/>
+                  </a:solidFill>
+                  <a:latin typeface="Calibri" panose="020F0502020204030204" pitchFamily="34" charset="0"/>
+                </a:defRPr>
+              </a:lvl5pPr>
+              <a:lvl6pPr marL="2514600" indent="-228600" eaLnBrk="0" fontAlgn="base" hangingPunct="0">
+                <a:spcBef>
+                  <a:spcPct val="0"/>
+                </a:spcBef>
+                <a:spcAft>
+                  <a:spcPct val="0"/>
+                </a:spcAft>
+                <a:defRPr>
+                  <a:solidFill>
+                    <a:schemeClr val="tx1"/>
+                  </a:solidFill>
+                  <a:latin typeface="Calibri" panose="020F0502020204030204" pitchFamily="34" charset="0"/>
+                </a:defRPr>
+              </a:lvl6pPr>
+              <a:lvl7pPr marL="2971800" indent="-228600" eaLnBrk="0" fontAlgn="base" hangingPunct="0">
+                <a:spcBef>
+                  <a:spcPct val="0"/>
+                </a:spcBef>
+                <a:spcAft>
+                  <a:spcPct val="0"/>
+                </a:spcAft>
+                <a:defRPr>
+                  <a:solidFill>
+                    <a:schemeClr val="tx1"/>
+                  </a:solidFill>
+                  <a:latin typeface="Calibri" panose="020F0502020204030204" pitchFamily="34" charset="0"/>
+                </a:defRPr>
+              </a:lvl7pPr>
+              <a:lvl8pPr marL="3429000" indent="-228600" eaLnBrk="0" fontAlgn="base" hangingPunct="0">
+                <a:spcBef>
+                  <a:spcPct val="0"/>
+                </a:spcBef>
+                <a:spcAft>
+                  <a:spcPct val="0"/>
+                </a:spcAft>
+                <a:defRPr>
+                  <a:solidFill>
+                    <a:schemeClr val="tx1"/>
+                  </a:solidFill>
+                  <a:latin typeface="Calibri" panose="020F0502020204030204" pitchFamily="34" charset="0"/>
+                </a:defRPr>
+              </a:lvl8pPr>
+              <a:lvl9pPr marL="3886200" indent="-228600" eaLnBrk="0" fontAlgn="base" hangingPunct="0">
+                <a:spcBef>
+                  <a:spcPct val="0"/>
+                </a:spcBef>
+                <a:spcAft>
+                  <a:spcPct val="0"/>
+                </a:spcAft>
+                <a:defRPr>
+                  <a:solidFill>
+                    <a:schemeClr val="tx1"/>
+                  </a:solidFill>
+                  <a:latin typeface="Calibri" panose="020F0502020204030204" pitchFamily="34" charset="0"/>
+                </a:defRPr>
+              </a:lvl9pPr>
+            </a:lstStyle>
+            <a:p>
+              <a:pPr algn="ctr" eaLnBrk="1" hangingPunct="1"/>
+              <a:r>
+                <a:rPr lang="en-US" altLang="en-US" sz="800" dirty="0">
+                  <a:latin typeface="Arial" panose="020B0604020202020204" pitchFamily="34" charset="0"/>
+                  <a:ea typeface="Amazon Ember" panose="020B0603020204020204" pitchFamily="34" charset="0"/>
+                  <a:cs typeface="Arial" panose="020B0604020202020204" pitchFamily="34" charset="0"/>
+                </a:rPr>
+                <a:t>AWS Transit Gateway</a:t>
+              </a:r>
+            </a:p>
+          </p:txBody>
+        </p:sp>
+      </p:grpSp>
+      <p:cxnSp>
+        <p:nvCxnSpPr>
+          <p:cNvPr id="118" name="Straight Arrow Connector 117">
+            <a:extLst>
+              <a:ext uri="{FF2B5EF4-FFF2-40B4-BE49-F238E27FC236}">
+                <a16:creationId xmlns:a16="http://schemas.microsoft.com/office/drawing/2014/main" id="{E2B3C2CF-020B-4EF2-9BCB-36710AC896D8}"/>
+              </a:ext>
+            </a:extLst>
+          </p:cNvPr>
+          <p:cNvCxnSpPr>
+            <a:cxnSpLocks/>
+            <a:stCxn id="115" idx="0"/>
+            <a:endCxn id="41" idx="2"/>
+          </p:cNvCxnSpPr>
+          <p:nvPr/>
+        </p:nvCxnSpPr>
+        <p:spPr>
+          <a:xfrm flipV="1">
+            <a:off x="4455245" y="3545627"/>
+            <a:ext cx="2187" cy="250172"/>
+          </a:xfrm>
+          <a:prstGeom prst="straightConnector1">
+            <a:avLst/>
+          </a:prstGeom>
+          <a:ln w="12700">
+            <a:solidFill>
+              <a:schemeClr val="tx2"/>
+            </a:solidFill>
+            <a:headEnd type="arrow" w="med" len="sm"/>
+            <a:tailEnd type="arrow" w="med" len="sm"/>
+          </a:ln>
+        </p:spPr>
+        <p:style>
+          <a:lnRef idx="1">
+            <a:schemeClr val="accent1"/>
+          </a:lnRef>
+          <a:fillRef idx="0">
+            <a:schemeClr val="accent1"/>
+          </a:fillRef>
+          <a:effectRef idx="0">
+            <a:schemeClr val="accent1"/>
+          </a:effectRef>
+          <a:fontRef idx="minor">
+            <a:schemeClr val="tx1"/>
+          </a:fontRef>
+        </p:style>
+      </p:cxnSp>
+      <p:grpSp>
+        <p:nvGrpSpPr>
+          <p:cNvPr id="22" name="Group 21">
+            <a:extLst>
+              <a:ext uri="{FF2B5EF4-FFF2-40B4-BE49-F238E27FC236}">
+                <a16:creationId xmlns:a16="http://schemas.microsoft.com/office/drawing/2014/main" id="{3C336754-266D-3344-8C12-261B7A952C64}"/>
+              </a:ext>
+            </a:extLst>
+          </p:cNvPr>
+          <p:cNvGrpSpPr/>
+          <p:nvPr/>
+        </p:nvGrpSpPr>
+        <p:grpSpPr>
+          <a:xfrm>
+            <a:off x="5067466" y="2906043"/>
+            <a:ext cx="6024374" cy="1837491"/>
+            <a:chOff x="5781678" y="396151"/>
+            <a:chExt cx="6024374" cy="1837491"/>
+          </a:xfrm>
+        </p:grpSpPr>
+        <p:pic>
+          <p:nvPicPr>
+            <p:cNvPr id="120" name="Graphic 6">
+              <a:extLst>
+                <a:ext uri="{FF2B5EF4-FFF2-40B4-BE49-F238E27FC236}">
+                  <a16:creationId xmlns:a16="http://schemas.microsoft.com/office/drawing/2014/main" id="{C2D2F4A9-275F-4170-8E61-562F1F681F48}"/>
+                </a:ext>
+              </a:extLst>
+            </p:cNvPr>
+            <p:cNvPicPr>
+              <a:picLocks noChangeAspect="1" noChangeArrowheads="1"/>
+            </p:cNvPicPr>
+            <p:nvPr/>
+          </p:nvPicPr>
+          <p:blipFill>
+            <a:blip r:embed="rId6">
+              <a:extLst>
+                <a:ext uri="{28A0092B-C50C-407E-A947-70E740481C1C}">
+                  <a14:useLocalDpi xmlns:a14="http://schemas.microsoft.com/office/drawing/2010/main" val="0"/>
+                </a:ext>
+              </a:extLst>
+            </a:blip>
+            <a:srcRect/>
+            <a:stretch>
+              <a:fillRect/>
+            </a:stretch>
+          </p:blipFill>
+          <p:spPr bwMode="auto">
+            <a:xfrm>
+              <a:off x="10701314" y="701317"/>
+              <a:ext cx="480391" cy="480391"/>
+            </a:xfrm>
+            <a:prstGeom prst="rect">
+              <a:avLst/>
+            </a:prstGeom>
+            <a:noFill/>
+            <a:ln>
+              <a:noFill/>
+            </a:ln>
+            <a:extLst>
+              <a:ext uri="{909E8E84-426E-40DD-AFC4-6F175D3DCCD1}">
+                <a14:hiddenFill xmlns:a14="http://schemas.microsoft.com/office/drawing/2010/main">
+                  <a:solidFill>
+                    <a:srgbClr val="FFFFFF"/>
+                  </a:solidFill>
+                </a14:hiddenFill>
+              </a:ext>
+              <a:ext uri="{91240B29-F687-4F45-9708-019B960494DF}">
+                <a14:hiddenLine xmlns:a14="http://schemas.microsoft.com/office/drawing/2010/main" w="9525">
+                  <a:solidFill>
+                    <a:srgbClr val="000000"/>
+                  </a:solidFill>
+                  <a:miter lim="800000"/>
+                  <a:headEnd/>
+                  <a:tailEnd/>
+                </a14:hiddenLine>
+              </a:ext>
+            </a:extLst>
+          </p:spPr>
+        </p:pic>
+        <p:sp>
+          <p:nvSpPr>
+            <p:cNvPr id="121" name="TextBox 12">
+              <a:extLst>
+                <a:ext uri="{FF2B5EF4-FFF2-40B4-BE49-F238E27FC236}">
+                  <a16:creationId xmlns:a16="http://schemas.microsoft.com/office/drawing/2014/main" id="{28811D60-782C-4BFB-875B-BE5A360464AB}"/>
+                </a:ext>
+              </a:extLst>
+            </p:cNvPr>
+            <p:cNvSpPr txBox="1">
+              <a:spLocks noChangeArrowheads="1"/>
+            </p:cNvSpPr>
+            <p:nvPr/>
+          </p:nvSpPr>
+          <p:spPr bwMode="auto">
+            <a:xfrm>
+              <a:off x="10342311" y="1181708"/>
+              <a:ext cx="1204060" cy="215444"/>
+            </a:xfrm>
+            <a:prstGeom prst="rect">
+              <a:avLst/>
+            </a:prstGeom>
+            <a:noFill/>
+            <a:ln>
+              <a:noFill/>
+            </a:ln>
+            <a:extLst>
+              <a:ext uri="{909E8E84-426E-40DD-AFC4-6F175D3DCCD1}">
+                <a14:hiddenFill xmlns:a14="http://schemas.microsoft.com/office/drawing/2010/main">
+                  <a:solidFill>
+                    <a:srgbClr val="FFFFFF"/>
+                  </a:solidFill>
+                </a14:hiddenFill>
+              </a:ext>
+              <a:ext uri="{91240B29-F687-4F45-9708-019B960494DF}">
+                <a14:hiddenLine xmlns:a14="http://schemas.microsoft.com/office/drawing/2010/main" w="9525">
+                  <a:solidFill>
+                    <a:srgbClr val="000000"/>
+                  </a:solidFill>
+                  <a:miter lim="800000"/>
+                  <a:headEnd/>
+                  <a:tailEnd/>
+                </a14:hiddenLine>
+              </a:ext>
+            </a:extLst>
+          </p:spPr>
+          <p:txBody>
+            <a:bodyPr wrap="square">
+              <a:spAutoFit/>
+            </a:bodyPr>
+            <a:lstStyle>
+              <a:lvl1pPr>
+                <a:defRPr>
+                  <a:solidFill>
+                    <a:schemeClr val="tx1"/>
+                  </a:solidFill>
+                  <a:latin typeface="Calibri" panose="020F0502020204030204" pitchFamily="34" charset="0"/>
+                </a:defRPr>
+              </a:lvl1pPr>
+              <a:lvl2pPr marL="742950" indent="-285750">
+                <a:defRPr>
+                  <a:solidFill>
+                    <a:schemeClr val="tx1"/>
+                  </a:solidFill>
+                  <a:latin typeface="Calibri" panose="020F0502020204030204" pitchFamily="34" charset="0"/>
+                </a:defRPr>
+              </a:lvl2pPr>
+              <a:lvl3pPr marL="1143000" indent="-228600">
+                <a:defRPr>
+                  <a:solidFill>
+                    <a:schemeClr val="tx1"/>
+                  </a:solidFill>
+                  <a:latin typeface="Calibri" panose="020F0502020204030204" pitchFamily="34" charset="0"/>
+                </a:defRPr>
+              </a:lvl3pPr>
+              <a:lvl4pPr marL="1600200" indent="-228600">
+                <a:defRPr>
+                  <a:solidFill>
+                    <a:schemeClr val="tx1"/>
+                  </a:solidFill>
+                  <a:latin typeface="Calibri" panose="020F0502020204030204" pitchFamily="34" charset="0"/>
+                </a:defRPr>
+              </a:lvl4pPr>
+              <a:lvl5pPr marL="2057400" indent="-228600">
+                <a:defRPr>
+                  <a:solidFill>
+                    <a:schemeClr val="tx1"/>
+                  </a:solidFill>
+                  <a:latin typeface="Calibri" panose="020F0502020204030204" pitchFamily="34" charset="0"/>
+                </a:defRPr>
+              </a:lvl5pPr>
+              <a:lvl6pPr marL="2514600" indent="-228600" eaLnBrk="0" fontAlgn="base" hangingPunct="0">
+                <a:spcBef>
+                  <a:spcPct val="0"/>
+                </a:spcBef>
+                <a:spcAft>
+                  <a:spcPct val="0"/>
+                </a:spcAft>
+                <a:defRPr>
+                  <a:solidFill>
+                    <a:schemeClr val="tx1"/>
+                  </a:solidFill>
+                  <a:latin typeface="Calibri" panose="020F0502020204030204" pitchFamily="34" charset="0"/>
+                </a:defRPr>
+              </a:lvl6pPr>
+              <a:lvl7pPr marL="2971800" indent="-228600" eaLnBrk="0" fontAlgn="base" hangingPunct="0">
+                <a:spcBef>
+                  <a:spcPct val="0"/>
+                </a:spcBef>
+                <a:spcAft>
+                  <a:spcPct val="0"/>
+                </a:spcAft>
+                <a:defRPr>
+                  <a:solidFill>
+                    <a:schemeClr val="tx1"/>
+                  </a:solidFill>
+                  <a:latin typeface="Calibri" panose="020F0502020204030204" pitchFamily="34" charset="0"/>
+                </a:defRPr>
+              </a:lvl7pPr>
+              <a:lvl8pPr marL="3429000" indent="-228600" eaLnBrk="0" fontAlgn="base" hangingPunct="0">
+                <a:spcBef>
+                  <a:spcPct val="0"/>
+                </a:spcBef>
+                <a:spcAft>
+                  <a:spcPct val="0"/>
+                </a:spcAft>
+                <a:defRPr>
+                  <a:solidFill>
+                    <a:schemeClr val="tx1"/>
+                  </a:solidFill>
+                  <a:latin typeface="Calibri" panose="020F0502020204030204" pitchFamily="34" charset="0"/>
+                </a:defRPr>
+              </a:lvl8pPr>
+              <a:lvl9pPr marL="3886200" indent="-228600" eaLnBrk="0" fontAlgn="base" hangingPunct="0">
+                <a:spcBef>
+                  <a:spcPct val="0"/>
+                </a:spcBef>
+                <a:spcAft>
+                  <a:spcPct val="0"/>
+                </a:spcAft>
+                <a:defRPr>
+                  <a:solidFill>
+                    <a:schemeClr val="tx1"/>
+                  </a:solidFill>
+                  <a:latin typeface="Calibri" panose="020F0502020204030204" pitchFamily="34" charset="0"/>
+                </a:defRPr>
+              </a:lvl9pPr>
+            </a:lstStyle>
+            <a:p>
+              <a:pPr algn="ctr" eaLnBrk="1" hangingPunct="1"/>
+              <a:r>
+                <a:rPr lang="en-US" altLang="en-US" sz="800" dirty="0">
+                  <a:latin typeface="Arial" panose="020B0604020202020204" pitchFamily="34" charset="0"/>
+                  <a:ea typeface="Amazon Ember" panose="020B0603020204020204" pitchFamily="34" charset="0"/>
+                  <a:cs typeface="Arial" panose="020B0604020202020204" pitchFamily="34" charset="0"/>
+                </a:rPr>
+                <a:t>AWS Site-to-Site VPN</a:t>
+              </a:r>
+            </a:p>
+          </p:txBody>
+        </p:sp>
+        <p:pic>
+          <p:nvPicPr>
+            <p:cNvPr id="122" name="Graphic 18">
+              <a:extLst>
+                <a:ext uri="{FF2B5EF4-FFF2-40B4-BE49-F238E27FC236}">
+                  <a16:creationId xmlns:a16="http://schemas.microsoft.com/office/drawing/2014/main" id="{5E06E579-0BC6-4ECC-9353-4F129F9EC44D}"/>
+                </a:ext>
+              </a:extLst>
+            </p:cNvPr>
+            <p:cNvPicPr>
+              <a:picLocks noChangeAspect="1" noChangeArrowheads="1"/>
+            </p:cNvPicPr>
+            <p:nvPr/>
+          </p:nvPicPr>
+          <p:blipFill>
+            <a:blip r:embed="rId7">
+              <a:extLst>
+                <a:ext uri="{28A0092B-C50C-407E-A947-70E740481C1C}">
+                  <a14:useLocalDpi xmlns:a14="http://schemas.microsoft.com/office/drawing/2010/main" val="0"/>
+                </a:ext>
+              </a:extLst>
+            </a:blip>
+            <a:srcRect/>
+            <a:stretch>
+              <a:fillRect/>
+            </a:stretch>
+          </p:blipFill>
+          <p:spPr bwMode="auto">
+            <a:xfrm>
+              <a:off x="10701314" y="1529754"/>
+              <a:ext cx="480391" cy="480391"/>
+            </a:xfrm>
+            <a:prstGeom prst="rect">
+              <a:avLst/>
+            </a:prstGeom>
+            <a:noFill/>
+            <a:ln>
+              <a:noFill/>
+            </a:ln>
+            <a:extLst>
+              <a:ext uri="{909E8E84-426E-40DD-AFC4-6F175D3DCCD1}">
+                <a14:hiddenFill xmlns:a14="http://schemas.microsoft.com/office/drawing/2010/main">
+                  <a:solidFill>
+                    <a:srgbClr val="FFFFFF"/>
+                  </a:solidFill>
+                </a14:hiddenFill>
+              </a:ext>
+              <a:ext uri="{91240B29-F687-4F45-9708-019B960494DF}">
+                <a14:hiddenLine xmlns:a14="http://schemas.microsoft.com/office/drawing/2010/main" w="9525">
+                  <a:solidFill>
+                    <a:srgbClr val="000000"/>
+                  </a:solidFill>
+                  <a:miter lim="800000"/>
+                  <a:headEnd/>
+                  <a:tailEnd/>
+                </a14:hiddenLine>
+              </a:ext>
+            </a:extLst>
+          </p:spPr>
+        </p:pic>
+        <p:sp>
+          <p:nvSpPr>
+            <p:cNvPr id="123" name="TextBox 12">
+              <a:extLst>
+                <a:ext uri="{FF2B5EF4-FFF2-40B4-BE49-F238E27FC236}">
+                  <a16:creationId xmlns:a16="http://schemas.microsoft.com/office/drawing/2014/main" id="{E772D843-DA4A-4A23-A062-690E677350AF}"/>
+                </a:ext>
+              </a:extLst>
+            </p:cNvPr>
+            <p:cNvSpPr txBox="1">
+              <a:spLocks noChangeArrowheads="1"/>
+            </p:cNvSpPr>
+            <p:nvPr/>
+          </p:nvSpPr>
+          <p:spPr bwMode="auto">
+            <a:xfrm>
+              <a:off x="10375547" y="2012374"/>
+              <a:ext cx="1131923" cy="215444"/>
+            </a:xfrm>
+            <a:prstGeom prst="rect">
+              <a:avLst/>
+            </a:prstGeom>
+            <a:noFill/>
+            <a:ln>
+              <a:noFill/>
+            </a:ln>
+            <a:extLst>
+              <a:ext uri="{909E8E84-426E-40DD-AFC4-6F175D3DCCD1}">
+                <a14:hiddenFill xmlns:a14="http://schemas.microsoft.com/office/drawing/2010/main">
+                  <a:solidFill>
+                    <a:srgbClr val="FFFFFF"/>
+                  </a:solidFill>
+                </a14:hiddenFill>
+              </a:ext>
+              <a:ext uri="{91240B29-F687-4F45-9708-019B960494DF}">
+                <a14:hiddenLine xmlns:a14="http://schemas.microsoft.com/office/drawing/2010/main" w="9525">
+                  <a:solidFill>
+                    <a:srgbClr val="000000"/>
+                  </a:solidFill>
+                  <a:miter lim="800000"/>
+                  <a:headEnd/>
+                  <a:tailEnd/>
+                </a14:hiddenLine>
+              </a:ext>
+            </a:extLst>
+          </p:spPr>
+          <p:txBody>
+            <a:bodyPr wrap="square">
+              <a:spAutoFit/>
+            </a:bodyPr>
+            <a:lstStyle>
+              <a:lvl1pPr>
+                <a:defRPr>
+                  <a:solidFill>
+                    <a:schemeClr val="tx1"/>
+                  </a:solidFill>
+                  <a:latin typeface="Calibri" panose="020F0502020204030204" pitchFamily="34" charset="0"/>
+                </a:defRPr>
+              </a:lvl1pPr>
+              <a:lvl2pPr marL="742950" indent="-285750">
+                <a:defRPr>
+                  <a:solidFill>
+                    <a:schemeClr val="tx1"/>
+                  </a:solidFill>
+                  <a:latin typeface="Calibri" panose="020F0502020204030204" pitchFamily="34" charset="0"/>
+                </a:defRPr>
+              </a:lvl2pPr>
+              <a:lvl3pPr marL="1143000" indent="-228600">
+                <a:defRPr>
+                  <a:solidFill>
+                    <a:schemeClr val="tx1"/>
+                  </a:solidFill>
+                  <a:latin typeface="Calibri" panose="020F0502020204030204" pitchFamily="34" charset="0"/>
+                </a:defRPr>
+              </a:lvl3pPr>
+              <a:lvl4pPr marL="1600200" indent="-228600">
+                <a:defRPr>
+                  <a:solidFill>
+                    <a:schemeClr val="tx1"/>
+                  </a:solidFill>
+                  <a:latin typeface="Calibri" panose="020F0502020204030204" pitchFamily="34" charset="0"/>
+                </a:defRPr>
+              </a:lvl4pPr>
+              <a:lvl5pPr marL="2057400" indent="-228600">
+                <a:defRPr>
+                  <a:solidFill>
+                    <a:schemeClr val="tx1"/>
+                  </a:solidFill>
+                  <a:latin typeface="Calibri" panose="020F0502020204030204" pitchFamily="34" charset="0"/>
+                </a:defRPr>
+              </a:lvl5pPr>
+              <a:lvl6pPr marL="2514600" indent="-228600" eaLnBrk="0" fontAlgn="base" hangingPunct="0">
+                <a:spcBef>
+                  <a:spcPct val="0"/>
+                </a:spcBef>
+                <a:spcAft>
+                  <a:spcPct val="0"/>
+                </a:spcAft>
+                <a:defRPr>
+                  <a:solidFill>
+                    <a:schemeClr val="tx1"/>
+                  </a:solidFill>
+                  <a:latin typeface="Calibri" panose="020F0502020204030204" pitchFamily="34" charset="0"/>
+                </a:defRPr>
+              </a:lvl6pPr>
+              <a:lvl7pPr marL="2971800" indent="-228600" eaLnBrk="0" fontAlgn="base" hangingPunct="0">
+                <a:spcBef>
+                  <a:spcPct val="0"/>
+                </a:spcBef>
+                <a:spcAft>
+                  <a:spcPct val="0"/>
+                </a:spcAft>
+                <a:defRPr>
+                  <a:solidFill>
+                    <a:schemeClr val="tx1"/>
+                  </a:solidFill>
+                  <a:latin typeface="Calibri" panose="020F0502020204030204" pitchFamily="34" charset="0"/>
+                </a:defRPr>
+              </a:lvl7pPr>
+              <a:lvl8pPr marL="3429000" indent="-228600" eaLnBrk="0" fontAlgn="base" hangingPunct="0">
+                <a:spcBef>
+                  <a:spcPct val="0"/>
+                </a:spcBef>
+                <a:spcAft>
+                  <a:spcPct val="0"/>
+                </a:spcAft>
+                <a:defRPr>
+                  <a:solidFill>
+                    <a:schemeClr val="tx1"/>
+                  </a:solidFill>
+                  <a:latin typeface="Calibri" panose="020F0502020204030204" pitchFamily="34" charset="0"/>
+                </a:defRPr>
+              </a:lvl8pPr>
+              <a:lvl9pPr marL="3886200" indent="-228600" eaLnBrk="0" fontAlgn="base" hangingPunct="0">
+                <a:spcBef>
+                  <a:spcPct val="0"/>
+                </a:spcBef>
+                <a:spcAft>
+                  <a:spcPct val="0"/>
+                </a:spcAft>
+                <a:defRPr>
+                  <a:solidFill>
+                    <a:schemeClr val="tx1"/>
+                  </a:solidFill>
+                  <a:latin typeface="Calibri" panose="020F0502020204030204" pitchFamily="34" charset="0"/>
+                </a:defRPr>
+              </a:lvl9pPr>
+            </a:lstStyle>
+            <a:p>
+              <a:pPr algn="ctr" eaLnBrk="1" hangingPunct="1"/>
+              <a:r>
+                <a:rPr lang="en-US" altLang="en-US" sz="800" dirty="0">
+                  <a:latin typeface="Arial" panose="020B0604020202020204" pitchFamily="34" charset="0"/>
+                  <a:ea typeface="Amazon Ember" panose="020B0603020204020204" pitchFamily="34" charset="0"/>
+                  <a:cs typeface="Arial" panose="020B0604020202020204" pitchFamily="34" charset="0"/>
+                </a:rPr>
+                <a:t>AWS Direct Connect</a:t>
+              </a:r>
+            </a:p>
+          </p:txBody>
+        </p:sp>
+        <p:sp>
+          <p:nvSpPr>
+            <p:cNvPr id="124" name="Rectangle 123">
+              <a:extLst>
+                <a:ext uri="{FF2B5EF4-FFF2-40B4-BE49-F238E27FC236}">
+                  <a16:creationId xmlns:a16="http://schemas.microsoft.com/office/drawing/2014/main" id="{0E2A9493-61C9-4306-9348-8405A4DDDC9A}"/>
+                </a:ext>
+              </a:extLst>
+            </p:cNvPr>
+            <p:cNvSpPr/>
+            <p:nvPr/>
+          </p:nvSpPr>
+          <p:spPr>
+            <a:xfrm>
+              <a:off x="9953248" y="396151"/>
+              <a:ext cx="1852804" cy="1837491"/>
+            </a:xfrm>
+            <a:prstGeom prst="rect">
+              <a:avLst/>
+            </a:prstGeom>
+            <a:noFill/>
+            <a:ln w="12700">
+              <a:solidFill>
+                <a:srgbClr val="5A6B86"/>
+              </a:solidFill>
+              <a:prstDash val="dash"/>
+            </a:ln>
+          </p:spPr>
+          <p:style>
+            <a:lnRef idx="2">
+              <a:schemeClr val="accent1">
+                <a:shade val="50000"/>
+              </a:schemeClr>
+            </a:lnRef>
+            <a:fillRef idx="1">
+              <a:schemeClr val="accent1"/>
+            </a:fillRef>
+            <a:effectRef idx="0">
+              <a:schemeClr val="accent1"/>
+            </a:effectRef>
+            <a:fontRef idx="minor">
+              <a:schemeClr val="lt1"/>
+            </a:fontRef>
+          </p:style>
+          <p:txBody>
+            <a:bodyPr tIns="91440"/>
+            <a:lstStyle/>
+            <a:p>
+              <a:pPr algn="ctr" eaLnBrk="1" fontAlgn="auto" hangingPunct="1">
+                <a:spcBef>
+                  <a:spcPts val="0"/>
+                </a:spcBef>
+                <a:spcAft>
+                  <a:spcPts val="0"/>
+                </a:spcAft>
+                <a:defRPr/>
+              </a:pPr>
+              <a:r>
+                <a:rPr lang="en-US" sz="1000" dirty="0">
+                  <a:solidFill>
+                    <a:srgbClr val="5A6B86"/>
+                  </a:solidFill>
+                  <a:latin typeface="Arial" panose="020B0604020202020204" pitchFamily="34" charset="0"/>
+                  <a:cs typeface="Arial" panose="020B0604020202020204" pitchFamily="34" charset="0"/>
+                </a:rPr>
+                <a:t>Customer Connectivity</a:t>
+              </a:r>
+            </a:p>
+          </p:txBody>
+        </p:sp>
+        <p:cxnSp>
+          <p:nvCxnSpPr>
+            <p:cNvPr id="125" name="Elbow Connector 12">
+              <a:extLst>
+                <a:ext uri="{FF2B5EF4-FFF2-40B4-BE49-F238E27FC236}">
+                  <a16:creationId xmlns:a16="http://schemas.microsoft.com/office/drawing/2014/main" id="{501D69CD-3FAB-40E7-B662-97E59B44AA21}"/>
+                </a:ext>
+              </a:extLst>
+            </p:cNvPr>
+            <p:cNvCxnSpPr>
+              <a:cxnSpLocks/>
+              <a:stCxn id="116" idx="3"/>
+            </p:cNvCxnSpPr>
+            <p:nvPr/>
+          </p:nvCxnSpPr>
+          <p:spPr>
+            <a:xfrm flipV="1">
+              <a:off x="5781678" y="1865501"/>
+              <a:ext cx="4781534" cy="4295"/>
+            </a:xfrm>
+            <a:prstGeom prst="bentConnector3">
+              <a:avLst>
+                <a:gd name="adj1" fmla="val 50000"/>
+              </a:avLst>
+            </a:prstGeom>
+            <a:ln w="12700">
+              <a:solidFill>
+                <a:srgbClr val="545B64"/>
+              </a:solidFill>
+              <a:headEnd type="arrow" w="med" len="med"/>
+              <a:tailEnd type="arrow" w="med" len="med"/>
+            </a:ln>
+          </p:spPr>
+          <p:style>
+            <a:lnRef idx="1">
+              <a:schemeClr val="accent1"/>
+            </a:lnRef>
+            <a:fillRef idx="0">
+              <a:schemeClr val="accent1"/>
+            </a:fillRef>
+            <a:effectRef idx="0">
+              <a:schemeClr val="accent1"/>
+            </a:effectRef>
+            <a:fontRef idx="minor">
+              <a:schemeClr val="tx1"/>
+            </a:fontRef>
+          </p:style>
+        </p:cxnSp>
+        <p:cxnSp>
+          <p:nvCxnSpPr>
+            <p:cNvPr id="126" name="Elbow Connector 13">
+              <a:extLst>
+                <a:ext uri="{FF2B5EF4-FFF2-40B4-BE49-F238E27FC236}">
+                  <a16:creationId xmlns:a16="http://schemas.microsoft.com/office/drawing/2014/main" id="{91904C93-4F65-4E29-9853-FDA80D2B3FB1}"/>
+                </a:ext>
+              </a:extLst>
+            </p:cNvPr>
+            <p:cNvCxnSpPr>
+              <a:cxnSpLocks/>
+              <a:stCxn id="116" idx="3"/>
+            </p:cNvCxnSpPr>
+            <p:nvPr/>
+          </p:nvCxnSpPr>
+          <p:spPr>
+            <a:xfrm flipV="1">
+              <a:off x="5781678" y="856392"/>
+              <a:ext cx="4781534" cy="1013404"/>
+            </a:xfrm>
+            <a:prstGeom prst="bentConnector3">
+              <a:avLst>
+                <a:gd name="adj1" fmla="val 83043"/>
+              </a:avLst>
+            </a:prstGeom>
+            <a:ln w="12700">
+              <a:solidFill>
+                <a:srgbClr val="545B64"/>
+              </a:solidFill>
+              <a:headEnd type="arrow" w="med" len="med"/>
+              <a:tailEnd type="arrow" w="med" len="med"/>
+            </a:ln>
+          </p:spPr>
+          <p:style>
+            <a:lnRef idx="1">
+              <a:schemeClr val="accent1"/>
+            </a:lnRef>
+            <a:fillRef idx="0">
+              <a:schemeClr val="accent1"/>
+            </a:fillRef>
+            <a:effectRef idx="0">
+              <a:schemeClr val="accent1"/>
+            </a:effectRef>
+            <a:fontRef idx="minor">
+              <a:schemeClr val="tx1"/>
+            </a:fontRef>
+          </p:style>
+        </p:cxnSp>
+      </p:grpSp>
+      <p:grpSp>
+        <p:nvGrpSpPr>
+          <p:cNvPr id="23" name="Group 22">
+            <a:extLst>
+              <a:ext uri="{FF2B5EF4-FFF2-40B4-BE49-F238E27FC236}">
+                <a16:creationId xmlns:a16="http://schemas.microsoft.com/office/drawing/2014/main" id="{3BD2A8DC-E8C1-CD4D-8DD9-57C77E29EA44}"/>
+              </a:ext>
+            </a:extLst>
+          </p:cNvPr>
+          <p:cNvGrpSpPr/>
+          <p:nvPr/>
+        </p:nvGrpSpPr>
+        <p:grpSpPr>
+          <a:xfrm>
+            <a:off x="2752003" y="5894502"/>
+            <a:ext cx="1159669" cy="820395"/>
+            <a:chOff x="5983978" y="3688943"/>
+            <a:chExt cx="1159669" cy="820395"/>
+          </a:xfrm>
+        </p:grpSpPr>
+        <p:pic>
+          <p:nvPicPr>
+            <p:cNvPr id="130" name="Graphic 8">
+              <a:extLst>
+                <a:ext uri="{FF2B5EF4-FFF2-40B4-BE49-F238E27FC236}">
+                  <a16:creationId xmlns:a16="http://schemas.microsoft.com/office/drawing/2014/main" id="{314AD014-54D5-4DA3-9B81-C520C6A1FD78}"/>
+                </a:ext>
+              </a:extLst>
+            </p:cNvPr>
+            <p:cNvPicPr>
+              <a:picLocks noChangeAspect="1" noChangeArrowheads="1"/>
+            </p:cNvPicPr>
+            <p:nvPr/>
+          </p:nvPicPr>
+          <p:blipFill>
+            <a:blip r:embed="rId8">
+              <a:extLst>
+                <a:ext uri="{28A0092B-C50C-407E-A947-70E740481C1C}">
+                  <a14:useLocalDpi xmlns:a14="http://schemas.microsoft.com/office/drawing/2010/main" val="0"/>
+                </a:ext>
+              </a:extLst>
+            </a:blip>
+            <a:srcRect/>
+            <a:stretch>
+              <a:fillRect/>
+            </a:stretch>
+          </p:blipFill>
+          <p:spPr bwMode="auto">
+            <a:xfrm>
+              <a:off x="6324598" y="3688943"/>
+              <a:ext cx="480391" cy="480391"/>
+            </a:xfrm>
+            <a:prstGeom prst="rect">
+              <a:avLst/>
+            </a:prstGeom>
+            <a:noFill/>
+            <a:ln>
+              <a:noFill/>
+            </a:ln>
+            <a:extLst>
+              <a:ext uri="{909E8E84-426E-40DD-AFC4-6F175D3DCCD1}">
+                <a14:hiddenFill xmlns:a14="http://schemas.microsoft.com/office/drawing/2010/main">
+                  <a:solidFill>
+                    <a:srgbClr val="FFFFFF"/>
+                  </a:solidFill>
+                </a14:hiddenFill>
+              </a:ext>
+              <a:ext uri="{91240B29-F687-4F45-9708-019B960494DF}">
+                <a14:hiddenLine xmlns:a14="http://schemas.microsoft.com/office/drawing/2010/main" w="9525">
+                  <a:solidFill>
+                    <a:srgbClr val="000000"/>
+                  </a:solidFill>
+                  <a:miter lim="800000"/>
+                  <a:headEnd/>
+                  <a:tailEnd/>
+                </a14:hiddenLine>
+              </a:ext>
+            </a:extLst>
+          </p:spPr>
+        </p:pic>
+        <p:sp>
+          <p:nvSpPr>
+            <p:cNvPr id="131" name="TextBox 9">
+              <a:extLst>
+                <a:ext uri="{FF2B5EF4-FFF2-40B4-BE49-F238E27FC236}">
+                  <a16:creationId xmlns:a16="http://schemas.microsoft.com/office/drawing/2014/main" id="{5A7E061F-E6C1-4470-B2E4-CD1848230645}"/>
+                </a:ext>
+              </a:extLst>
+            </p:cNvPr>
+            <p:cNvSpPr txBox="1">
+              <a:spLocks noChangeArrowheads="1"/>
+            </p:cNvSpPr>
+            <p:nvPr/>
+          </p:nvSpPr>
+          <p:spPr bwMode="auto">
+            <a:xfrm>
+              <a:off x="5983978" y="4170784"/>
+              <a:ext cx="1159669" cy="338554"/>
+            </a:xfrm>
+            <a:prstGeom prst="rect">
+              <a:avLst/>
+            </a:prstGeom>
+            <a:noFill/>
+            <a:ln>
+              <a:noFill/>
+            </a:ln>
+            <a:extLst>
+              <a:ext uri="{909E8E84-426E-40DD-AFC4-6F175D3DCCD1}">
+                <a14:hiddenFill xmlns:a14="http://schemas.microsoft.com/office/drawing/2010/main">
+                  <a:solidFill>
+                    <a:srgbClr val="FFFFFF"/>
+                  </a:solidFill>
+                </a14:hiddenFill>
+              </a:ext>
+              <a:ext uri="{91240B29-F687-4F45-9708-019B960494DF}">
+                <a14:hiddenLine xmlns:a14="http://schemas.microsoft.com/office/drawing/2010/main" w="9525">
+                  <a:solidFill>
+                    <a:srgbClr val="000000"/>
+                  </a:solidFill>
+                  <a:miter lim="800000"/>
+                  <a:headEnd/>
+                  <a:tailEnd/>
+                </a14:hiddenLine>
+              </a:ext>
+            </a:extLst>
+          </p:spPr>
+          <p:txBody>
+            <a:bodyPr wrap="square">
+              <a:spAutoFit/>
+            </a:bodyPr>
+            <a:lstStyle>
+              <a:lvl1pPr>
+                <a:defRPr>
+                  <a:solidFill>
+                    <a:schemeClr val="tx1"/>
+                  </a:solidFill>
+                  <a:latin typeface="Calibri" panose="020F0502020204030204" pitchFamily="34" charset="0"/>
+                </a:defRPr>
+              </a:lvl1pPr>
+              <a:lvl2pPr marL="742950" indent="-285750">
+                <a:defRPr>
+                  <a:solidFill>
+                    <a:schemeClr val="tx1"/>
+                  </a:solidFill>
+                  <a:latin typeface="Calibri" panose="020F0502020204030204" pitchFamily="34" charset="0"/>
+                </a:defRPr>
+              </a:lvl2pPr>
+              <a:lvl3pPr marL="1143000" indent="-228600">
+                <a:defRPr>
+                  <a:solidFill>
+                    <a:schemeClr val="tx1"/>
+                  </a:solidFill>
+                  <a:latin typeface="Calibri" panose="020F0502020204030204" pitchFamily="34" charset="0"/>
+                </a:defRPr>
+              </a:lvl3pPr>
+              <a:lvl4pPr marL="1600200" indent="-228600">
+                <a:defRPr>
+                  <a:solidFill>
+                    <a:schemeClr val="tx1"/>
+                  </a:solidFill>
+                  <a:latin typeface="Calibri" panose="020F0502020204030204" pitchFamily="34" charset="0"/>
+                </a:defRPr>
+              </a:lvl4pPr>
+              <a:lvl5pPr marL="2057400" indent="-228600">
+                <a:defRPr>
+                  <a:solidFill>
+                    <a:schemeClr val="tx1"/>
+                  </a:solidFill>
+                  <a:latin typeface="Calibri" panose="020F0502020204030204" pitchFamily="34" charset="0"/>
+                </a:defRPr>
+              </a:lvl5pPr>
+              <a:lvl6pPr marL="2514600" indent="-228600" eaLnBrk="0" fontAlgn="base" hangingPunct="0">
+                <a:spcBef>
+                  <a:spcPct val="0"/>
+                </a:spcBef>
+                <a:spcAft>
+                  <a:spcPct val="0"/>
+                </a:spcAft>
+                <a:defRPr>
+                  <a:solidFill>
+                    <a:schemeClr val="tx1"/>
+                  </a:solidFill>
+                  <a:latin typeface="Calibri" panose="020F0502020204030204" pitchFamily="34" charset="0"/>
+                </a:defRPr>
+              </a:lvl6pPr>
+              <a:lvl7pPr marL="2971800" indent="-228600" eaLnBrk="0" fontAlgn="base" hangingPunct="0">
+                <a:spcBef>
+                  <a:spcPct val="0"/>
+                </a:spcBef>
+                <a:spcAft>
+                  <a:spcPct val="0"/>
+                </a:spcAft>
+                <a:defRPr>
+                  <a:solidFill>
+                    <a:schemeClr val="tx1"/>
+                  </a:solidFill>
+                  <a:latin typeface="Calibri" panose="020F0502020204030204" pitchFamily="34" charset="0"/>
+                </a:defRPr>
+              </a:lvl7pPr>
+              <a:lvl8pPr marL="3429000" indent="-228600" eaLnBrk="0" fontAlgn="base" hangingPunct="0">
+                <a:spcBef>
+                  <a:spcPct val="0"/>
+                </a:spcBef>
+                <a:spcAft>
+                  <a:spcPct val="0"/>
+                </a:spcAft>
+                <a:defRPr>
+                  <a:solidFill>
+                    <a:schemeClr val="tx1"/>
+                  </a:solidFill>
+                  <a:latin typeface="Calibri" panose="020F0502020204030204" pitchFamily="34" charset="0"/>
+                </a:defRPr>
+              </a:lvl8pPr>
+              <a:lvl9pPr marL="3886200" indent="-228600" eaLnBrk="0" fontAlgn="base" hangingPunct="0">
+                <a:spcBef>
+                  <a:spcPct val="0"/>
+                </a:spcBef>
+                <a:spcAft>
+                  <a:spcPct val="0"/>
+                </a:spcAft>
+                <a:defRPr>
+                  <a:solidFill>
+                    <a:schemeClr val="tx1"/>
+                  </a:solidFill>
+                  <a:latin typeface="Calibri" panose="020F0502020204030204" pitchFamily="34" charset="0"/>
+                </a:defRPr>
+              </a:lvl9pPr>
+            </a:lstStyle>
+            <a:p>
+              <a:pPr algn="ctr" eaLnBrk="1" hangingPunct="1"/>
+              <a:r>
+                <a:rPr lang="en-US" altLang="en-US" sz="800" dirty="0">
+                  <a:latin typeface="Arial" panose="020B0604020202020204" pitchFamily="34" charset="0"/>
+                  <a:ea typeface="Amazon Ember" panose="020B0603020204020204" pitchFamily="34" charset="0"/>
+                  <a:cs typeface="Arial" panose="020B0604020202020204" pitchFamily="34" charset="0"/>
+                </a:rPr>
+                <a:t>Amazon Simple</a:t>
+              </a:r>
+              <a:br>
+                <a:rPr lang="en-US" altLang="en-US" sz="800" dirty="0">
+                  <a:latin typeface="Arial" panose="020B0604020202020204" pitchFamily="34" charset="0"/>
+                  <a:ea typeface="Amazon Ember" panose="020B0603020204020204" pitchFamily="34" charset="0"/>
+                  <a:cs typeface="Arial" panose="020B0604020202020204" pitchFamily="34" charset="0"/>
+                </a:rPr>
+              </a:br>
+              <a:r>
+                <a:rPr lang="en-US" altLang="en-US" sz="800" dirty="0">
+                  <a:latin typeface="Arial" panose="020B0604020202020204" pitchFamily="34" charset="0"/>
+                  <a:ea typeface="Amazon Ember" panose="020B0603020204020204" pitchFamily="34" charset="0"/>
+                  <a:cs typeface="Arial" panose="020B0604020202020204" pitchFamily="34" charset="0"/>
+                </a:rPr>
+                <a:t>Storage Service (S3)</a:t>
+              </a:r>
+            </a:p>
+          </p:txBody>
+        </p:sp>
+      </p:grpSp>
+      <p:grpSp>
+        <p:nvGrpSpPr>
+          <p:cNvPr id="36" name="Group 35">
+            <a:extLst>
+              <a:ext uri="{FF2B5EF4-FFF2-40B4-BE49-F238E27FC236}">
+                <a16:creationId xmlns:a16="http://schemas.microsoft.com/office/drawing/2014/main" id="{165E2975-C15F-EF4C-845C-EB492128EC4C}"/>
+              </a:ext>
+            </a:extLst>
+          </p:cNvPr>
+          <p:cNvGrpSpPr/>
+          <p:nvPr/>
+        </p:nvGrpSpPr>
+        <p:grpSpPr>
+          <a:xfrm>
+            <a:off x="2727778" y="4959214"/>
+            <a:ext cx="1266584" cy="709815"/>
+            <a:chOff x="3720386" y="5334505"/>
+            <a:chExt cx="1266584" cy="709815"/>
+          </a:xfrm>
+        </p:grpSpPr>
+        <p:pic>
+          <p:nvPicPr>
+            <p:cNvPr id="139" name="Graphic 17">
+              <a:extLst>
+                <a:ext uri="{FF2B5EF4-FFF2-40B4-BE49-F238E27FC236}">
+                  <a16:creationId xmlns:a16="http://schemas.microsoft.com/office/drawing/2014/main" id="{BB0E22CC-3B4D-455B-9AB5-E0D27AFF8F92}"/>
+                </a:ext>
+              </a:extLst>
+            </p:cNvPr>
+            <p:cNvPicPr>
+              <a:picLocks noChangeAspect="1" noChangeArrowheads="1"/>
+            </p:cNvPicPr>
+            <p:nvPr/>
+          </p:nvPicPr>
+          <p:blipFill>
+            <a:blip r:embed="rId9">
+              <a:extLst>
+                <a:ext uri="{28A0092B-C50C-407E-A947-70E740481C1C}">
+                  <a14:useLocalDpi xmlns:a14="http://schemas.microsoft.com/office/drawing/2010/main" val="0"/>
+                </a:ext>
+              </a:extLst>
+            </a:blip>
+            <a:srcRect/>
+            <a:stretch>
+              <a:fillRect/>
+            </a:stretch>
+          </p:blipFill>
+          <p:spPr bwMode="auto">
+            <a:xfrm>
+              <a:off x="4103988" y="5334505"/>
+              <a:ext cx="480391" cy="480391"/>
+            </a:xfrm>
+            <a:prstGeom prst="rect">
+              <a:avLst/>
+            </a:prstGeom>
+            <a:noFill/>
+            <a:ln>
+              <a:noFill/>
+            </a:ln>
+            <a:extLst>
+              <a:ext uri="{909E8E84-426E-40DD-AFC4-6F175D3DCCD1}">
+                <a14:hiddenFill xmlns:a14="http://schemas.microsoft.com/office/drawing/2010/main">
+                  <a:solidFill>
+                    <a:srgbClr val="FFFFFF"/>
+                  </a:solidFill>
+                </a14:hiddenFill>
+              </a:ext>
+              <a:ext uri="{91240B29-F687-4F45-9708-019B960494DF}">
+                <a14:hiddenLine xmlns:a14="http://schemas.microsoft.com/office/drawing/2010/main" w="9525">
+                  <a:solidFill>
+                    <a:srgbClr val="000000"/>
+                  </a:solidFill>
+                  <a:miter lim="800000"/>
+                  <a:headEnd/>
+                  <a:tailEnd/>
+                </a14:hiddenLine>
+              </a:ext>
+            </a:extLst>
+          </p:spPr>
+        </p:pic>
+        <p:sp>
+          <p:nvSpPr>
+            <p:cNvPr id="140" name="TextBox 9">
+              <a:extLst>
+                <a:ext uri="{FF2B5EF4-FFF2-40B4-BE49-F238E27FC236}">
+                  <a16:creationId xmlns:a16="http://schemas.microsoft.com/office/drawing/2014/main" id="{32584F19-656D-456B-A6F4-087A5B2883E2}"/>
+                </a:ext>
+              </a:extLst>
+            </p:cNvPr>
+            <p:cNvSpPr txBox="1">
+              <a:spLocks noChangeArrowheads="1"/>
+            </p:cNvSpPr>
+            <p:nvPr/>
+          </p:nvSpPr>
+          <p:spPr bwMode="auto">
+            <a:xfrm>
+              <a:off x="3720386" y="5828876"/>
+              <a:ext cx="1266584" cy="215444"/>
+            </a:xfrm>
+            <a:prstGeom prst="rect">
+              <a:avLst/>
+            </a:prstGeom>
+            <a:noFill/>
+            <a:ln>
+              <a:noFill/>
+            </a:ln>
+            <a:extLst>
+              <a:ext uri="{909E8E84-426E-40DD-AFC4-6F175D3DCCD1}">
+                <a14:hiddenFill xmlns:a14="http://schemas.microsoft.com/office/drawing/2010/main">
+                  <a:solidFill>
+                    <a:srgbClr val="FFFFFF"/>
+                  </a:solidFill>
+                </a14:hiddenFill>
+              </a:ext>
+              <a:ext uri="{91240B29-F687-4F45-9708-019B960494DF}">
+                <a14:hiddenLine xmlns:a14="http://schemas.microsoft.com/office/drawing/2010/main" w="9525">
+                  <a:solidFill>
+                    <a:srgbClr val="000000"/>
+                  </a:solidFill>
+                  <a:miter lim="800000"/>
+                  <a:headEnd/>
+                  <a:tailEnd/>
+                </a14:hiddenLine>
+              </a:ext>
+            </a:extLst>
+          </p:spPr>
+          <p:txBody>
+            <a:bodyPr wrap="square">
+              <a:spAutoFit/>
+            </a:bodyPr>
+            <a:lstStyle>
+              <a:lvl1pPr>
+                <a:defRPr>
+                  <a:solidFill>
+                    <a:schemeClr val="tx1"/>
+                  </a:solidFill>
+                  <a:latin typeface="Calibri" panose="020F0502020204030204" pitchFamily="34" charset="0"/>
+                </a:defRPr>
+              </a:lvl1pPr>
+              <a:lvl2pPr marL="742950" indent="-285750">
+                <a:defRPr>
+                  <a:solidFill>
+                    <a:schemeClr val="tx1"/>
+                  </a:solidFill>
+                  <a:latin typeface="Calibri" panose="020F0502020204030204" pitchFamily="34" charset="0"/>
+                </a:defRPr>
+              </a:lvl2pPr>
+              <a:lvl3pPr marL="1143000" indent="-228600">
+                <a:defRPr>
+                  <a:solidFill>
+                    <a:schemeClr val="tx1"/>
+                  </a:solidFill>
+                  <a:latin typeface="Calibri" panose="020F0502020204030204" pitchFamily="34" charset="0"/>
+                </a:defRPr>
+              </a:lvl3pPr>
+              <a:lvl4pPr marL="1600200" indent="-228600">
+                <a:defRPr>
+                  <a:solidFill>
+                    <a:schemeClr val="tx1"/>
+                  </a:solidFill>
+                  <a:latin typeface="Calibri" panose="020F0502020204030204" pitchFamily="34" charset="0"/>
+                </a:defRPr>
+              </a:lvl4pPr>
+              <a:lvl5pPr marL="2057400" indent="-228600">
+                <a:defRPr>
+                  <a:solidFill>
+                    <a:schemeClr val="tx1"/>
+                  </a:solidFill>
+                  <a:latin typeface="Calibri" panose="020F0502020204030204" pitchFamily="34" charset="0"/>
+                </a:defRPr>
+              </a:lvl5pPr>
+              <a:lvl6pPr marL="2514600" indent="-228600" eaLnBrk="0" fontAlgn="base" hangingPunct="0">
+                <a:spcBef>
+                  <a:spcPct val="0"/>
+                </a:spcBef>
+                <a:spcAft>
+                  <a:spcPct val="0"/>
+                </a:spcAft>
+                <a:defRPr>
+                  <a:solidFill>
+                    <a:schemeClr val="tx1"/>
+                  </a:solidFill>
+                  <a:latin typeface="Calibri" panose="020F0502020204030204" pitchFamily="34" charset="0"/>
+                </a:defRPr>
+              </a:lvl6pPr>
+              <a:lvl7pPr marL="2971800" indent="-228600" eaLnBrk="0" fontAlgn="base" hangingPunct="0">
+                <a:spcBef>
+                  <a:spcPct val="0"/>
+                </a:spcBef>
+                <a:spcAft>
+                  <a:spcPct val="0"/>
+                </a:spcAft>
+                <a:defRPr>
+                  <a:solidFill>
+                    <a:schemeClr val="tx1"/>
+                  </a:solidFill>
+                  <a:latin typeface="Calibri" panose="020F0502020204030204" pitchFamily="34" charset="0"/>
+                </a:defRPr>
+              </a:lvl7pPr>
+              <a:lvl8pPr marL="3429000" indent="-228600" eaLnBrk="0" fontAlgn="base" hangingPunct="0">
+                <a:spcBef>
+                  <a:spcPct val="0"/>
+                </a:spcBef>
+                <a:spcAft>
+                  <a:spcPct val="0"/>
+                </a:spcAft>
+                <a:defRPr>
+                  <a:solidFill>
+                    <a:schemeClr val="tx1"/>
+                  </a:solidFill>
+                  <a:latin typeface="Calibri" panose="020F0502020204030204" pitchFamily="34" charset="0"/>
+                </a:defRPr>
+              </a:lvl8pPr>
+              <a:lvl9pPr marL="3886200" indent="-228600" eaLnBrk="0" fontAlgn="base" hangingPunct="0">
+                <a:spcBef>
+                  <a:spcPct val="0"/>
+                </a:spcBef>
+                <a:spcAft>
+                  <a:spcPct val="0"/>
+                </a:spcAft>
+                <a:defRPr>
+                  <a:solidFill>
+                    <a:schemeClr val="tx1"/>
+                  </a:solidFill>
+                  <a:latin typeface="Calibri" panose="020F0502020204030204" pitchFamily="34" charset="0"/>
+                </a:defRPr>
+              </a:lvl9pPr>
+            </a:lstStyle>
+            <a:p>
+              <a:pPr algn="ctr" eaLnBrk="1" hangingPunct="1"/>
+              <a:r>
+                <a:rPr lang="en-US" altLang="en-US" sz="800" dirty="0">
+                  <a:latin typeface="Arial" panose="020B0604020202020204" pitchFamily="34" charset="0"/>
+                  <a:ea typeface="Amazon Ember" panose="020B0603020204020204" pitchFamily="34" charset="0"/>
+                  <a:cs typeface="Arial" panose="020B0604020202020204" pitchFamily="34" charset="0"/>
+                </a:rPr>
+                <a:t>Amazon CloudWatch</a:t>
+              </a:r>
+            </a:p>
+          </p:txBody>
+        </p:sp>
+      </p:grpSp>
+      <p:grpSp>
+        <p:nvGrpSpPr>
+          <p:cNvPr id="24" name="Group 23">
+            <a:extLst>
+              <a:ext uri="{FF2B5EF4-FFF2-40B4-BE49-F238E27FC236}">
+                <a16:creationId xmlns:a16="http://schemas.microsoft.com/office/drawing/2014/main" id="{3D404943-84B3-304C-B22E-E3FF2A7E2941}"/>
+              </a:ext>
+            </a:extLst>
+          </p:cNvPr>
+          <p:cNvGrpSpPr/>
+          <p:nvPr/>
+        </p:nvGrpSpPr>
+        <p:grpSpPr>
+          <a:xfrm>
+            <a:off x="5031214" y="4954348"/>
+            <a:ext cx="923010" cy="697285"/>
+            <a:chOff x="4907299" y="3690393"/>
+            <a:chExt cx="923010" cy="697285"/>
+          </a:xfrm>
+        </p:grpSpPr>
+        <p:pic>
+          <p:nvPicPr>
+            <p:cNvPr id="138" name="Graphic 23">
+              <a:extLst>
+                <a:ext uri="{FF2B5EF4-FFF2-40B4-BE49-F238E27FC236}">
+                  <a16:creationId xmlns:a16="http://schemas.microsoft.com/office/drawing/2014/main" id="{303837D7-6BCE-4CC0-8B3B-89883083AD1F}"/>
+                </a:ext>
+              </a:extLst>
+            </p:cNvPr>
+            <p:cNvPicPr>
+              <a:picLocks noChangeAspect="1" noChangeArrowheads="1"/>
+            </p:cNvPicPr>
+            <p:nvPr/>
+          </p:nvPicPr>
+          <p:blipFill>
+            <a:blip r:embed="rId10">
+              <a:extLst>
+                <a:ext uri="{28A0092B-C50C-407E-A947-70E740481C1C}">
+                  <a14:useLocalDpi xmlns:a14="http://schemas.microsoft.com/office/drawing/2010/main" val="0"/>
+                </a:ext>
+              </a:extLst>
+            </a:blip>
+            <a:srcRect/>
+            <a:stretch>
+              <a:fillRect/>
+            </a:stretch>
+          </p:blipFill>
+          <p:spPr bwMode="auto">
+            <a:xfrm>
+              <a:off x="5115849" y="3690393"/>
+              <a:ext cx="480391" cy="480391"/>
+            </a:xfrm>
+            <a:prstGeom prst="rect">
+              <a:avLst/>
+            </a:prstGeom>
+            <a:noFill/>
+            <a:ln>
+              <a:noFill/>
+            </a:ln>
+            <a:extLst>
+              <a:ext uri="{909E8E84-426E-40DD-AFC4-6F175D3DCCD1}">
+                <a14:hiddenFill xmlns:a14="http://schemas.microsoft.com/office/drawing/2010/main">
+                  <a:solidFill>
+                    <a:srgbClr val="FFFFFF"/>
+                  </a:solidFill>
+                </a14:hiddenFill>
+              </a:ext>
+              <a:ext uri="{91240B29-F687-4F45-9708-019B960494DF}">
+                <a14:hiddenLine xmlns:a14="http://schemas.microsoft.com/office/drawing/2010/main" w="9525">
+                  <a:solidFill>
+                    <a:srgbClr val="000000"/>
+                  </a:solidFill>
+                  <a:miter lim="800000"/>
+                  <a:headEnd/>
+                  <a:tailEnd/>
+                </a14:hiddenLine>
+              </a:ext>
+            </a:extLst>
+          </p:spPr>
+        </p:pic>
+        <p:sp>
+          <p:nvSpPr>
+            <p:cNvPr id="141" name="TextBox 15">
+              <a:extLst>
+                <a:ext uri="{FF2B5EF4-FFF2-40B4-BE49-F238E27FC236}">
+                  <a16:creationId xmlns:a16="http://schemas.microsoft.com/office/drawing/2014/main" id="{8EFD6AFD-66EB-4CDD-BFAB-4945C710A1D8}"/>
+                </a:ext>
+              </a:extLst>
+            </p:cNvPr>
+            <p:cNvSpPr txBox="1">
+              <a:spLocks noChangeArrowheads="1"/>
+            </p:cNvSpPr>
+            <p:nvPr/>
+          </p:nvSpPr>
+          <p:spPr bwMode="auto">
+            <a:xfrm>
+              <a:off x="4907299" y="4172234"/>
+              <a:ext cx="923010" cy="215444"/>
+            </a:xfrm>
+            <a:prstGeom prst="rect">
+              <a:avLst/>
+            </a:prstGeom>
+            <a:noFill/>
+            <a:ln>
+              <a:noFill/>
+            </a:ln>
+            <a:extLst>
+              <a:ext uri="{909E8E84-426E-40DD-AFC4-6F175D3DCCD1}">
+                <a14:hiddenFill xmlns:a14="http://schemas.microsoft.com/office/drawing/2010/main">
+                  <a:solidFill>
+                    <a:srgbClr val="FFFFFF"/>
+                  </a:solidFill>
+                </a14:hiddenFill>
+              </a:ext>
+              <a:ext uri="{91240B29-F687-4F45-9708-019B960494DF}">
+                <a14:hiddenLine xmlns:a14="http://schemas.microsoft.com/office/drawing/2010/main" w="9525">
+                  <a:solidFill>
+                    <a:srgbClr val="000000"/>
+                  </a:solidFill>
+                  <a:miter lim="800000"/>
+                  <a:headEnd/>
+                  <a:tailEnd/>
+                </a14:hiddenLine>
+              </a:ext>
+            </a:extLst>
+          </p:spPr>
+          <p:txBody>
+            <a:bodyPr wrap="square">
+              <a:spAutoFit/>
+            </a:bodyPr>
+            <a:lstStyle>
+              <a:lvl1pPr>
+                <a:defRPr>
+                  <a:solidFill>
+                    <a:schemeClr val="tx1"/>
+                  </a:solidFill>
+                  <a:latin typeface="Calibri" panose="020F0502020204030204" pitchFamily="34" charset="0"/>
+                </a:defRPr>
+              </a:lvl1pPr>
+              <a:lvl2pPr marL="742950" indent="-285750">
+                <a:defRPr>
+                  <a:solidFill>
+                    <a:schemeClr val="tx1"/>
+                  </a:solidFill>
+                  <a:latin typeface="Calibri" panose="020F0502020204030204" pitchFamily="34" charset="0"/>
+                </a:defRPr>
+              </a:lvl2pPr>
+              <a:lvl3pPr marL="1143000" indent="-228600">
+                <a:defRPr>
+                  <a:solidFill>
+                    <a:schemeClr val="tx1"/>
+                  </a:solidFill>
+                  <a:latin typeface="Calibri" panose="020F0502020204030204" pitchFamily="34" charset="0"/>
+                </a:defRPr>
+              </a:lvl3pPr>
+              <a:lvl4pPr marL="1600200" indent="-228600">
+                <a:defRPr>
+                  <a:solidFill>
+                    <a:schemeClr val="tx1"/>
+                  </a:solidFill>
+                  <a:latin typeface="Calibri" panose="020F0502020204030204" pitchFamily="34" charset="0"/>
+                </a:defRPr>
+              </a:lvl4pPr>
+              <a:lvl5pPr marL="2057400" indent="-228600">
+                <a:defRPr>
+                  <a:solidFill>
+                    <a:schemeClr val="tx1"/>
+                  </a:solidFill>
+                  <a:latin typeface="Calibri" panose="020F0502020204030204" pitchFamily="34" charset="0"/>
+                </a:defRPr>
+              </a:lvl5pPr>
+              <a:lvl6pPr marL="2514600" indent="-228600" eaLnBrk="0" fontAlgn="base" hangingPunct="0">
+                <a:spcBef>
+                  <a:spcPct val="0"/>
+                </a:spcBef>
+                <a:spcAft>
+                  <a:spcPct val="0"/>
+                </a:spcAft>
+                <a:defRPr>
+                  <a:solidFill>
+                    <a:schemeClr val="tx1"/>
+                  </a:solidFill>
+                  <a:latin typeface="Calibri" panose="020F0502020204030204" pitchFamily="34" charset="0"/>
+                </a:defRPr>
+              </a:lvl6pPr>
+              <a:lvl7pPr marL="2971800" indent="-228600" eaLnBrk="0" fontAlgn="base" hangingPunct="0">
+                <a:spcBef>
+                  <a:spcPct val="0"/>
+                </a:spcBef>
+                <a:spcAft>
+                  <a:spcPct val="0"/>
+                </a:spcAft>
+                <a:defRPr>
+                  <a:solidFill>
+                    <a:schemeClr val="tx1"/>
+                  </a:solidFill>
+                  <a:latin typeface="Calibri" panose="020F0502020204030204" pitchFamily="34" charset="0"/>
+                </a:defRPr>
+              </a:lvl7pPr>
+              <a:lvl8pPr marL="3429000" indent="-228600" eaLnBrk="0" fontAlgn="base" hangingPunct="0">
+                <a:spcBef>
+                  <a:spcPct val="0"/>
+                </a:spcBef>
+                <a:spcAft>
+                  <a:spcPct val="0"/>
+                </a:spcAft>
+                <a:defRPr>
+                  <a:solidFill>
+                    <a:schemeClr val="tx1"/>
+                  </a:solidFill>
+                  <a:latin typeface="Calibri" panose="020F0502020204030204" pitchFamily="34" charset="0"/>
+                </a:defRPr>
+              </a:lvl8pPr>
+              <a:lvl9pPr marL="3886200" indent="-228600" eaLnBrk="0" fontAlgn="base" hangingPunct="0">
+                <a:spcBef>
+                  <a:spcPct val="0"/>
+                </a:spcBef>
+                <a:spcAft>
+                  <a:spcPct val="0"/>
+                </a:spcAft>
+                <a:defRPr>
+                  <a:solidFill>
+                    <a:schemeClr val="tx1"/>
+                  </a:solidFill>
+                  <a:latin typeface="Calibri" panose="020F0502020204030204" pitchFamily="34" charset="0"/>
+                </a:defRPr>
+              </a:lvl9pPr>
+            </a:lstStyle>
+            <a:p>
+              <a:pPr algn="ctr" eaLnBrk="1" hangingPunct="1"/>
+              <a:r>
+                <a:rPr lang="en-US" altLang="en-US" sz="800" dirty="0">
+                  <a:latin typeface="Arial" panose="020B0604020202020204" pitchFamily="34" charset="0"/>
+                  <a:ea typeface="Amazon Ember" panose="020B0603020204020204" pitchFamily="34" charset="0"/>
+                  <a:cs typeface="Arial" panose="020B0604020202020204" pitchFamily="34" charset="0"/>
+                </a:rPr>
+                <a:t>AWS CloudTrail</a:t>
+              </a:r>
+            </a:p>
+          </p:txBody>
+        </p:sp>
+      </p:grpSp>
+      <p:grpSp>
+        <p:nvGrpSpPr>
+          <p:cNvPr id="38" name="Group 37">
+            <a:extLst>
+              <a:ext uri="{FF2B5EF4-FFF2-40B4-BE49-F238E27FC236}">
+                <a16:creationId xmlns:a16="http://schemas.microsoft.com/office/drawing/2014/main" id="{0A79A401-DA1C-F443-BF08-5E79348CC6F6}"/>
+              </a:ext>
+            </a:extLst>
+          </p:cNvPr>
+          <p:cNvGrpSpPr/>
+          <p:nvPr/>
+        </p:nvGrpSpPr>
+        <p:grpSpPr>
+          <a:xfrm>
+            <a:off x="4065511" y="4961118"/>
+            <a:ext cx="751407" cy="696425"/>
+            <a:chOff x="4985214" y="5514349"/>
+            <a:chExt cx="751407" cy="696425"/>
+          </a:xfrm>
+        </p:grpSpPr>
+        <p:pic>
+          <p:nvPicPr>
+            <p:cNvPr id="150" name="Graphic 8">
+              <a:extLst>
+                <a:ext uri="{FF2B5EF4-FFF2-40B4-BE49-F238E27FC236}">
+                  <a16:creationId xmlns:a16="http://schemas.microsoft.com/office/drawing/2014/main" id="{3FA1A59B-8C45-428A-A2C2-F5FC2A3E95E6}"/>
+                </a:ext>
+              </a:extLst>
+            </p:cNvPr>
+            <p:cNvPicPr>
+              <a:picLocks noChangeAspect="1" noChangeArrowheads="1"/>
+            </p:cNvPicPr>
+            <p:nvPr/>
+          </p:nvPicPr>
+          <p:blipFill>
+            <a:blip r:embed="rId11">
+              <a:extLst>
+                <a:ext uri="{28A0092B-C50C-407E-A947-70E740481C1C}">
+                  <a14:useLocalDpi xmlns:a14="http://schemas.microsoft.com/office/drawing/2010/main" val="0"/>
+                </a:ext>
+              </a:extLst>
+            </a:blip>
+            <a:srcRect/>
+            <a:stretch>
+              <a:fillRect/>
+            </a:stretch>
+          </p:blipFill>
+          <p:spPr bwMode="auto">
+            <a:xfrm>
+              <a:off x="5118697" y="5514349"/>
+              <a:ext cx="480391" cy="480391"/>
+            </a:xfrm>
+            <a:prstGeom prst="rect">
+              <a:avLst/>
+            </a:prstGeom>
+            <a:noFill/>
+            <a:ln>
+              <a:noFill/>
+            </a:ln>
+            <a:extLst>
+              <a:ext uri="{909E8E84-426E-40DD-AFC4-6F175D3DCCD1}">
+                <a14:hiddenFill xmlns:a14="http://schemas.microsoft.com/office/drawing/2010/main">
+                  <a:solidFill>
+                    <a:srgbClr val="FFFFFF"/>
+                  </a:solidFill>
+                </a14:hiddenFill>
+              </a:ext>
+              <a:ext uri="{91240B29-F687-4F45-9708-019B960494DF}">
+                <a14:hiddenLine xmlns:a14="http://schemas.microsoft.com/office/drawing/2010/main" w="9525">
+                  <a:solidFill>
+                    <a:srgbClr val="000000"/>
+                  </a:solidFill>
+                  <a:miter lim="800000"/>
+                  <a:headEnd/>
+                  <a:tailEnd/>
+                </a14:hiddenLine>
+              </a:ext>
+            </a:extLst>
+          </p:spPr>
+        </p:pic>
+        <p:sp>
+          <p:nvSpPr>
+            <p:cNvPr id="151" name="TextBox 11">
+              <a:extLst>
+                <a:ext uri="{FF2B5EF4-FFF2-40B4-BE49-F238E27FC236}">
+                  <a16:creationId xmlns:a16="http://schemas.microsoft.com/office/drawing/2014/main" id="{4ADB78DE-8AC3-403A-9AA9-EAFB7E10899F}"/>
+                </a:ext>
+              </a:extLst>
+            </p:cNvPr>
+            <p:cNvSpPr txBox="1">
+              <a:spLocks noChangeArrowheads="1"/>
+            </p:cNvSpPr>
+            <p:nvPr/>
+          </p:nvSpPr>
+          <p:spPr bwMode="auto">
+            <a:xfrm>
+              <a:off x="4985214" y="5995330"/>
+              <a:ext cx="751407" cy="215444"/>
+            </a:xfrm>
+            <a:prstGeom prst="rect">
+              <a:avLst/>
+            </a:prstGeom>
+            <a:noFill/>
+            <a:ln>
+              <a:noFill/>
+            </a:ln>
+            <a:extLst>
+              <a:ext uri="{909E8E84-426E-40DD-AFC4-6F175D3DCCD1}">
+                <a14:hiddenFill xmlns:a14="http://schemas.microsoft.com/office/drawing/2010/main">
+                  <a:solidFill>
+                    <a:srgbClr val="FFFFFF"/>
+                  </a:solidFill>
+                </a14:hiddenFill>
+              </a:ext>
+              <a:ext uri="{91240B29-F687-4F45-9708-019B960494DF}">
+                <a14:hiddenLine xmlns:a14="http://schemas.microsoft.com/office/drawing/2010/main" w="9525">
+                  <a:solidFill>
+                    <a:srgbClr val="000000"/>
+                  </a:solidFill>
+                  <a:miter lim="800000"/>
+                  <a:headEnd/>
+                  <a:tailEnd/>
+                </a14:hiddenLine>
+              </a:ext>
+            </a:extLst>
+          </p:spPr>
+          <p:txBody>
+            <a:bodyPr wrap="square">
+              <a:spAutoFit/>
+            </a:bodyPr>
+            <a:lstStyle>
+              <a:lvl1pPr>
+                <a:defRPr>
+                  <a:solidFill>
+                    <a:schemeClr val="tx1"/>
+                  </a:solidFill>
+                  <a:latin typeface="Calibri" panose="020F0502020204030204" pitchFamily="34" charset="0"/>
+                </a:defRPr>
+              </a:lvl1pPr>
+              <a:lvl2pPr marL="742950" indent="-285750">
+                <a:defRPr>
+                  <a:solidFill>
+                    <a:schemeClr val="tx1"/>
+                  </a:solidFill>
+                  <a:latin typeface="Calibri" panose="020F0502020204030204" pitchFamily="34" charset="0"/>
+                </a:defRPr>
+              </a:lvl2pPr>
+              <a:lvl3pPr marL="1143000" indent="-228600">
+                <a:defRPr>
+                  <a:solidFill>
+                    <a:schemeClr val="tx1"/>
+                  </a:solidFill>
+                  <a:latin typeface="Calibri" panose="020F0502020204030204" pitchFamily="34" charset="0"/>
+                </a:defRPr>
+              </a:lvl3pPr>
+              <a:lvl4pPr marL="1600200" indent="-228600">
+                <a:defRPr>
+                  <a:solidFill>
+                    <a:schemeClr val="tx1"/>
+                  </a:solidFill>
+                  <a:latin typeface="Calibri" panose="020F0502020204030204" pitchFamily="34" charset="0"/>
+                </a:defRPr>
+              </a:lvl4pPr>
+              <a:lvl5pPr marL="2057400" indent="-228600">
+                <a:defRPr>
+                  <a:solidFill>
+                    <a:schemeClr val="tx1"/>
+                  </a:solidFill>
+                  <a:latin typeface="Calibri" panose="020F0502020204030204" pitchFamily="34" charset="0"/>
+                </a:defRPr>
+              </a:lvl5pPr>
+              <a:lvl6pPr marL="2514600" indent="-228600" eaLnBrk="0" fontAlgn="base" hangingPunct="0">
+                <a:spcBef>
+                  <a:spcPct val="0"/>
+                </a:spcBef>
+                <a:spcAft>
+                  <a:spcPct val="0"/>
+                </a:spcAft>
+                <a:defRPr>
+                  <a:solidFill>
+                    <a:schemeClr val="tx1"/>
+                  </a:solidFill>
+                  <a:latin typeface="Calibri" panose="020F0502020204030204" pitchFamily="34" charset="0"/>
+                </a:defRPr>
+              </a:lvl6pPr>
+              <a:lvl7pPr marL="2971800" indent="-228600" eaLnBrk="0" fontAlgn="base" hangingPunct="0">
+                <a:spcBef>
+                  <a:spcPct val="0"/>
+                </a:spcBef>
+                <a:spcAft>
+                  <a:spcPct val="0"/>
+                </a:spcAft>
+                <a:defRPr>
+                  <a:solidFill>
+                    <a:schemeClr val="tx1"/>
+                  </a:solidFill>
+                  <a:latin typeface="Calibri" panose="020F0502020204030204" pitchFamily="34" charset="0"/>
+                </a:defRPr>
+              </a:lvl7pPr>
+              <a:lvl8pPr marL="3429000" indent="-228600" eaLnBrk="0" fontAlgn="base" hangingPunct="0">
+                <a:spcBef>
+                  <a:spcPct val="0"/>
+                </a:spcBef>
+                <a:spcAft>
+                  <a:spcPct val="0"/>
+                </a:spcAft>
+                <a:defRPr>
+                  <a:solidFill>
+                    <a:schemeClr val="tx1"/>
+                  </a:solidFill>
+                  <a:latin typeface="Calibri" panose="020F0502020204030204" pitchFamily="34" charset="0"/>
+                </a:defRPr>
+              </a:lvl8pPr>
+              <a:lvl9pPr marL="3886200" indent="-228600" eaLnBrk="0" fontAlgn="base" hangingPunct="0">
+                <a:spcBef>
+                  <a:spcPct val="0"/>
+                </a:spcBef>
+                <a:spcAft>
+                  <a:spcPct val="0"/>
+                </a:spcAft>
+                <a:defRPr>
+                  <a:solidFill>
+                    <a:schemeClr val="tx1"/>
+                  </a:solidFill>
+                  <a:latin typeface="Calibri" panose="020F0502020204030204" pitchFamily="34" charset="0"/>
+                </a:defRPr>
+              </a:lvl9pPr>
+            </a:lstStyle>
+            <a:p>
+              <a:pPr algn="ctr" eaLnBrk="1" hangingPunct="1"/>
+              <a:r>
+                <a:rPr lang="en-US" altLang="en-US" sz="800" dirty="0">
+                  <a:latin typeface="Arial" panose="020B0604020202020204" pitchFamily="34" charset="0"/>
+                  <a:ea typeface="Amazon Ember" panose="020B0603020204020204" pitchFamily="34" charset="0"/>
+                  <a:cs typeface="Arial" panose="020B0604020202020204" pitchFamily="34" charset="0"/>
+                </a:rPr>
+                <a:t>AWS Config</a:t>
+              </a:r>
+            </a:p>
+          </p:txBody>
+        </p:sp>
+      </p:grpSp>
+      <p:sp>
+        <p:nvSpPr>
+          <p:cNvPr id="42" name="Rectangle 41">
+            <a:extLst>
+              <a:ext uri="{FF2B5EF4-FFF2-40B4-BE49-F238E27FC236}">
+                <a16:creationId xmlns:a16="http://schemas.microsoft.com/office/drawing/2014/main" id="{3800EC77-2643-4306-BA84-A57D68CC53F9}"/>
+              </a:ext>
+            </a:extLst>
+          </p:cNvPr>
+          <p:cNvSpPr/>
+          <p:nvPr/>
+        </p:nvSpPr>
+        <p:spPr>
+          <a:xfrm>
+            <a:off x="144872" y="481581"/>
+            <a:ext cx="2819941" cy="3064047"/>
+          </a:xfrm>
+          <a:prstGeom prst="rect">
+            <a:avLst/>
+          </a:prstGeom>
+          <a:noFill/>
+          <a:ln w="12700">
+            <a:solidFill>
+              <a:srgbClr val="1E8900"/>
+            </a:solidFill>
+          </a:ln>
+        </p:spPr>
+        <p:style>
+          <a:lnRef idx="2">
+            <a:schemeClr val="accent1">
+              <a:shade val="50000"/>
+            </a:schemeClr>
+          </a:lnRef>
+          <a:fillRef idx="1">
+            <a:schemeClr val="accent1"/>
+          </a:fillRef>
+          <a:effectRef idx="0">
+            <a:schemeClr val="accent1"/>
+          </a:effectRef>
+          <a:fontRef idx="minor">
+            <a:schemeClr val="lt1"/>
+          </a:fontRef>
+        </p:style>
+        <p:txBody>
+          <a:bodyPr lIns="457200" tIns="91440"/>
+          <a:lstStyle/>
+          <a:p>
+            <a:pPr eaLnBrk="1" fontAlgn="auto" hangingPunct="1">
+              <a:spcBef>
+                <a:spcPts val="0"/>
+              </a:spcBef>
+              <a:spcAft>
+                <a:spcPts val="0"/>
+              </a:spcAft>
+              <a:defRPr/>
+            </a:pPr>
+            <a:r>
+              <a:rPr lang="en-US" sz="1000" dirty="0">
+                <a:ln w="0"/>
+                <a:solidFill>
+                  <a:srgbClr val="1E8900"/>
+                </a:solidFill>
+                <a:latin typeface="Arial" panose="020B0604020202020204" pitchFamily="34" charset="0"/>
+                <a:cs typeface="Arial" panose="020B0604020202020204" pitchFamily="34" charset="0"/>
+              </a:rPr>
+              <a:t>Management VPC</a:t>
+            </a:r>
+          </a:p>
+        </p:txBody>
+      </p:sp>
+      <p:grpSp>
+        <p:nvGrpSpPr>
+          <p:cNvPr id="6" name="Group 5">
+            <a:extLst>
+              <a:ext uri="{FF2B5EF4-FFF2-40B4-BE49-F238E27FC236}">
+                <a16:creationId xmlns:a16="http://schemas.microsoft.com/office/drawing/2014/main" id="{8B388469-542E-304F-86D6-B48D28336D62}"/>
+              </a:ext>
+            </a:extLst>
+          </p:cNvPr>
+          <p:cNvGrpSpPr/>
+          <p:nvPr/>
+        </p:nvGrpSpPr>
+        <p:grpSpPr>
+          <a:xfrm>
+            <a:off x="1223079" y="2931282"/>
+            <a:ext cx="655864" cy="613423"/>
+            <a:chOff x="1606355" y="2960204"/>
+            <a:chExt cx="655864" cy="613423"/>
+          </a:xfrm>
+        </p:grpSpPr>
+        <p:sp>
+          <p:nvSpPr>
+            <p:cNvPr id="109" name="TextBox 20">
+              <a:extLst>
+                <a:ext uri="{FF2B5EF4-FFF2-40B4-BE49-F238E27FC236}">
+                  <a16:creationId xmlns:a16="http://schemas.microsoft.com/office/drawing/2014/main" id="{DCA0E9EE-E945-443C-A81E-605F3CB81EA4}"/>
+                </a:ext>
+              </a:extLst>
+            </p:cNvPr>
+            <p:cNvSpPr txBox="1">
+              <a:spLocks noChangeArrowheads="1"/>
+            </p:cNvSpPr>
+            <p:nvPr/>
+          </p:nvSpPr>
+          <p:spPr bwMode="auto">
+            <a:xfrm>
+              <a:off x="1606355" y="3358183"/>
+              <a:ext cx="655864" cy="215444"/>
+            </a:xfrm>
+            <a:prstGeom prst="rect">
+              <a:avLst/>
+            </a:prstGeom>
+            <a:noFill/>
+            <a:ln>
+              <a:noFill/>
+            </a:ln>
+            <a:extLst>
+              <a:ext uri="{909E8E84-426E-40DD-AFC4-6F175D3DCCD1}">
+                <a14:hiddenFill xmlns:a14="http://schemas.microsoft.com/office/drawing/2010/main">
+                  <a:solidFill>
+                    <a:srgbClr val="FFFFFF"/>
+                  </a:solidFill>
+                </a14:hiddenFill>
+              </a:ext>
+              <a:ext uri="{91240B29-F687-4F45-9708-019B960494DF}">
+                <a14:hiddenLine xmlns:a14="http://schemas.microsoft.com/office/drawing/2010/main" w="9525">
+                  <a:solidFill>
+                    <a:srgbClr val="000000"/>
+                  </a:solidFill>
+                  <a:miter lim="800000"/>
+                  <a:headEnd/>
+                  <a:tailEnd/>
+                </a14:hiddenLine>
+              </a:ext>
+            </a:extLst>
+          </p:spPr>
+          <p:txBody>
+            <a:bodyPr wrap="square">
+              <a:spAutoFit/>
+            </a:bodyPr>
+            <a:lstStyle>
+              <a:lvl1pPr>
+                <a:defRPr>
+                  <a:solidFill>
+                    <a:schemeClr val="tx1"/>
+                  </a:solidFill>
+                  <a:latin typeface="Calibri" panose="020F0502020204030204" pitchFamily="34" charset="0"/>
+                </a:defRPr>
+              </a:lvl1pPr>
+              <a:lvl2pPr marL="742950" indent="-285750">
+                <a:defRPr>
+                  <a:solidFill>
+                    <a:schemeClr val="tx1"/>
+                  </a:solidFill>
+                  <a:latin typeface="Calibri" panose="020F0502020204030204" pitchFamily="34" charset="0"/>
+                </a:defRPr>
+              </a:lvl2pPr>
+              <a:lvl3pPr marL="1143000" indent="-228600">
+                <a:defRPr>
+                  <a:solidFill>
+                    <a:schemeClr val="tx1"/>
+                  </a:solidFill>
+                  <a:latin typeface="Calibri" panose="020F0502020204030204" pitchFamily="34" charset="0"/>
+                </a:defRPr>
+              </a:lvl3pPr>
+              <a:lvl4pPr marL="1600200" indent="-228600">
+                <a:defRPr>
+                  <a:solidFill>
+                    <a:schemeClr val="tx1"/>
+                  </a:solidFill>
+                  <a:latin typeface="Calibri" panose="020F0502020204030204" pitchFamily="34" charset="0"/>
+                </a:defRPr>
+              </a:lvl4pPr>
+              <a:lvl5pPr marL="2057400" indent="-228600">
+                <a:defRPr>
+                  <a:solidFill>
+                    <a:schemeClr val="tx1"/>
+                  </a:solidFill>
+                  <a:latin typeface="Calibri" panose="020F0502020204030204" pitchFamily="34" charset="0"/>
+                </a:defRPr>
+              </a:lvl5pPr>
+              <a:lvl6pPr marL="2514600" indent="-228600" eaLnBrk="0" fontAlgn="base" hangingPunct="0">
+                <a:spcBef>
+                  <a:spcPct val="0"/>
+                </a:spcBef>
+                <a:spcAft>
+                  <a:spcPct val="0"/>
+                </a:spcAft>
+                <a:defRPr>
+                  <a:solidFill>
+                    <a:schemeClr val="tx1"/>
+                  </a:solidFill>
+                  <a:latin typeface="Calibri" panose="020F0502020204030204" pitchFamily="34" charset="0"/>
+                </a:defRPr>
+              </a:lvl6pPr>
+              <a:lvl7pPr marL="2971800" indent="-228600" eaLnBrk="0" fontAlgn="base" hangingPunct="0">
+                <a:spcBef>
+                  <a:spcPct val="0"/>
+                </a:spcBef>
+                <a:spcAft>
+                  <a:spcPct val="0"/>
+                </a:spcAft>
+                <a:defRPr>
+                  <a:solidFill>
+                    <a:schemeClr val="tx1"/>
+                  </a:solidFill>
+                  <a:latin typeface="Calibri" panose="020F0502020204030204" pitchFamily="34" charset="0"/>
+                </a:defRPr>
+              </a:lvl7pPr>
+              <a:lvl8pPr marL="3429000" indent="-228600" eaLnBrk="0" fontAlgn="base" hangingPunct="0">
+                <a:spcBef>
+                  <a:spcPct val="0"/>
+                </a:spcBef>
+                <a:spcAft>
+                  <a:spcPct val="0"/>
+                </a:spcAft>
+                <a:defRPr>
+                  <a:solidFill>
+                    <a:schemeClr val="tx1"/>
+                  </a:solidFill>
+                  <a:latin typeface="Calibri" panose="020F0502020204030204" pitchFamily="34" charset="0"/>
+                </a:defRPr>
+              </a:lvl8pPr>
+              <a:lvl9pPr marL="3886200" indent="-228600" eaLnBrk="0" fontAlgn="base" hangingPunct="0">
+                <a:spcBef>
+                  <a:spcPct val="0"/>
+                </a:spcBef>
+                <a:spcAft>
+                  <a:spcPct val="0"/>
+                </a:spcAft>
+                <a:defRPr>
+                  <a:solidFill>
+                    <a:schemeClr val="tx1"/>
+                  </a:solidFill>
+                  <a:latin typeface="Calibri" panose="020F0502020204030204" pitchFamily="34" charset="0"/>
+                </a:defRPr>
+              </a:lvl9pPr>
+            </a:lstStyle>
+            <a:p>
+              <a:pPr algn="ctr" eaLnBrk="1" hangingPunct="1"/>
+              <a:r>
+                <a:rPr lang="en-US" altLang="en-US" sz="800" dirty="0">
+                  <a:latin typeface="Arial" panose="020B0604020202020204" pitchFamily="34" charset="0"/>
+                  <a:ea typeface="Amazon Ember" panose="020B0603020204020204" pitchFamily="34" charset="0"/>
+                  <a:cs typeface="Arial" panose="020B0604020202020204" pitchFamily="34" charset="0"/>
+                </a:rPr>
+                <a:t>Flow logs</a:t>
+              </a:r>
+            </a:p>
+          </p:txBody>
+        </p:sp>
+        <p:pic>
+          <p:nvPicPr>
+            <p:cNvPr id="110" name="Graphic 24">
+              <a:extLst>
+                <a:ext uri="{FF2B5EF4-FFF2-40B4-BE49-F238E27FC236}">
+                  <a16:creationId xmlns:a16="http://schemas.microsoft.com/office/drawing/2014/main" id="{F635308A-E114-43E3-A904-2EC402524F32}"/>
+                </a:ext>
+              </a:extLst>
+            </p:cNvPr>
+            <p:cNvPicPr>
+              <a:picLocks noChangeAspect="1" noChangeArrowheads="1"/>
+            </p:cNvPicPr>
+            <p:nvPr/>
+          </p:nvPicPr>
+          <p:blipFill>
+            <a:blip r:embed="rId12">
+              <a:extLst>
+                <a:ext uri="{28A0092B-C50C-407E-A947-70E740481C1C}">
+                  <a14:useLocalDpi xmlns:a14="http://schemas.microsoft.com/office/drawing/2010/main" val="0"/>
+                </a:ext>
+              </a:extLst>
+            </a:blip>
+            <a:srcRect/>
+            <a:stretch>
+              <a:fillRect/>
+            </a:stretch>
+          </p:blipFill>
+          <p:spPr bwMode="auto">
+            <a:xfrm>
+              <a:off x="1705687" y="2960204"/>
+              <a:ext cx="457200" cy="457200"/>
+            </a:xfrm>
+            <a:prstGeom prst="rect">
+              <a:avLst/>
+            </a:prstGeom>
+            <a:noFill/>
+            <a:ln>
+              <a:noFill/>
+            </a:ln>
+            <a:extLst>
+              <a:ext uri="{909E8E84-426E-40DD-AFC4-6F175D3DCCD1}">
+                <a14:hiddenFill xmlns:a14="http://schemas.microsoft.com/office/drawing/2010/main">
+                  <a:solidFill>
+                    <a:srgbClr val="FFFFFF"/>
+                  </a:solidFill>
+                </a14:hiddenFill>
+              </a:ext>
+              <a:ext uri="{91240B29-F687-4F45-9708-019B960494DF}">
+                <a14:hiddenLine xmlns:a14="http://schemas.microsoft.com/office/drawing/2010/main" w="9525">
+                  <a:solidFill>
+                    <a:srgbClr val="000000"/>
+                  </a:solidFill>
+                  <a:miter lim="800000"/>
+                  <a:headEnd/>
+                  <a:tailEnd/>
+                </a14:hiddenLine>
+              </a:ext>
+            </a:extLst>
+          </p:spPr>
+        </p:pic>
+      </p:grpSp>
+      <p:pic>
+        <p:nvPicPr>
+          <p:cNvPr id="54" name="Graphic 28">
+            <a:extLst>
+              <a:ext uri="{FF2B5EF4-FFF2-40B4-BE49-F238E27FC236}">
+                <a16:creationId xmlns:a16="http://schemas.microsoft.com/office/drawing/2014/main" id="{09817706-01CE-3445-9AB7-F43865074F02}"/>
+              </a:ext>
+            </a:extLst>
+          </p:cNvPr>
+          <p:cNvPicPr>
+            <a:picLocks noChangeAspect="1" noChangeArrowheads="1"/>
+          </p:cNvPicPr>
+          <p:nvPr/>
+        </p:nvPicPr>
+        <p:blipFill>
+          <a:blip r:embed="rId13">
+            <a:extLst>
+              <a:ext uri="{28A0092B-C50C-407E-A947-70E740481C1C}">
+                <a14:useLocalDpi xmlns:a14="http://schemas.microsoft.com/office/drawing/2010/main" val="0"/>
+              </a:ext>
+            </a:extLst>
+          </a:blip>
+          <a:srcRect/>
+          <a:stretch>
+            <a:fillRect/>
+          </a:stretch>
+        </p:blipFill>
+        <p:spPr bwMode="auto">
+          <a:xfrm>
+            <a:off x="144017" y="473378"/>
+            <a:ext cx="330200" cy="330200"/>
+          </a:xfrm>
+          <a:prstGeom prst="rect">
+            <a:avLst/>
+          </a:prstGeom>
+          <a:noFill/>
+          <a:ln>
+            <a:noFill/>
+          </a:ln>
+          <a:extLst>
+            <a:ext uri="{909E8E84-426E-40DD-AFC4-6F175D3DCCD1}">
+              <a14:hiddenFill xmlns:a14="http://schemas.microsoft.com/office/drawing/2010/main">
+                <a:solidFill>
+                  <a:srgbClr val="FFFFFF"/>
+                </a:solidFill>
+              </a14:hiddenFill>
+            </a:ext>
+            <a:ext uri="{91240B29-F687-4F45-9708-019B960494DF}">
+              <a14:hiddenLine xmlns:a14="http://schemas.microsoft.com/office/drawing/2010/main" w="9525">
+                <a:solidFill>
+                  <a:srgbClr val="000000"/>
+                </a:solidFill>
+                <a:miter lim="800000"/>
+                <a:headEnd/>
+                <a:tailEnd/>
+              </a14:hiddenLine>
+            </a:ext>
+          </a:extLst>
+        </p:spPr>
+      </p:pic>
+      <p:grpSp>
+        <p:nvGrpSpPr>
+          <p:cNvPr id="19" name="Group 18">
+            <a:extLst>
+              <a:ext uri="{FF2B5EF4-FFF2-40B4-BE49-F238E27FC236}">
+                <a16:creationId xmlns:a16="http://schemas.microsoft.com/office/drawing/2014/main" id="{D4207271-724A-1747-AA75-64664B83D033}"/>
+              </a:ext>
+            </a:extLst>
+          </p:cNvPr>
+          <p:cNvGrpSpPr/>
+          <p:nvPr/>
+        </p:nvGrpSpPr>
+        <p:grpSpPr>
+          <a:xfrm>
+            <a:off x="176355" y="832918"/>
+            <a:ext cx="1349166" cy="2045135"/>
+            <a:chOff x="176355" y="832918"/>
+            <a:chExt cx="1349166" cy="2045135"/>
+          </a:xfrm>
+        </p:grpSpPr>
+        <p:grpSp>
+          <p:nvGrpSpPr>
+            <p:cNvPr id="18" name="Group 17">
+              <a:extLst>
+                <a:ext uri="{FF2B5EF4-FFF2-40B4-BE49-F238E27FC236}">
+                  <a16:creationId xmlns:a16="http://schemas.microsoft.com/office/drawing/2014/main" id="{9CC4ED44-1AB2-364A-8E18-62D0AC2589A2}"/>
+                </a:ext>
+              </a:extLst>
+            </p:cNvPr>
+            <p:cNvGrpSpPr/>
+            <p:nvPr/>
+          </p:nvGrpSpPr>
+          <p:grpSpPr>
+            <a:xfrm>
+              <a:off x="209337" y="1994428"/>
+              <a:ext cx="1263499" cy="833857"/>
+              <a:chOff x="210738" y="1535827"/>
+              <a:chExt cx="1263499" cy="833857"/>
+            </a:xfrm>
+          </p:grpSpPr>
+          <p:sp>
+            <p:nvSpPr>
+              <p:cNvPr id="163" name="Rectangle 162">
+                <a:extLst>
+                  <a:ext uri="{FF2B5EF4-FFF2-40B4-BE49-F238E27FC236}">
+                    <a16:creationId xmlns:a16="http://schemas.microsoft.com/office/drawing/2014/main" id="{6B4B36FF-230E-1A43-966C-04A047D62E80}"/>
+                  </a:ext>
+                </a:extLst>
+              </p:cNvPr>
+              <p:cNvSpPr/>
+              <p:nvPr/>
+            </p:nvSpPr>
+            <p:spPr>
+              <a:xfrm>
+                <a:off x="210738" y="1535930"/>
+                <a:ext cx="1263499" cy="833754"/>
+              </a:xfrm>
+              <a:prstGeom prst="rect">
+                <a:avLst/>
+              </a:prstGeom>
+              <a:solidFill>
+                <a:srgbClr val="1D8900">
+                  <a:alpha val="9804"/>
+                </a:srgbClr>
+              </a:solidFill>
+              <a:ln w="12700">
+                <a:noFill/>
+                <a:prstDash val="dash"/>
+              </a:ln>
+            </p:spPr>
+            <p:style>
+              <a:lnRef idx="2">
+                <a:schemeClr val="accent1">
+                  <a:shade val="50000"/>
+                </a:schemeClr>
+              </a:lnRef>
+              <a:fillRef idx="1">
+                <a:schemeClr val="accent1"/>
+              </a:fillRef>
+              <a:effectRef idx="0">
+                <a:schemeClr val="accent1"/>
+              </a:effectRef>
+              <a:fontRef idx="minor">
+                <a:schemeClr val="lt1"/>
+              </a:fontRef>
+            </p:style>
+            <p:txBody>
+              <a:bodyPr lIns="338328"/>
+              <a:lstStyle/>
+              <a:p>
+                <a:pPr eaLnBrk="1" fontAlgn="auto" hangingPunct="1">
+                  <a:spcBef>
+                    <a:spcPts val="0"/>
+                  </a:spcBef>
+                  <a:spcAft>
+                    <a:spcPts val="0"/>
+                  </a:spcAft>
+                  <a:defRPr/>
+                </a:pPr>
+                <a:r>
+                  <a:rPr lang="en-US" sz="1000" dirty="0">
+                    <a:solidFill>
+                      <a:srgbClr val="1E8900"/>
+                    </a:solidFill>
+                    <a:latin typeface="Arial" panose="020B0604020202020204" pitchFamily="34" charset="0"/>
+                    <a:cs typeface="Arial" panose="020B0604020202020204" pitchFamily="34" charset="0"/>
+                  </a:rPr>
+                  <a:t>Public subnet</a:t>
+                </a:r>
+              </a:p>
+            </p:txBody>
+          </p:sp>
+          <p:pic>
+            <p:nvPicPr>
+              <p:cNvPr id="164" name="Graphic 34">
+                <a:extLst>
+                  <a:ext uri="{FF2B5EF4-FFF2-40B4-BE49-F238E27FC236}">
+                    <a16:creationId xmlns:a16="http://schemas.microsoft.com/office/drawing/2014/main" id="{58D34392-7A87-7E44-9DB3-58F47044D9EC}"/>
+                  </a:ext>
+                </a:extLst>
+              </p:cNvPr>
+              <p:cNvPicPr>
+                <a:picLocks noChangeAspect="1" noChangeArrowheads="1"/>
+              </p:cNvPicPr>
+              <p:nvPr/>
+            </p:nvPicPr>
+            <p:blipFill>
+              <a:blip r:embed="rId14">
+                <a:extLst>
+                  <a:ext uri="{28A0092B-C50C-407E-A947-70E740481C1C}">
+                    <a14:useLocalDpi xmlns:a14="http://schemas.microsoft.com/office/drawing/2010/main" val="0"/>
+                  </a:ext>
+                </a:extLst>
+              </a:blip>
+              <a:srcRect/>
+              <a:stretch>
+                <a:fillRect/>
+              </a:stretch>
+            </p:blipFill>
+            <p:spPr bwMode="auto">
+              <a:xfrm>
+                <a:off x="213352" y="1535827"/>
+                <a:ext cx="274638" cy="274638"/>
+              </a:xfrm>
+              <a:prstGeom prst="rect">
+                <a:avLst/>
+              </a:prstGeom>
+              <a:noFill/>
+              <a:ln>
+                <a:noFill/>
+              </a:ln>
+              <a:extLst>
+                <a:ext uri="{909E8E84-426E-40DD-AFC4-6F175D3DCCD1}">
+                  <a14:hiddenFill xmlns:a14="http://schemas.microsoft.com/office/drawing/2010/main">
+                    <a:solidFill>
+                      <a:srgbClr val="FFFFFF"/>
+                    </a:solidFill>
+                  </a14:hiddenFill>
+                </a:ext>
+                <a:ext uri="{91240B29-F687-4F45-9708-019B960494DF}">
+                  <a14:hiddenLine xmlns:a14="http://schemas.microsoft.com/office/drawing/2010/main" w="9525">
+                    <a:solidFill>
+                      <a:srgbClr val="000000"/>
+                    </a:solidFill>
+                    <a:miter lim="800000"/>
+                    <a:headEnd/>
+                    <a:tailEnd/>
+                  </a14:hiddenLine>
+                </a:ext>
+              </a:extLst>
+            </p:spPr>
+          </p:pic>
+          <p:grpSp>
+            <p:nvGrpSpPr>
+              <p:cNvPr id="3" name="Group 2">
+                <a:extLst>
+                  <a:ext uri="{FF2B5EF4-FFF2-40B4-BE49-F238E27FC236}">
+                    <a16:creationId xmlns:a16="http://schemas.microsoft.com/office/drawing/2014/main" id="{CEFA323E-3512-4545-A6F6-7286EB2AF8DC}"/>
+                  </a:ext>
+                </a:extLst>
+              </p:cNvPr>
+              <p:cNvGrpSpPr/>
+              <p:nvPr/>
+            </p:nvGrpSpPr>
+            <p:grpSpPr>
+              <a:xfrm>
+                <a:off x="362562" y="1728859"/>
+                <a:ext cx="817603" cy="610037"/>
+                <a:chOff x="2977145" y="2030796"/>
+                <a:chExt cx="817603" cy="610037"/>
+              </a:xfrm>
+            </p:grpSpPr>
+            <p:sp>
+              <p:nvSpPr>
+                <p:cNvPr id="102" name="TextBox 17">
+                  <a:extLst>
+                    <a:ext uri="{FF2B5EF4-FFF2-40B4-BE49-F238E27FC236}">
+                      <a16:creationId xmlns:a16="http://schemas.microsoft.com/office/drawing/2014/main" id="{B7B663CD-72CB-4BD0-B3D1-5707ADF6D503}"/>
+                    </a:ext>
+                  </a:extLst>
+                </p:cNvPr>
+                <p:cNvSpPr txBox="1">
+                  <a:spLocks noChangeArrowheads="1"/>
+                </p:cNvSpPr>
+                <p:nvPr/>
+              </p:nvSpPr>
+              <p:spPr bwMode="auto">
+                <a:xfrm>
+                  <a:off x="2977145" y="2425389"/>
+                  <a:ext cx="817603" cy="215444"/>
+                </a:xfrm>
+                <a:prstGeom prst="rect">
+                  <a:avLst/>
+                </a:prstGeom>
+                <a:noFill/>
+                <a:ln>
+                  <a:noFill/>
+                </a:ln>
+                <a:extLst>
+                  <a:ext uri="{909E8E84-426E-40DD-AFC4-6F175D3DCCD1}">
+                    <a14:hiddenFill xmlns:a14="http://schemas.microsoft.com/office/drawing/2010/main">
+                      <a:solidFill>
+                        <a:srgbClr val="FFFFFF"/>
+                      </a:solidFill>
+                    </a14:hiddenFill>
+                  </a:ext>
+                  <a:ext uri="{91240B29-F687-4F45-9708-019B960494DF}">
+                    <a14:hiddenLine xmlns:a14="http://schemas.microsoft.com/office/drawing/2010/main" w="9525">
+                      <a:solidFill>
+                        <a:srgbClr val="000000"/>
+                      </a:solidFill>
+                      <a:miter lim="800000"/>
+                      <a:headEnd/>
+                      <a:tailEnd/>
+                    </a14:hiddenLine>
+                  </a:ext>
+                </a:extLst>
+              </p:spPr>
+              <p:txBody>
+                <a:bodyPr wrap="square">
+                  <a:spAutoFit/>
+                </a:bodyPr>
+                <a:lstStyle>
+                  <a:lvl1pPr>
+                    <a:defRPr>
+                      <a:solidFill>
+                        <a:schemeClr val="tx1"/>
+                      </a:solidFill>
+                      <a:latin typeface="Calibri" panose="020F0502020204030204" pitchFamily="34" charset="0"/>
+                    </a:defRPr>
+                  </a:lvl1pPr>
+                  <a:lvl2pPr marL="742950" indent="-285750">
+                    <a:defRPr>
+                      <a:solidFill>
+                        <a:schemeClr val="tx1"/>
+                      </a:solidFill>
+                      <a:latin typeface="Calibri" panose="020F0502020204030204" pitchFamily="34" charset="0"/>
+                    </a:defRPr>
+                  </a:lvl2pPr>
+                  <a:lvl3pPr marL="1143000" indent="-228600">
+                    <a:defRPr>
+                      <a:solidFill>
+                        <a:schemeClr val="tx1"/>
+                      </a:solidFill>
+                      <a:latin typeface="Calibri" panose="020F0502020204030204" pitchFamily="34" charset="0"/>
+                    </a:defRPr>
+                  </a:lvl3pPr>
+                  <a:lvl4pPr marL="1600200" indent="-228600">
+                    <a:defRPr>
+                      <a:solidFill>
+                        <a:schemeClr val="tx1"/>
+                      </a:solidFill>
+                      <a:latin typeface="Calibri" panose="020F0502020204030204" pitchFamily="34" charset="0"/>
+                    </a:defRPr>
+                  </a:lvl4pPr>
+                  <a:lvl5pPr marL="2057400" indent="-228600">
+                    <a:defRPr>
+                      <a:solidFill>
+                        <a:schemeClr val="tx1"/>
+                      </a:solidFill>
+                      <a:latin typeface="Calibri" panose="020F0502020204030204" pitchFamily="34" charset="0"/>
+                    </a:defRPr>
+                  </a:lvl5pPr>
+                  <a:lvl6pPr marL="2514600" indent="-228600" eaLnBrk="0" fontAlgn="base" hangingPunct="0">
+                    <a:spcBef>
+                      <a:spcPct val="0"/>
+                    </a:spcBef>
+                    <a:spcAft>
+                      <a:spcPct val="0"/>
+                    </a:spcAft>
+                    <a:defRPr>
+                      <a:solidFill>
+                        <a:schemeClr val="tx1"/>
+                      </a:solidFill>
+                      <a:latin typeface="Calibri" panose="020F0502020204030204" pitchFamily="34" charset="0"/>
+                    </a:defRPr>
+                  </a:lvl6pPr>
+                  <a:lvl7pPr marL="2971800" indent="-228600" eaLnBrk="0" fontAlgn="base" hangingPunct="0">
+                    <a:spcBef>
+                      <a:spcPct val="0"/>
+                    </a:spcBef>
+                    <a:spcAft>
+                      <a:spcPct val="0"/>
+                    </a:spcAft>
+                    <a:defRPr>
+                      <a:solidFill>
+                        <a:schemeClr val="tx1"/>
+                      </a:solidFill>
+                      <a:latin typeface="Calibri" panose="020F0502020204030204" pitchFamily="34" charset="0"/>
+                    </a:defRPr>
+                  </a:lvl7pPr>
+                  <a:lvl8pPr marL="3429000" indent="-228600" eaLnBrk="0" fontAlgn="base" hangingPunct="0">
+                    <a:spcBef>
+                      <a:spcPct val="0"/>
+                    </a:spcBef>
+                    <a:spcAft>
+                      <a:spcPct val="0"/>
+                    </a:spcAft>
+                    <a:defRPr>
+                      <a:solidFill>
+                        <a:schemeClr val="tx1"/>
+                      </a:solidFill>
+                      <a:latin typeface="Calibri" panose="020F0502020204030204" pitchFamily="34" charset="0"/>
+                    </a:defRPr>
+                  </a:lvl8pPr>
+                  <a:lvl9pPr marL="3886200" indent="-228600" eaLnBrk="0" fontAlgn="base" hangingPunct="0">
+                    <a:spcBef>
+                      <a:spcPct val="0"/>
+                    </a:spcBef>
+                    <a:spcAft>
+                      <a:spcPct val="0"/>
+                    </a:spcAft>
+                    <a:defRPr>
+                      <a:solidFill>
+                        <a:schemeClr val="tx1"/>
+                      </a:solidFill>
+                      <a:latin typeface="Calibri" panose="020F0502020204030204" pitchFamily="34" charset="0"/>
+                    </a:defRPr>
+                  </a:lvl9pPr>
+                </a:lstStyle>
+                <a:p>
+                  <a:pPr algn="ctr" eaLnBrk="1" hangingPunct="1"/>
+                  <a:r>
+                    <a:rPr lang="en-US" altLang="en-US" sz="800" dirty="0">
+                      <a:latin typeface="Arial" panose="020B0604020202020204" pitchFamily="34" charset="0"/>
+                      <a:ea typeface="Amazon Ember" panose="020B0603020204020204" pitchFamily="34" charset="0"/>
+                      <a:cs typeface="Arial" panose="020B0604020202020204" pitchFamily="34" charset="0"/>
+                    </a:rPr>
+                    <a:t>NAT gateway</a:t>
+                  </a:r>
+                </a:p>
+              </p:txBody>
+            </p:sp>
+            <p:pic>
+              <p:nvPicPr>
+                <p:cNvPr id="106" name="Graphic 35">
+                  <a:extLst>
+                    <a:ext uri="{FF2B5EF4-FFF2-40B4-BE49-F238E27FC236}">
+                      <a16:creationId xmlns:a16="http://schemas.microsoft.com/office/drawing/2014/main" id="{BF9DB6C8-4456-435A-8C28-828B85483C49}"/>
+                    </a:ext>
+                  </a:extLst>
+                </p:cNvPr>
+                <p:cNvPicPr>
+                  <a:picLocks noChangeAspect="1" noChangeArrowheads="1"/>
+                </p:cNvPicPr>
+                <p:nvPr/>
+              </p:nvPicPr>
+              <p:blipFill>
+                <a:blip r:embed="rId15">
+                  <a:extLst>
+                    <a:ext uri="{28A0092B-C50C-407E-A947-70E740481C1C}">
+                      <a14:useLocalDpi xmlns:a14="http://schemas.microsoft.com/office/drawing/2010/main" val="0"/>
+                    </a:ext>
+                  </a:extLst>
+                </a:blip>
+                <a:srcRect/>
+                <a:stretch>
+                  <a:fillRect/>
+                </a:stretch>
+              </p:blipFill>
+              <p:spPr bwMode="auto">
+                <a:xfrm>
+                  <a:off x="3154017" y="2030796"/>
+                  <a:ext cx="457200" cy="457200"/>
+                </a:xfrm>
+                <a:prstGeom prst="rect">
+                  <a:avLst/>
+                </a:prstGeom>
+                <a:noFill/>
+                <a:ln>
+                  <a:noFill/>
+                </a:ln>
+                <a:extLst>
+                  <a:ext uri="{909E8E84-426E-40DD-AFC4-6F175D3DCCD1}">
+                    <a14:hiddenFill xmlns:a14="http://schemas.microsoft.com/office/drawing/2010/main">
+                      <a:solidFill>
+                        <a:srgbClr val="FFFFFF"/>
+                      </a:solidFill>
+                    </a14:hiddenFill>
+                  </a:ext>
+                  <a:ext uri="{91240B29-F687-4F45-9708-019B960494DF}">
+                    <a14:hiddenLine xmlns:a14="http://schemas.microsoft.com/office/drawing/2010/main" w="9525">
+                      <a:solidFill>
+                        <a:srgbClr val="000000"/>
+                      </a:solidFill>
+                      <a:miter lim="800000"/>
+                      <a:headEnd/>
+                      <a:tailEnd/>
+                    </a14:hiddenLine>
+                  </a:ext>
+                </a:extLst>
+              </p:spPr>
+            </p:pic>
+          </p:grpSp>
+        </p:grpSp>
+        <p:sp>
+          <p:nvSpPr>
+            <p:cNvPr id="61" name="Rectangle 60">
+              <a:extLst>
+                <a:ext uri="{FF2B5EF4-FFF2-40B4-BE49-F238E27FC236}">
+                  <a16:creationId xmlns:a16="http://schemas.microsoft.com/office/drawing/2014/main" id="{780C4C1C-95C5-8F4C-8F4D-AF907A777E8B}"/>
+                </a:ext>
+              </a:extLst>
+            </p:cNvPr>
+            <p:cNvSpPr/>
+            <p:nvPr/>
+          </p:nvSpPr>
+          <p:spPr>
+            <a:xfrm>
+              <a:off x="176355" y="832918"/>
+              <a:ext cx="1349166" cy="2045135"/>
+            </a:xfrm>
+            <a:prstGeom prst="rect">
+              <a:avLst/>
+            </a:prstGeom>
+            <a:noFill/>
+            <a:ln w="12700">
+              <a:solidFill>
+                <a:srgbClr val="5B9CD5"/>
+              </a:solidFill>
+              <a:prstDash val="dash"/>
+            </a:ln>
+          </p:spPr>
+          <p:style>
+            <a:lnRef idx="2">
+              <a:schemeClr val="accent1">
+                <a:shade val="50000"/>
+              </a:schemeClr>
+            </a:lnRef>
+            <a:fillRef idx="1">
+              <a:schemeClr val="accent1"/>
+            </a:fillRef>
+            <a:effectRef idx="0">
+              <a:schemeClr val="accent1"/>
+            </a:effectRef>
+            <a:fontRef idx="minor">
+              <a:schemeClr val="lt1"/>
+            </a:fontRef>
+          </p:style>
+          <p:txBody>
+            <a:bodyPr tIns="91440"/>
+            <a:lstStyle/>
+            <a:p>
+              <a:pPr algn="ctr" eaLnBrk="1" fontAlgn="auto" hangingPunct="1">
+                <a:spcBef>
+                  <a:spcPts val="0"/>
+                </a:spcBef>
+                <a:spcAft>
+                  <a:spcPts val="0"/>
+                </a:spcAft>
+                <a:defRPr/>
+              </a:pPr>
+              <a:r>
+                <a:rPr lang="en-US" sz="1000" dirty="0">
+                  <a:solidFill>
+                    <a:srgbClr val="5B9CD5"/>
+                  </a:solidFill>
+                  <a:latin typeface="Arial" panose="020B0604020202020204" pitchFamily="34" charset="0"/>
+                  <a:cs typeface="Arial" panose="020B0604020202020204" pitchFamily="34" charset="0"/>
+                </a:rPr>
+                <a:t>Availability Zone</a:t>
+              </a:r>
+            </a:p>
+          </p:txBody>
+        </p:sp>
+      </p:grpSp>
+      <p:grpSp>
+        <p:nvGrpSpPr>
+          <p:cNvPr id="166" name="Group 165">
+            <a:extLst>
+              <a:ext uri="{FF2B5EF4-FFF2-40B4-BE49-F238E27FC236}">
+                <a16:creationId xmlns:a16="http://schemas.microsoft.com/office/drawing/2014/main" id="{A7DB96A5-10ED-7C43-97AE-7C95F71AB837}"/>
+              </a:ext>
+            </a:extLst>
+          </p:cNvPr>
+          <p:cNvGrpSpPr/>
+          <p:nvPr/>
+        </p:nvGrpSpPr>
+        <p:grpSpPr>
+          <a:xfrm>
+            <a:off x="1594064" y="1994428"/>
+            <a:ext cx="1263499" cy="833857"/>
+            <a:chOff x="210738" y="1535827"/>
+            <a:chExt cx="1263499" cy="833857"/>
+          </a:xfrm>
+        </p:grpSpPr>
+        <p:sp>
+          <p:nvSpPr>
+            <p:cNvPr id="168" name="Rectangle 167">
+              <a:extLst>
+                <a:ext uri="{FF2B5EF4-FFF2-40B4-BE49-F238E27FC236}">
+                  <a16:creationId xmlns:a16="http://schemas.microsoft.com/office/drawing/2014/main" id="{FCCE40B8-9800-C741-8125-F10785E761B8}"/>
+                </a:ext>
+              </a:extLst>
+            </p:cNvPr>
+            <p:cNvSpPr/>
+            <p:nvPr/>
+          </p:nvSpPr>
+          <p:spPr>
+            <a:xfrm>
+              <a:off x="210738" y="1535930"/>
+              <a:ext cx="1263499" cy="833754"/>
+            </a:xfrm>
+            <a:prstGeom prst="rect">
+              <a:avLst/>
+            </a:prstGeom>
+            <a:solidFill>
+              <a:srgbClr val="1D8900">
+                <a:alpha val="9804"/>
+              </a:srgbClr>
+            </a:solidFill>
+            <a:ln w="12700">
+              <a:noFill/>
+              <a:prstDash val="dash"/>
+            </a:ln>
+          </p:spPr>
+          <p:style>
+            <a:lnRef idx="2">
+              <a:schemeClr val="accent1">
+                <a:shade val="50000"/>
+              </a:schemeClr>
+            </a:lnRef>
+            <a:fillRef idx="1">
+              <a:schemeClr val="accent1"/>
+            </a:fillRef>
+            <a:effectRef idx="0">
+              <a:schemeClr val="accent1"/>
+            </a:effectRef>
+            <a:fontRef idx="minor">
+              <a:schemeClr val="lt1"/>
+            </a:fontRef>
+          </p:style>
+          <p:txBody>
+            <a:bodyPr lIns="338328"/>
+            <a:lstStyle/>
+            <a:p>
+              <a:pPr eaLnBrk="1" fontAlgn="auto" hangingPunct="1">
+                <a:spcBef>
+                  <a:spcPts val="0"/>
+                </a:spcBef>
+                <a:spcAft>
+                  <a:spcPts val="0"/>
+                </a:spcAft>
+                <a:defRPr/>
+              </a:pPr>
+              <a:r>
+                <a:rPr lang="en-US" sz="1000" dirty="0">
+                  <a:solidFill>
+                    <a:srgbClr val="1E8900"/>
+                  </a:solidFill>
+                  <a:latin typeface="Arial" panose="020B0604020202020204" pitchFamily="34" charset="0"/>
+                  <a:cs typeface="Arial" panose="020B0604020202020204" pitchFamily="34" charset="0"/>
+                </a:rPr>
+                <a:t>Public subnet</a:t>
+              </a:r>
+            </a:p>
+          </p:txBody>
+        </p:sp>
+        <p:pic>
+          <p:nvPicPr>
+            <p:cNvPr id="169" name="Graphic 34">
+              <a:extLst>
+                <a:ext uri="{FF2B5EF4-FFF2-40B4-BE49-F238E27FC236}">
+                  <a16:creationId xmlns:a16="http://schemas.microsoft.com/office/drawing/2014/main" id="{2F722977-6903-5C43-9C43-6D8200A74641}"/>
+                </a:ext>
+              </a:extLst>
+            </p:cNvPr>
+            <p:cNvPicPr>
+              <a:picLocks noChangeAspect="1" noChangeArrowheads="1"/>
+            </p:cNvPicPr>
+            <p:nvPr/>
+          </p:nvPicPr>
+          <p:blipFill>
+            <a:blip r:embed="rId14">
+              <a:extLst>
+                <a:ext uri="{28A0092B-C50C-407E-A947-70E740481C1C}">
+                  <a14:useLocalDpi xmlns:a14="http://schemas.microsoft.com/office/drawing/2010/main" val="0"/>
+                </a:ext>
+              </a:extLst>
+            </a:blip>
+            <a:srcRect/>
+            <a:stretch>
+              <a:fillRect/>
+            </a:stretch>
+          </p:blipFill>
+          <p:spPr bwMode="auto">
+            <a:xfrm>
+              <a:off x="213352" y="1535827"/>
+              <a:ext cx="274638" cy="274638"/>
+            </a:xfrm>
+            <a:prstGeom prst="rect">
+              <a:avLst/>
+            </a:prstGeom>
+            <a:noFill/>
+            <a:ln>
+              <a:noFill/>
+            </a:ln>
+            <a:extLst>
+              <a:ext uri="{909E8E84-426E-40DD-AFC4-6F175D3DCCD1}">
+                <a14:hiddenFill xmlns:a14="http://schemas.microsoft.com/office/drawing/2010/main">
+                  <a:solidFill>
+                    <a:srgbClr val="FFFFFF"/>
+                  </a:solidFill>
+                </a14:hiddenFill>
+              </a:ext>
+              <a:ext uri="{91240B29-F687-4F45-9708-019B960494DF}">
+                <a14:hiddenLine xmlns:a14="http://schemas.microsoft.com/office/drawing/2010/main" w="9525">
+                  <a:solidFill>
+                    <a:srgbClr val="000000"/>
+                  </a:solidFill>
+                  <a:miter lim="800000"/>
+                  <a:headEnd/>
+                  <a:tailEnd/>
+                </a14:hiddenLine>
+              </a:ext>
+            </a:extLst>
+          </p:spPr>
+        </p:pic>
+        <p:grpSp>
+          <p:nvGrpSpPr>
+            <p:cNvPr id="170" name="Group 169">
+              <a:extLst>
+                <a:ext uri="{FF2B5EF4-FFF2-40B4-BE49-F238E27FC236}">
+                  <a16:creationId xmlns:a16="http://schemas.microsoft.com/office/drawing/2014/main" id="{F80CE09B-68E7-2544-892A-2DFD4DC71B04}"/>
+                </a:ext>
+              </a:extLst>
+            </p:cNvPr>
+            <p:cNvGrpSpPr/>
+            <p:nvPr/>
+          </p:nvGrpSpPr>
+          <p:grpSpPr>
+            <a:xfrm>
+              <a:off x="362562" y="1728859"/>
+              <a:ext cx="817603" cy="610037"/>
+              <a:chOff x="2977145" y="2030796"/>
+              <a:chExt cx="817603" cy="610037"/>
+            </a:xfrm>
+          </p:grpSpPr>
+          <p:sp>
+            <p:nvSpPr>
+              <p:cNvPr id="171" name="TextBox 17">
+                <a:extLst>
+                  <a:ext uri="{FF2B5EF4-FFF2-40B4-BE49-F238E27FC236}">
+                    <a16:creationId xmlns:a16="http://schemas.microsoft.com/office/drawing/2014/main" id="{58355AD9-A0D9-8F4E-A0A5-DCE862F31EAA}"/>
+                  </a:ext>
+                </a:extLst>
+              </p:cNvPr>
+              <p:cNvSpPr txBox="1">
+                <a:spLocks noChangeArrowheads="1"/>
+              </p:cNvSpPr>
+              <p:nvPr/>
+            </p:nvSpPr>
+            <p:spPr bwMode="auto">
+              <a:xfrm>
+                <a:off x="2977145" y="2425389"/>
+                <a:ext cx="817603" cy="215444"/>
+              </a:xfrm>
+              <a:prstGeom prst="rect">
+                <a:avLst/>
+              </a:prstGeom>
+              <a:noFill/>
+              <a:ln>
+                <a:noFill/>
+              </a:ln>
+              <a:extLst>
+                <a:ext uri="{909E8E84-426E-40DD-AFC4-6F175D3DCCD1}">
+                  <a14:hiddenFill xmlns:a14="http://schemas.microsoft.com/office/drawing/2010/main">
+                    <a:solidFill>
+                      <a:srgbClr val="FFFFFF"/>
+                    </a:solidFill>
+                  </a14:hiddenFill>
+                </a:ext>
+                <a:ext uri="{91240B29-F687-4F45-9708-019B960494DF}">
+                  <a14:hiddenLine xmlns:a14="http://schemas.microsoft.com/office/drawing/2010/main" w="9525">
+                    <a:solidFill>
+                      <a:srgbClr val="000000"/>
+                    </a:solidFill>
+                    <a:miter lim="800000"/>
+                    <a:headEnd/>
+                    <a:tailEnd/>
+                  </a14:hiddenLine>
+                </a:ext>
+              </a:extLst>
+            </p:spPr>
+            <p:txBody>
+              <a:bodyPr wrap="square">
+                <a:spAutoFit/>
+              </a:bodyPr>
+              <a:lstStyle>
+                <a:lvl1pPr>
+                  <a:defRPr>
+                    <a:solidFill>
+                      <a:schemeClr val="tx1"/>
+                    </a:solidFill>
+                    <a:latin typeface="Calibri" panose="020F0502020204030204" pitchFamily="34" charset="0"/>
+                  </a:defRPr>
+                </a:lvl1pPr>
+                <a:lvl2pPr marL="742950" indent="-285750">
+                  <a:defRPr>
+                    <a:solidFill>
+                      <a:schemeClr val="tx1"/>
+                    </a:solidFill>
+                    <a:latin typeface="Calibri" panose="020F0502020204030204" pitchFamily="34" charset="0"/>
+                  </a:defRPr>
+                </a:lvl2pPr>
+                <a:lvl3pPr marL="1143000" indent="-228600">
+                  <a:defRPr>
+                    <a:solidFill>
+                      <a:schemeClr val="tx1"/>
+                    </a:solidFill>
+                    <a:latin typeface="Calibri" panose="020F0502020204030204" pitchFamily="34" charset="0"/>
+                  </a:defRPr>
+                </a:lvl3pPr>
+                <a:lvl4pPr marL="1600200" indent="-228600">
+                  <a:defRPr>
+                    <a:solidFill>
+                      <a:schemeClr val="tx1"/>
+                    </a:solidFill>
+                    <a:latin typeface="Calibri" panose="020F0502020204030204" pitchFamily="34" charset="0"/>
+                  </a:defRPr>
+                </a:lvl4pPr>
+                <a:lvl5pPr marL="2057400" indent="-228600">
+                  <a:defRPr>
+                    <a:solidFill>
+                      <a:schemeClr val="tx1"/>
+                    </a:solidFill>
+                    <a:latin typeface="Calibri" panose="020F0502020204030204" pitchFamily="34" charset="0"/>
+                  </a:defRPr>
+                </a:lvl5pPr>
+                <a:lvl6pPr marL="2514600" indent="-228600" eaLnBrk="0" fontAlgn="base" hangingPunct="0">
+                  <a:spcBef>
+                    <a:spcPct val="0"/>
+                  </a:spcBef>
+                  <a:spcAft>
+                    <a:spcPct val="0"/>
+                  </a:spcAft>
+                  <a:defRPr>
+                    <a:solidFill>
+                      <a:schemeClr val="tx1"/>
+                    </a:solidFill>
+                    <a:latin typeface="Calibri" panose="020F0502020204030204" pitchFamily="34" charset="0"/>
+                  </a:defRPr>
+                </a:lvl6pPr>
+                <a:lvl7pPr marL="2971800" indent="-228600" eaLnBrk="0" fontAlgn="base" hangingPunct="0">
+                  <a:spcBef>
+                    <a:spcPct val="0"/>
+                  </a:spcBef>
+                  <a:spcAft>
+                    <a:spcPct val="0"/>
+                  </a:spcAft>
+                  <a:defRPr>
+                    <a:solidFill>
+                      <a:schemeClr val="tx1"/>
+                    </a:solidFill>
+                    <a:latin typeface="Calibri" panose="020F0502020204030204" pitchFamily="34" charset="0"/>
+                  </a:defRPr>
+                </a:lvl7pPr>
+                <a:lvl8pPr marL="3429000" indent="-228600" eaLnBrk="0" fontAlgn="base" hangingPunct="0">
+                  <a:spcBef>
+                    <a:spcPct val="0"/>
+                  </a:spcBef>
+                  <a:spcAft>
+                    <a:spcPct val="0"/>
+                  </a:spcAft>
+                  <a:defRPr>
+                    <a:solidFill>
+                      <a:schemeClr val="tx1"/>
+                    </a:solidFill>
+                    <a:latin typeface="Calibri" panose="020F0502020204030204" pitchFamily="34" charset="0"/>
+                  </a:defRPr>
+                </a:lvl8pPr>
+                <a:lvl9pPr marL="3886200" indent="-228600" eaLnBrk="0" fontAlgn="base" hangingPunct="0">
+                  <a:spcBef>
+                    <a:spcPct val="0"/>
+                  </a:spcBef>
+                  <a:spcAft>
+                    <a:spcPct val="0"/>
+                  </a:spcAft>
+                  <a:defRPr>
+                    <a:solidFill>
+                      <a:schemeClr val="tx1"/>
+                    </a:solidFill>
+                    <a:latin typeface="Calibri" panose="020F0502020204030204" pitchFamily="34" charset="0"/>
+                  </a:defRPr>
+                </a:lvl9pPr>
+              </a:lstStyle>
+              <a:p>
+                <a:pPr algn="ctr" eaLnBrk="1" hangingPunct="1"/>
+                <a:r>
+                  <a:rPr lang="en-US" altLang="en-US" sz="800" dirty="0">
+                    <a:latin typeface="Arial" panose="020B0604020202020204" pitchFamily="34" charset="0"/>
+                    <a:ea typeface="Amazon Ember" panose="020B0603020204020204" pitchFamily="34" charset="0"/>
+                    <a:cs typeface="Arial" panose="020B0604020202020204" pitchFamily="34" charset="0"/>
+                  </a:rPr>
+                  <a:t>NAT gateway</a:t>
+                </a:r>
+              </a:p>
+            </p:txBody>
+          </p:sp>
+          <p:pic>
+            <p:nvPicPr>
+              <p:cNvPr id="172" name="Graphic 35">
+                <a:extLst>
+                  <a:ext uri="{FF2B5EF4-FFF2-40B4-BE49-F238E27FC236}">
+                    <a16:creationId xmlns:a16="http://schemas.microsoft.com/office/drawing/2014/main" id="{16A1923E-4475-0541-A080-49BB8CA9657B}"/>
+                  </a:ext>
+                </a:extLst>
+              </p:cNvPr>
+              <p:cNvPicPr>
+                <a:picLocks noChangeAspect="1" noChangeArrowheads="1"/>
+              </p:cNvPicPr>
+              <p:nvPr/>
+            </p:nvPicPr>
+            <p:blipFill>
+              <a:blip r:embed="rId15">
+                <a:extLst>
+                  <a:ext uri="{28A0092B-C50C-407E-A947-70E740481C1C}">
+                    <a14:useLocalDpi xmlns:a14="http://schemas.microsoft.com/office/drawing/2010/main" val="0"/>
+                  </a:ext>
+                </a:extLst>
+              </a:blip>
+              <a:srcRect/>
+              <a:stretch>
+                <a:fillRect/>
+              </a:stretch>
+            </p:blipFill>
+            <p:spPr bwMode="auto">
+              <a:xfrm>
+                <a:off x="3154017" y="2030796"/>
+                <a:ext cx="457200" cy="457200"/>
+              </a:xfrm>
+              <a:prstGeom prst="rect">
+                <a:avLst/>
+              </a:prstGeom>
+              <a:noFill/>
+              <a:ln>
+                <a:noFill/>
+              </a:ln>
+              <a:extLst>
+                <a:ext uri="{909E8E84-426E-40DD-AFC4-6F175D3DCCD1}">
+                  <a14:hiddenFill xmlns:a14="http://schemas.microsoft.com/office/drawing/2010/main">
+                    <a:solidFill>
+                      <a:srgbClr val="FFFFFF"/>
+                    </a:solidFill>
+                  </a14:hiddenFill>
+                </a:ext>
+                <a:ext uri="{91240B29-F687-4F45-9708-019B960494DF}">
+                  <a14:hiddenLine xmlns:a14="http://schemas.microsoft.com/office/drawing/2010/main" w="9525">
+                    <a:solidFill>
+                      <a:srgbClr val="000000"/>
+                    </a:solidFill>
+                    <a:miter lim="800000"/>
+                    <a:headEnd/>
+                    <a:tailEnd/>
+                  </a14:hiddenLine>
+                </a:ext>
+              </a:extLst>
+            </p:spPr>
+          </p:pic>
+        </p:grpSp>
+      </p:grpSp>
+      <p:sp>
+        <p:nvSpPr>
+          <p:cNvPr id="167" name="Rectangle 166">
+            <a:extLst>
+              <a:ext uri="{FF2B5EF4-FFF2-40B4-BE49-F238E27FC236}">
+                <a16:creationId xmlns:a16="http://schemas.microsoft.com/office/drawing/2014/main" id="{5C60677D-ACFC-7B47-B92F-10C00F4D3414}"/>
+              </a:ext>
+            </a:extLst>
+          </p:cNvPr>
+          <p:cNvSpPr/>
+          <p:nvPr/>
+        </p:nvSpPr>
+        <p:spPr>
+          <a:xfrm>
+            <a:off x="1561082" y="832918"/>
+            <a:ext cx="1349166" cy="2045135"/>
+          </a:xfrm>
+          <a:prstGeom prst="rect">
+            <a:avLst/>
+          </a:prstGeom>
+          <a:noFill/>
+          <a:ln w="12700">
+            <a:solidFill>
+              <a:srgbClr val="5B9CD5"/>
+            </a:solidFill>
+            <a:prstDash val="dash"/>
+          </a:ln>
+        </p:spPr>
+        <p:style>
+          <a:lnRef idx="2">
+            <a:schemeClr val="accent1">
+              <a:shade val="50000"/>
+            </a:schemeClr>
+          </a:lnRef>
+          <a:fillRef idx="1">
+            <a:schemeClr val="accent1"/>
+          </a:fillRef>
+          <a:effectRef idx="0">
+            <a:schemeClr val="accent1"/>
+          </a:effectRef>
+          <a:fontRef idx="minor">
+            <a:schemeClr val="lt1"/>
+          </a:fontRef>
+        </p:style>
+        <p:txBody>
+          <a:bodyPr tIns="91440"/>
+          <a:lstStyle/>
+          <a:p>
+            <a:pPr algn="ctr" eaLnBrk="1" fontAlgn="auto" hangingPunct="1">
+              <a:spcBef>
+                <a:spcPts val="0"/>
+              </a:spcBef>
+              <a:spcAft>
+                <a:spcPts val="0"/>
+              </a:spcAft>
+              <a:defRPr/>
+            </a:pPr>
+            <a:r>
+              <a:rPr lang="en-US" sz="1000" dirty="0">
+                <a:solidFill>
+                  <a:srgbClr val="5B9CD5"/>
+                </a:solidFill>
+                <a:latin typeface="Arial" panose="020B0604020202020204" pitchFamily="34" charset="0"/>
+                <a:cs typeface="Arial" panose="020B0604020202020204" pitchFamily="34" charset="0"/>
+              </a:rPr>
+              <a:t>Availability Zone</a:t>
+            </a:r>
+          </a:p>
+        </p:txBody>
+      </p:sp>
+      <p:sp>
+        <p:nvSpPr>
+          <p:cNvPr id="173" name="Rectangle 172">
+            <a:extLst>
+              <a:ext uri="{FF2B5EF4-FFF2-40B4-BE49-F238E27FC236}">
+                <a16:creationId xmlns:a16="http://schemas.microsoft.com/office/drawing/2014/main" id="{4F480393-C824-E844-BE78-D561F0E597B6}"/>
+              </a:ext>
+            </a:extLst>
+          </p:cNvPr>
+          <p:cNvSpPr/>
+          <p:nvPr/>
+        </p:nvSpPr>
+        <p:spPr>
+          <a:xfrm>
+            <a:off x="211951" y="1132210"/>
+            <a:ext cx="1260885" cy="828678"/>
+          </a:xfrm>
+          <a:prstGeom prst="rect">
+            <a:avLst/>
+          </a:prstGeom>
+          <a:solidFill>
+            <a:srgbClr val="007CBC">
+              <a:alpha val="9804"/>
+            </a:srgbClr>
+          </a:solidFill>
+          <a:ln w="12700">
+            <a:noFill/>
+            <a:prstDash val="dash"/>
+          </a:ln>
+        </p:spPr>
+        <p:style>
+          <a:lnRef idx="2">
+            <a:schemeClr val="accent1">
+              <a:shade val="50000"/>
+            </a:schemeClr>
+          </a:lnRef>
+          <a:fillRef idx="1">
+            <a:schemeClr val="accent1"/>
+          </a:fillRef>
+          <a:effectRef idx="0">
+            <a:schemeClr val="accent1"/>
+          </a:effectRef>
+          <a:fontRef idx="minor">
+            <a:schemeClr val="lt1"/>
+          </a:fontRef>
+        </p:style>
+        <p:txBody>
+          <a:bodyPr lIns="338328"/>
+          <a:lstStyle/>
+          <a:p>
+            <a:pPr eaLnBrk="1" fontAlgn="auto" hangingPunct="1">
+              <a:spcBef>
+                <a:spcPts val="0"/>
+              </a:spcBef>
+              <a:spcAft>
+                <a:spcPts val="0"/>
+              </a:spcAft>
+              <a:defRPr/>
+            </a:pPr>
+            <a:r>
+              <a:rPr lang="en-US" sz="1000" dirty="0">
+                <a:solidFill>
+                  <a:srgbClr val="5B9CD5"/>
+                </a:solidFill>
+                <a:latin typeface="Arial" panose="020B0604020202020204" pitchFamily="34" charset="0"/>
+                <a:cs typeface="Arial" panose="020B0604020202020204" pitchFamily="34" charset="0"/>
+              </a:rPr>
+              <a:t>Private subnet</a:t>
+            </a:r>
+          </a:p>
+        </p:txBody>
+      </p:sp>
+      <p:pic>
+        <p:nvPicPr>
+          <p:cNvPr id="174" name="Graphic 35">
+            <a:extLst>
+              <a:ext uri="{FF2B5EF4-FFF2-40B4-BE49-F238E27FC236}">
+                <a16:creationId xmlns:a16="http://schemas.microsoft.com/office/drawing/2014/main" id="{F691FFC9-3B90-CC42-92AC-8322D335C6AC}"/>
+              </a:ext>
+            </a:extLst>
+          </p:cNvPr>
+          <p:cNvPicPr>
+            <a:picLocks noChangeAspect="1" noChangeArrowheads="1"/>
+          </p:cNvPicPr>
+          <p:nvPr/>
+        </p:nvPicPr>
+        <p:blipFill>
+          <a:blip r:embed="rId16">
+            <a:extLst>
+              <a:ext uri="{28A0092B-C50C-407E-A947-70E740481C1C}">
+                <a14:useLocalDpi xmlns:a14="http://schemas.microsoft.com/office/drawing/2010/main" val="0"/>
+              </a:ext>
+            </a:extLst>
+          </a:blip>
+          <a:srcRect/>
+          <a:stretch>
+            <a:fillRect/>
+          </a:stretch>
+        </p:blipFill>
+        <p:spPr bwMode="auto">
+          <a:xfrm>
+            <a:off x="211951" y="1130622"/>
+            <a:ext cx="252935" cy="274638"/>
+          </a:xfrm>
+          <a:prstGeom prst="rect">
+            <a:avLst/>
+          </a:prstGeom>
+          <a:noFill/>
+          <a:ln>
+            <a:noFill/>
+          </a:ln>
+          <a:extLst>
+            <a:ext uri="{909E8E84-426E-40DD-AFC4-6F175D3DCCD1}">
+              <a14:hiddenFill xmlns:a14="http://schemas.microsoft.com/office/drawing/2010/main">
+                <a:solidFill>
+                  <a:srgbClr val="FFFFFF"/>
+                </a:solidFill>
+              </a14:hiddenFill>
+            </a:ext>
+            <a:ext uri="{91240B29-F687-4F45-9708-019B960494DF}">
+              <a14:hiddenLine xmlns:a14="http://schemas.microsoft.com/office/drawing/2010/main" w="9525">
+                <a:solidFill>
+                  <a:srgbClr val="000000"/>
+                </a:solidFill>
+                <a:miter lim="800000"/>
+                <a:headEnd/>
+                <a:tailEnd/>
+              </a14:hiddenLine>
+            </a:ext>
+          </a:extLst>
+        </p:spPr>
+      </p:pic>
+      <p:sp>
+        <p:nvSpPr>
+          <p:cNvPr id="175" name="Rectangle 174">
+            <a:extLst>
+              <a:ext uri="{FF2B5EF4-FFF2-40B4-BE49-F238E27FC236}">
+                <a16:creationId xmlns:a16="http://schemas.microsoft.com/office/drawing/2014/main" id="{181A9BED-3F14-1C4A-A219-A4736D74B3C4}"/>
+              </a:ext>
+            </a:extLst>
+          </p:cNvPr>
+          <p:cNvSpPr/>
+          <p:nvPr/>
+        </p:nvSpPr>
+        <p:spPr>
+          <a:xfrm>
+            <a:off x="1603052" y="1134768"/>
+            <a:ext cx="1260885" cy="828678"/>
+          </a:xfrm>
+          <a:prstGeom prst="rect">
+            <a:avLst/>
+          </a:prstGeom>
+          <a:solidFill>
+            <a:srgbClr val="007CBC">
+              <a:alpha val="9804"/>
+            </a:srgbClr>
+          </a:solidFill>
+          <a:ln w="12700">
+            <a:noFill/>
+            <a:prstDash val="dash"/>
+          </a:ln>
+        </p:spPr>
+        <p:style>
+          <a:lnRef idx="2">
+            <a:schemeClr val="accent1">
+              <a:shade val="50000"/>
+            </a:schemeClr>
+          </a:lnRef>
+          <a:fillRef idx="1">
+            <a:schemeClr val="accent1"/>
+          </a:fillRef>
+          <a:effectRef idx="0">
+            <a:schemeClr val="accent1"/>
+          </a:effectRef>
+          <a:fontRef idx="minor">
+            <a:schemeClr val="lt1"/>
+          </a:fontRef>
+        </p:style>
+        <p:txBody>
+          <a:bodyPr lIns="338328"/>
+          <a:lstStyle/>
+          <a:p>
+            <a:pPr eaLnBrk="1" fontAlgn="auto" hangingPunct="1">
+              <a:spcBef>
+                <a:spcPts val="0"/>
+              </a:spcBef>
+              <a:spcAft>
+                <a:spcPts val="0"/>
+              </a:spcAft>
+              <a:defRPr/>
+            </a:pPr>
+            <a:r>
+              <a:rPr lang="en-US" sz="1000" dirty="0">
+                <a:solidFill>
+                  <a:srgbClr val="5B9CD5"/>
+                </a:solidFill>
+                <a:latin typeface="Arial" panose="020B0604020202020204" pitchFamily="34" charset="0"/>
+                <a:cs typeface="Arial" panose="020B0604020202020204" pitchFamily="34" charset="0"/>
+              </a:rPr>
+              <a:t>Private subnet</a:t>
+            </a:r>
+          </a:p>
+        </p:txBody>
+      </p:sp>
+      <p:pic>
+        <p:nvPicPr>
+          <p:cNvPr id="176" name="Graphic 35">
+            <a:extLst>
+              <a:ext uri="{FF2B5EF4-FFF2-40B4-BE49-F238E27FC236}">
+                <a16:creationId xmlns:a16="http://schemas.microsoft.com/office/drawing/2014/main" id="{014B7A83-1984-934F-BF05-78AA3F53C72D}"/>
+              </a:ext>
+            </a:extLst>
+          </p:cNvPr>
+          <p:cNvPicPr>
+            <a:picLocks noChangeAspect="1" noChangeArrowheads="1"/>
+          </p:cNvPicPr>
+          <p:nvPr/>
+        </p:nvPicPr>
+        <p:blipFill>
+          <a:blip r:embed="rId16">
+            <a:extLst>
+              <a:ext uri="{28A0092B-C50C-407E-A947-70E740481C1C}">
+                <a14:useLocalDpi xmlns:a14="http://schemas.microsoft.com/office/drawing/2010/main" val="0"/>
+              </a:ext>
+            </a:extLst>
+          </a:blip>
+          <a:srcRect/>
+          <a:stretch>
+            <a:fillRect/>
+          </a:stretch>
+        </p:blipFill>
+        <p:spPr bwMode="auto">
+          <a:xfrm>
+            <a:off x="1603052" y="1133180"/>
+            <a:ext cx="252935" cy="274638"/>
+          </a:xfrm>
+          <a:prstGeom prst="rect">
+            <a:avLst/>
+          </a:prstGeom>
+          <a:noFill/>
+          <a:ln>
+            <a:noFill/>
+          </a:ln>
+          <a:extLst>
+            <a:ext uri="{909E8E84-426E-40DD-AFC4-6F175D3DCCD1}">
+              <a14:hiddenFill xmlns:a14="http://schemas.microsoft.com/office/drawing/2010/main">
+                <a:solidFill>
+                  <a:srgbClr val="FFFFFF"/>
+                </a:solidFill>
+              </a14:hiddenFill>
+            </a:ext>
+            <a:ext uri="{91240B29-F687-4F45-9708-019B960494DF}">
+              <a14:hiddenLine xmlns:a14="http://schemas.microsoft.com/office/drawing/2010/main" w="9525">
+                <a:solidFill>
+                  <a:srgbClr val="000000"/>
+                </a:solidFill>
+                <a:miter lim="800000"/>
+                <a:headEnd/>
+                <a:tailEnd/>
+              </a14:hiddenLine>
+            </a:ext>
+          </a:extLst>
+        </p:spPr>
+      </p:pic>
+      <p:grpSp>
+        <p:nvGrpSpPr>
+          <p:cNvPr id="21" name="Group 20">
+            <a:extLst>
+              <a:ext uri="{FF2B5EF4-FFF2-40B4-BE49-F238E27FC236}">
+                <a16:creationId xmlns:a16="http://schemas.microsoft.com/office/drawing/2014/main" id="{933CAAAF-FE83-B545-BFCD-8D2DA9FCB522}"/>
+              </a:ext>
+            </a:extLst>
+          </p:cNvPr>
+          <p:cNvGrpSpPr/>
+          <p:nvPr/>
+        </p:nvGrpSpPr>
+        <p:grpSpPr>
+          <a:xfrm>
+            <a:off x="3047463" y="473378"/>
+            <a:ext cx="2819937" cy="3072249"/>
+            <a:chOff x="3047463" y="473378"/>
+            <a:chExt cx="2819937" cy="3072249"/>
+          </a:xfrm>
+        </p:grpSpPr>
+        <p:sp>
+          <p:nvSpPr>
+            <p:cNvPr id="41" name="Rectangle 40">
+              <a:extLst>
+                <a:ext uri="{FF2B5EF4-FFF2-40B4-BE49-F238E27FC236}">
+                  <a16:creationId xmlns:a16="http://schemas.microsoft.com/office/drawing/2014/main" id="{F149E965-46D8-4BCB-B8D5-D7A451FDB06B}"/>
+                </a:ext>
+              </a:extLst>
+            </p:cNvPr>
+            <p:cNvSpPr/>
+            <p:nvPr/>
+          </p:nvSpPr>
+          <p:spPr>
+            <a:xfrm>
+              <a:off x="3047463" y="474630"/>
+              <a:ext cx="2819937" cy="3070997"/>
+            </a:xfrm>
+            <a:prstGeom prst="rect">
+              <a:avLst/>
+            </a:prstGeom>
+            <a:noFill/>
+            <a:ln w="12700">
+              <a:solidFill>
+                <a:srgbClr val="1E8900"/>
+              </a:solidFill>
+            </a:ln>
+          </p:spPr>
+          <p:style>
+            <a:lnRef idx="2">
+              <a:schemeClr val="accent1">
+                <a:shade val="50000"/>
+              </a:schemeClr>
+            </a:lnRef>
+            <a:fillRef idx="1">
+              <a:schemeClr val="accent1"/>
+            </a:fillRef>
+            <a:effectRef idx="0">
+              <a:schemeClr val="accent1"/>
+            </a:effectRef>
+            <a:fontRef idx="minor">
+              <a:schemeClr val="lt1"/>
+            </a:fontRef>
+          </p:style>
+          <p:txBody>
+            <a:bodyPr lIns="457200" tIns="91440"/>
+            <a:lstStyle/>
+            <a:p>
+              <a:pPr eaLnBrk="1" fontAlgn="auto" hangingPunct="1">
+                <a:spcBef>
+                  <a:spcPts val="0"/>
+                </a:spcBef>
+                <a:spcAft>
+                  <a:spcPts val="0"/>
+                </a:spcAft>
+                <a:defRPr/>
+              </a:pPr>
+              <a:r>
+                <a:rPr lang="en-US" sz="1000" dirty="0">
+                  <a:ln w="0"/>
+                  <a:solidFill>
+                    <a:srgbClr val="1E8900"/>
+                  </a:solidFill>
+                  <a:latin typeface="Arial" panose="020B0604020202020204" pitchFamily="34" charset="0"/>
+                  <a:cs typeface="Arial" panose="020B0604020202020204" pitchFamily="34" charset="0"/>
+                </a:rPr>
+                <a:t>Production VPC</a:t>
+              </a:r>
+            </a:p>
+          </p:txBody>
+        </p:sp>
+        <p:pic>
+          <p:nvPicPr>
+            <p:cNvPr id="83" name="Graphic 28">
+              <a:extLst>
+                <a:ext uri="{FF2B5EF4-FFF2-40B4-BE49-F238E27FC236}">
+                  <a16:creationId xmlns:a16="http://schemas.microsoft.com/office/drawing/2014/main" id="{167CA2D0-7D37-BE48-9C0C-7378FEB7BC40}"/>
+                </a:ext>
+              </a:extLst>
+            </p:cNvPr>
+            <p:cNvPicPr>
+              <a:picLocks noChangeAspect="1" noChangeArrowheads="1"/>
+            </p:cNvPicPr>
+            <p:nvPr/>
+          </p:nvPicPr>
+          <p:blipFill>
+            <a:blip r:embed="rId13">
+              <a:extLst>
+                <a:ext uri="{28A0092B-C50C-407E-A947-70E740481C1C}">
+                  <a14:useLocalDpi xmlns:a14="http://schemas.microsoft.com/office/drawing/2010/main" val="0"/>
+                </a:ext>
+              </a:extLst>
+            </a:blip>
+            <a:srcRect/>
+            <a:stretch>
+              <a:fillRect/>
+            </a:stretch>
+          </p:blipFill>
+          <p:spPr bwMode="auto">
+            <a:xfrm>
+              <a:off x="3048469" y="473378"/>
+              <a:ext cx="330200" cy="330200"/>
+            </a:xfrm>
+            <a:prstGeom prst="rect">
+              <a:avLst/>
+            </a:prstGeom>
+            <a:noFill/>
+            <a:ln>
+              <a:noFill/>
+            </a:ln>
+            <a:extLst>
+              <a:ext uri="{909E8E84-426E-40DD-AFC4-6F175D3DCCD1}">
+                <a14:hiddenFill xmlns:a14="http://schemas.microsoft.com/office/drawing/2010/main">
+                  <a:solidFill>
+                    <a:srgbClr val="FFFFFF"/>
+                  </a:solidFill>
+                </a14:hiddenFill>
+              </a:ext>
+              <a:ext uri="{91240B29-F687-4F45-9708-019B960494DF}">
+                <a14:hiddenLine xmlns:a14="http://schemas.microsoft.com/office/drawing/2010/main" w="9525">
+                  <a:solidFill>
+                    <a:srgbClr val="000000"/>
+                  </a:solidFill>
+                  <a:miter lim="800000"/>
+                  <a:headEnd/>
+                  <a:tailEnd/>
+                </a14:hiddenLine>
+              </a:ext>
+            </a:extLst>
+          </p:spPr>
+        </p:pic>
+        <p:grpSp>
+          <p:nvGrpSpPr>
+            <p:cNvPr id="84" name="Group 83">
+              <a:extLst>
+                <a:ext uri="{FF2B5EF4-FFF2-40B4-BE49-F238E27FC236}">
+                  <a16:creationId xmlns:a16="http://schemas.microsoft.com/office/drawing/2014/main" id="{3BA16B0C-1EF5-624B-AD61-FEF07405420F}"/>
+                </a:ext>
+              </a:extLst>
+            </p:cNvPr>
+            <p:cNvGrpSpPr/>
+            <p:nvPr/>
+          </p:nvGrpSpPr>
+          <p:grpSpPr>
+            <a:xfrm>
+              <a:off x="4111981" y="2931282"/>
+              <a:ext cx="655864" cy="613423"/>
+              <a:chOff x="1606355" y="2960204"/>
+              <a:chExt cx="655864" cy="613423"/>
+            </a:xfrm>
+          </p:grpSpPr>
+          <p:sp>
+            <p:nvSpPr>
+              <p:cNvPr id="85" name="TextBox 20">
+                <a:extLst>
+                  <a:ext uri="{FF2B5EF4-FFF2-40B4-BE49-F238E27FC236}">
+                    <a16:creationId xmlns:a16="http://schemas.microsoft.com/office/drawing/2014/main" id="{1379B7C4-860D-ED45-9313-F5E8F74A4EBE}"/>
+                  </a:ext>
+                </a:extLst>
+              </p:cNvPr>
+              <p:cNvSpPr txBox="1">
+                <a:spLocks noChangeArrowheads="1"/>
+              </p:cNvSpPr>
+              <p:nvPr/>
+            </p:nvSpPr>
+            <p:spPr bwMode="auto">
+              <a:xfrm>
+                <a:off x="1606355" y="3358183"/>
+                <a:ext cx="655864" cy="215444"/>
+              </a:xfrm>
+              <a:prstGeom prst="rect">
+                <a:avLst/>
+              </a:prstGeom>
+              <a:noFill/>
+              <a:ln>
+                <a:noFill/>
+              </a:ln>
+              <a:extLst>
+                <a:ext uri="{909E8E84-426E-40DD-AFC4-6F175D3DCCD1}">
+                  <a14:hiddenFill xmlns:a14="http://schemas.microsoft.com/office/drawing/2010/main">
+                    <a:solidFill>
+                      <a:srgbClr val="FFFFFF"/>
+                    </a:solidFill>
+                  </a14:hiddenFill>
+                </a:ext>
+                <a:ext uri="{91240B29-F687-4F45-9708-019B960494DF}">
+                  <a14:hiddenLine xmlns:a14="http://schemas.microsoft.com/office/drawing/2010/main" w="9525">
+                    <a:solidFill>
+                      <a:srgbClr val="000000"/>
+                    </a:solidFill>
+                    <a:miter lim="800000"/>
+                    <a:headEnd/>
+                    <a:tailEnd/>
+                  </a14:hiddenLine>
+                </a:ext>
+              </a:extLst>
+            </p:spPr>
+            <p:txBody>
+              <a:bodyPr wrap="square">
+                <a:spAutoFit/>
+              </a:bodyPr>
+              <a:lstStyle>
+                <a:lvl1pPr>
+                  <a:defRPr>
+                    <a:solidFill>
+                      <a:schemeClr val="tx1"/>
+                    </a:solidFill>
+                    <a:latin typeface="Calibri" panose="020F0502020204030204" pitchFamily="34" charset="0"/>
+                  </a:defRPr>
+                </a:lvl1pPr>
+                <a:lvl2pPr marL="742950" indent="-285750">
+                  <a:defRPr>
+                    <a:solidFill>
+                      <a:schemeClr val="tx1"/>
+                    </a:solidFill>
+                    <a:latin typeface="Calibri" panose="020F0502020204030204" pitchFamily="34" charset="0"/>
+                  </a:defRPr>
+                </a:lvl2pPr>
+                <a:lvl3pPr marL="1143000" indent="-228600">
+                  <a:defRPr>
+                    <a:solidFill>
+                      <a:schemeClr val="tx1"/>
+                    </a:solidFill>
+                    <a:latin typeface="Calibri" panose="020F0502020204030204" pitchFamily="34" charset="0"/>
+                  </a:defRPr>
+                </a:lvl3pPr>
+                <a:lvl4pPr marL="1600200" indent="-228600">
+                  <a:defRPr>
+                    <a:solidFill>
+                      <a:schemeClr val="tx1"/>
+                    </a:solidFill>
+                    <a:latin typeface="Calibri" panose="020F0502020204030204" pitchFamily="34" charset="0"/>
+                  </a:defRPr>
+                </a:lvl4pPr>
+                <a:lvl5pPr marL="2057400" indent="-228600">
+                  <a:defRPr>
+                    <a:solidFill>
+                      <a:schemeClr val="tx1"/>
+                    </a:solidFill>
+                    <a:latin typeface="Calibri" panose="020F0502020204030204" pitchFamily="34" charset="0"/>
+                  </a:defRPr>
+                </a:lvl5pPr>
+                <a:lvl6pPr marL="2514600" indent="-228600" eaLnBrk="0" fontAlgn="base" hangingPunct="0">
+                  <a:spcBef>
+                    <a:spcPct val="0"/>
+                  </a:spcBef>
+                  <a:spcAft>
+                    <a:spcPct val="0"/>
+                  </a:spcAft>
+                  <a:defRPr>
+                    <a:solidFill>
+                      <a:schemeClr val="tx1"/>
+                    </a:solidFill>
+                    <a:latin typeface="Calibri" panose="020F0502020204030204" pitchFamily="34" charset="0"/>
+                  </a:defRPr>
+                </a:lvl6pPr>
+                <a:lvl7pPr marL="2971800" indent="-228600" eaLnBrk="0" fontAlgn="base" hangingPunct="0">
+                  <a:spcBef>
+                    <a:spcPct val="0"/>
+                  </a:spcBef>
+                  <a:spcAft>
+                    <a:spcPct val="0"/>
+                  </a:spcAft>
+                  <a:defRPr>
+                    <a:solidFill>
+                      <a:schemeClr val="tx1"/>
+                    </a:solidFill>
+                    <a:latin typeface="Calibri" panose="020F0502020204030204" pitchFamily="34" charset="0"/>
+                  </a:defRPr>
+                </a:lvl7pPr>
+                <a:lvl8pPr marL="3429000" indent="-228600" eaLnBrk="0" fontAlgn="base" hangingPunct="0">
+                  <a:spcBef>
+                    <a:spcPct val="0"/>
+                  </a:spcBef>
+                  <a:spcAft>
+                    <a:spcPct val="0"/>
+                  </a:spcAft>
+                  <a:defRPr>
+                    <a:solidFill>
+                      <a:schemeClr val="tx1"/>
+                    </a:solidFill>
+                    <a:latin typeface="Calibri" panose="020F0502020204030204" pitchFamily="34" charset="0"/>
+                  </a:defRPr>
+                </a:lvl8pPr>
+                <a:lvl9pPr marL="3886200" indent="-228600" eaLnBrk="0" fontAlgn="base" hangingPunct="0">
+                  <a:spcBef>
+                    <a:spcPct val="0"/>
+                  </a:spcBef>
+                  <a:spcAft>
+                    <a:spcPct val="0"/>
+                  </a:spcAft>
+                  <a:defRPr>
+                    <a:solidFill>
+                      <a:schemeClr val="tx1"/>
+                    </a:solidFill>
+                    <a:latin typeface="Calibri" panose="020F0502020204030204" pitchFamily="34" charset="0"/>
+                  </a:defRPr>
+                </a:lvl9pPr>
+              </a:lstStyle>
+              <a:p>
+                <a:pPr algn="ctr" eaLnBrk="1" hangingPunct="1"/>
+                <a:r>
+                  <a:rPr lang="en-US" altLang="en-US" sz="800" dirty="0">
+                    <a:latin typeface="Arial" panose="020B0604020202020204" pitchFamily="34" charset="0"/>
+                    <a:ea typeface="Amazon Ember" panose="020B0603020204020204" pitchFamily="34" charset="0"/>
+                    <a:cs typeface="Arial" panose="020B0604020202020204" pitchFamily="34" charset="0"/>
+                  </a:rPr>
+                  <a:t>Flow logs</a:t>
+                </a:r>
+              </a:p>
+            </p:txBody>
+          </p:sp>
+          <p:pic>
+            <p:nvPicPr>
+              <p:cNvPr id="86" name="Graphic 24">
+                <a:extLst>
+                  <a:ext uri="{FF2B5EF4-FFF2-40B4-BE49-F238E27FC236}">
+                    <a16:creationId xmlns:a16="http://schemas.microsoft.com/office/drawing/2014/main" id="{6D057E02-8CBC-134C-975E-CFD4F7C7A690}"/>
+                  </a:ext>
+                </a:extLst>
+              </p:cNvPr>
+              <p:cNvPicPr>
+                <a:picLocks noChangeAspect="1" noChangeArrowheads="1"/>
+              </p:cNvPicPr>
+              <p:nvPr/>
+            </p:nvPicPr>
+            <p:blipFill>
+              <a:blip r:embed="rId12">
+                <a:extLst>
+                  <a:ext uri="{28A0092B-C50C-407E-A947-70E740481C1C}">
+                    <a14:useLocalDpi xmlns:a14="http://schemas.microsoft.com/office/drawing/2010/main" val="0"/>
+                  </a:ext>
+                </a:extLst>
+              </a:blip>
+              <a:srcRect/>
+              <a:stretch>
+                <a:fillRect/>
+              </a:stretch>
+            </p:blipFill>
+            <p:spPr bwMode="auto">
+              <a:xfrm>
+                <a:off x="1705687" y="2960204"/>
+                <a:ext cx="457200" cy="457200"/>
+              </a:xfrm>
+              <a:prstGeom prst="rect">
+                <a:avLst/>
+              </a:prstGeom>
+              <a:noFill/>
+              <a:ln>
+                <a:noFill/>
+              </a:ln>
+              <a:extLst>
+                <a:ext uri="{909E8E84-426E-40DD-AFC4-6F175D3DCCD1}">
+                  <a14:hiddenFill xmlns:a14="http://schemas.microsoft.com/office/drawing/2010/main">
+                    <a:solidFill>
+                      <a:srgbClr val="FFFFFF"/>
+                    </a:solidFill>
+                  </a14:hiddenFill>
+                </a:ext>
+                <a:ext uri="{91240B29-F687-4F45-9708-019B960494DF}">
+                  <a14:hiddenLine xmlns:a14="http://schemas.microsoft.com/office/drawing/2010/main" w="9525">
+                    <a:solidFill>
+                      <a:srgbClr val="000000"/>
+                    </a:solidFill>
+                    <a:miter lim="800000"/>
+                    <a:headEnd/>
+                    <a:tailEnd/>
+                  </a14:hiddenLine>
+                </a:ext>
+              </a:extLst>
+            </p:spPr>
+          </p:pic>
+        </p:grpSp>
+        <p:sp>
+          <p:nvSpPr>
+            <p:cNvPr id="89" name="Rectangle 88">
+              <a:extLst>
+                <a:ext uri="{FF2B5EF4-FFF2-40B4-BE49-F238E27FC236}">
+                  <a16:creationId xmlns:a16="http://schemas.microsoft.com/office/drawing/2014/main" id="{01EC72D4-6ADC-6B4D-8B4A-BA9539303FFC}"/>
+                </a:ext>
+              </a:extLst>
+            </p:cNvPr>
+            <p:cNvSpPr/>
+            <p:nvPr/>
+          </p:nvSpPr>
+          <p:spPr>
+            <a:xfrm>
+              <a:off x="3095606" y="842425"/>
+              <a:ext cx="1349166" cy="2035628"/>
+            </a:xfrm>
+            <a:prstGeom prst="rect">
+              <a:avLst/>
+            </a:prstGeom>
+            <a:noFill/>
+            <a:ln w="12700">
+              <a:solidFill>
+                <a:srgbClr val="5B9CD5"/>
+              </a:solidFill>
+              <a:prstDash val="dash"/>
+            </a:ln>
+          </p:spPr>
+          <p:style>
+            <a:lnRef idx="2">
+              <a:schemeClr val="accent1">
+                <a:shade val="50000"/>
+              </a:schemeClr>
+            </a:lnRef>
+            <a:fillRef idx="1">
+              <a:schemeClr val="accent1"/>
+            </a:fillRef>
+            <a:effectRef idx="0">
+              <a:schemeClr val="accent1"/>
+            </a:effectRef>
+            <a:fontRef idx="minor">
+              <a:schemeClr val="lt1"/>
+            </a:fontRef>
+          </p:style>
+          <p:txBody>
+            <a:bodyPr tIns="91440"/>
+            <a:lstStyle/>
+            <a:p>
+              <a:pPr algn="ctr" eaLnBrk="1" fontAlgn="auto" hangingPunct="1">
+                <a:spcBef>
+                  <a:spcPts val="0"/>
+                </a:spcBef>
+                <a:spcAft>
+                  <a:spcPts val="0"/>
+                </a:spcAft>
+                <a:defRPr/>
+              </a:pPr>
+              <a:r>
+                <a:rPr lang="en-US" sz="1000" dirty="0">
+                  <a:solidFill>
+                    <a:srgbClr val="5B9CD5"/>
+                  </a:solidFill>
+                  <a:latin typeface="Arial" panose="020B0604020202020204" pitchFamily="34" charset="0"/>
+                  <a:cs typeface="Arial" panose="020B0604020202020204" pitchFamily="34" charset="0"/>
+                </a:rPr>
+                <a:t>Availability Zone</a:t>
+              </a:r>
+            </a:p>
+          </p:txBody>
+        </p:sp>
+        <p:sp>
+          <p:nvSpPr>
+            <p:cNvPr id="183" name="Rectangle 182">
+              <a:extLst>
+                <a:ext uri="{FF2B5EF4-FFF2-40B4-BE49-F238E27FC236}">
+                  <a16:creationId xmlns:a16="http://schemas.microsoft.com/office/drawing/2014/main" id="{F752A9B1-A6E2-7743-B227-C73811492141}"/>
+                </a:ext>
+              </a:extLst>
+            </p:cNvPr>
+            <p:cNvSpPr/>
+            <p:nvPr/>
+          </p:nvSpPr>
+          <p:spPr>
+            <a:xfrm>
+              <a:off x="3128970" y="1132209"/>
+              <a:ext cx="1260885" cy="1696075"/>
+            </a:xfrm>
+            <a:prstGeom prst="rect">
+              <a:avLst/>
+            </a:prstGeom>
+            <a:solidFill>
+              <a:srgbClr val="007CBC">
+                <a:alpha val="9804"/>
+              </a:srgbClr>
+            </a:solidFill>
+            <a:ln w="12700">
+              <a:noFill/>
+              <a:prstDash val="dash"/>
+            </a:ln>
+          </p:spPr>
+          <p:style>
+            <a:lnRef idx="2">
+              <a:schemeClr val="accent1">
+                <a:shade val="50000"/>
+              </a:schemeClr>
+            </a:lnRef>
+            <a:fillRef idx="1">
+              <a:schemeClr val="accent1"/>
+            </a:fillRef>
+            <a:effectRef idx="0">
+              <a:schemeClr val="accent1"/>
+            </a:effectRef>
+            <a:fontRef idx="minor">
+              <a:schemeClr val="lt1"/>
+            </a:fontRef>
+          </p:style>
+          <p:txBody>
+            <a:bodyPr lIns="338328"/>
+            <a:lstStyle/>
+            <a:p>
+              <a:pPr eaLnBrk="1" fontAlgn="auto" hangingPunct="1">
+                <a:spcBef>
+                  <a:spcPts val="0"/>
+                </a:spcBef>
+                <a:spcAft>
+                  <a:spcPts val="0"/>
+                </a:spcAft>
+                <a:defRPr/>
+              </a:pPr>
+              <a:r>
+                <a:rPr lang="en-US" sz="1000" dirty="0">
+                  <a:solidFill>
+                    <a:srgbClr val="5B9CD5"/>
+                  </a:solidFill>
+                  <a:latin typeface="Arial" panose="020B0604020202020204" pitchFamily="34" charset="0"/>
+                  <a:cs typeface="Arial" panose="020B0604020202020204" pitchFamily="34" charset="0"/>
+                </a:rPr>
+                <a:t>Private subnet</a:t>
+              </a:r>
+            </a:p>
+          </p:txBody>
+        </p:sp>
+        <p:pic>
+          <p:nvPicPr>
+            <p:cNvPr id="184" name="Graphic 35">
+              <a:extLst>
+                <a:ext uri="{FF2B5EF4-FFF2-40B4-BE49-F238E27FC236}">
+                  <a16:creationId xmlns:a16="http://schemas.microsoft.com/office/drawing/2014/main" id="{00AE88AA-10F0-F44C-BC52-E158B3FC324D}"/>
+                </a:ext>
+              </a:extLst>
+            </p:cNvPr>
+            <p:cNvPicPr>
+              <a:picLocks noChangeAspect="1" noChangeArrowheads="1"/>
+            </p:cNvPicPr>
+            <p:nvPr/>
+          </p:nvPicPr>
+          <p:blipFill>
+            <a:blip r:embed="rId16">
+              <a:extLst>
+                <a:ext uri="{28A0092B-C50C-407E-A947-70E740481C1C}">
+                  <a14:useLocalDpi xmlns:a14="http://schemas.microsoft.com/office/drawing/2010/main" val="0"/>
+                </a:ext>
+              </a:extLst>
+            </a:blip>
+            <a:srcRect/>
+            <a:stretch>
+              <a:fillRect/>
+            </a:stretch>
+          </p:blipFill>
+          <p:spPr bwMode="auto">
+            <a:xfrm>
+              <a:off x="3138132" y="1130622"/>
+              <a:ext cx="252935" cy="274638"/>
+            </a:xfrm>
+            <a:prstGeom prst="rect">
+              <a:avLst/>
+            </a:prstGeom>
+            <a:noFill/>
+            <a:ln>
+              <a:noFill/>
+            </a:ln>
+            <a:extLst>
+              <a:ext uri="{909E8E84-426E-40DD-AFC4-6F175D3DCCD1}">
+                <a14:hiddenFill xmlns:a14="http://schemas.microsoft.com/office/drawing/2010/main">
+                  <a:solidFill>
+                    <a:srgbClr val="FFFFFF"/>
+                  </a:solidFill>
+                </a14:hiddenFill>
+              </a:ext>
+              <a:ext uri="{91240B29-F687-4F45-9708-019B960494DF}">
+                <a14:hiddenLine xmlns:a14="http://schemas.microsoft.com/office/drawing/2010/main" w="9525">
+                  <a:solidFill>
+                    <a:srgbClr val="000000"/>
+                  </a:solidFill>
+                  <a:miter lim="800000"/>
+                  <a:headEnd/>
+                  <a:tailEnd/>
+                </a14:hiddenLine>
+              </a:ext>
+            </a:extLst>
+          </p:spPr>
+        </p:pic>
+        <p:grpSp>
+          <p:nvGrpSpPr>
+            <p:cNvPr id="20" name="Group 19">
+              <a:extLst>
+                <a:ext uri="{FF2B5EF4-FFF2-40B4-BE49-F238E27FC236}">
+                  <a16:creationId xmlns:a16="http://schemas.microsoft.com/office/drawing/2014/main" id="{78F7F806-405D-8B40-BCDB-21E38B837D9D}"/>
+                </a:ext>
+              </a:extLst>
+            </p:cNvPr>
+            <p:cNvGrpSpPr/>
+            <p:nvPr/>
+          </p:nvGrpSpPr>
+          <p:grpSpPr>
+            <a:xfrm>
+              <a:off x="4478194" y="842226"/>
+              <a:ext cx="1349166" cy="2035627"/>
+              <a:chOff x="4478194" y="842226"/>
+              <a:chExt cx="1349166" cy="2035627"/>
+            </a:xfrm>
+          </p:grpSpPr>
+          <p:sp>
+            <p:nvSpPr>
+              <p:cNvPr id="94" name="Rectangle 93">
+                <a:extLst>
+                  <a:ext uri="{FF2B5EF4-FFF2-40B4-BE49-F238E27FC236}">
+                    <a16:creationId xmlns:a16="http://schemas.microsoft.com/office/drawing/2014/main" id="{2E09FD06-80FA-964D-9DFD-3A14A70C0503}"/>
+                  </a:ext>
+                </a:extLst>
+              </p:cNvPr>
+              <p:cNvSpPr/>
+              <p:nvPr/>
+            </p:nvSpPr>
+            <p:spPr>
+              <a:xfrm>
+                <a:off x="4478194" y="842226"/>
+                <a:ext cx="1349166" cy="2035627"/>
+              </a:xfrm>
+              <a:prstGeom prst="rect">
+                <a:avLst/>
+              </a:prstGeom>
+              <a:noFill/>
+              <a:ln w="12700">
+                <a:solidFill>
+                  <a:srgbClr val="5B9CD5"/>
+                </a:solidFill>
+                <a:prstDash val="dash"/>
+              </a:ln>
+            </p:spPr>
+            <p:style>
+              <a:lnRef idx="2">
+                <a:schemeClr val="accent1">
+                  <a:shade val="50000"/>
+                </a:schemeClr>
+              </a:lnRef>
+              <a:fillRef idx="1">
+                <a:schemeClr val="accent1"/>
+              </a:fillRef>
+              <a:effectRef idx="0">
+                <a:schemeClr val="accent1"/>
+              </a:effectRef>
+              <a:fontRef idx="minor">
+                <a:schemeClr val="lt1"/>
+              </a:fontRef>
+            </p:style>
+            <p:txBody>
+              <a:bodyPr tIns="91440"/>
+              <a:lstStyle/>
+              <a:p>
+                <a:pPr algn="ctr" eaLnBrk="1" fontAlgn="auto" hangingPunct="1">
+                  <a:spcBef>
+                    <a:spcPts val="0"/>
+                  </a:spcBef>
+                  <a:spcAft>
+                    <a:spcPts val="0"/>
+                  </a:spcAft>
+                  <a:defRPr/>
+                </a:pPr>
+                <a:r>
+                  <a:rPr lang="en-US" sz="1000" dirty="0">
+                    <a:solidFill>
+                      <a:srgbClr val="5B9CD5"/>
+                    </a:solidFill>
+                    <a:latin typeface="Arial" panose="020B0604020202020204" pitchFamily="34" charset="0"/>
+                    <a:cs typeface="Arial" panose="020B0604020202020204" pitchFamily="34" charset="0"/>
+                  </a:rPr>
+                  <a:t>Availability Zone</a:t>
+                </a:r>
+              </a:p>
+            </p:txBody>
+          </p:sp>
+          <p:sp>
+            <p:nvSpPr>
+              <p:cNvPr id="185" name="Rectangle 184">
+                <a:extLst>
+                  <a:ext uri="{FF2B5EF4-FFF2-40B4-BE49-F238E27FC236}">
+                    <a16:creationId xmlns:a16="http://schemas.microsoft.com/office/drawing/2014/main" id="{D9DEAF37-2AD6-7440-B5AC-616E88278EF9}"/>
+                  </a:ext>
+                </a:extLst>
+              </p:cNvPr>
+              <p:cNvSpPr/>
+              <p:nvPr/>
+            </p:nvSpPr>
+            <p:spPr>
+              <a:xfrm>
+                <a:off x="4517444" y="1127242"/>
+                <a:ext cx="1260885" cy="1701041"/>
+              </a:xfrm>
+              <a:prstGeom prst="rect">
+                <a:avLst/>
+              </a:prstGeom>
+              <a:solidFill>
+                <a:srgbClr val="007CBC">
+                  <a:alpha val="9804"/>
+                </a:srgbClr>
+              </a:solidFill>
+              <a:ln w="12700">
+                <a:noFill/>
+                <a:prstDash val="dash"/>
+              </a:ln>
+            </p:spPr>
+            <p:style>
+              <a:lnRef idx="2">
+                <a:schemeClr val="accent1">
+                  <a:shade val="50000"/>
+                </a:schemeClr>
+              </a:lnRef>
+              <a:fillRef idx="1">
+                <a:schemeClr val="accent1"/>
+              </a:fillRef>
+              <a:effectRef idx="0">
+                <a:schemeClr val="accent1"/>
+              </a:effectRef>
+              <a:fontRef idx="minor">
+                <a:schemeClr val="lt1"/>
+              </a:fontRef>
+            </p:style>
+            <p:txBody>
+              <a:bodyPr lIns="338328"/>
+              <a:lstStyle/>
+              <a:p>
+                <a:pPr eaLnBrk="1" fontAlgn="auto" hangingPunct="1">
+                  <a:spcBef>
+                    <a:spcPts val="0"/>
+                  </a:spcBef>
+                  <a:spcAft>
+                    <a:spcPts val="0"/>
+                  </a:spcAft>
+                  <a:defRPr/>
+                </a:pPr>
+                <a:r>
+                  <a:rPr lang="en-US" sz="1000" dirty="0">
+                    <a:solidFill>
+                      <a:srgbClr val="5B9CD5"/>
+                    </a:solidFill>
+                    <a:latin typeface="Arial" panose="020B0604020202020204" pitchFamily="34" charset="0"/>
+                    <a:cs typeface="Arial" panose="020B0604020202020204" pitchFamily="34" charset="0"/>
+                  </a:rPr>
+                  <a:t>Private subnet</a:t>
+                </a:r>
+              </a:p>
+            </p:txBody>
+          </p:sp>
+          <p:pic>
+            <p:nvPicPr>
+              <p:cNvPr id="186" name="Graphic 35">
+                <a:extLst>
+                  <a:ext uri="{FF2B5EF4-FFF2-40B4-BE49-F238E27FC236}">
+                    <a16:creationId xmlns:a16="http://schemas.microsoft.com/office/drawing/2014/main" id="{17A97DA0-FF71-FB42-B093-5F50B4ACA389}"/>
+                  </a:ext>
+                </a:extLst>
+              </p:cNvPr>
+              <p:cNvPicPr>
+                <a:picLocks noChangeAspect="1" noChangeArrowheads="1"/>
+              </p:cNvPicPr>
+              <p:nvPr/>
+            </p:nvPicPr>
+            <p:blipFill>
+              <a:blip r:embed="rId16">
+                <a:extLst>
+                  <a:ext uri="{28A0092B-C50C-407E-A947-70E740481C1C}">
+                    <a14:useLocalDpi xmlns:a14="http://schemas.microsoft.com/office/drawing/2010/main" val="0"/>
+                  </a:ext>
+                </a:extLst>
+              </a:blip>
+              <a:srcRect/>
+              <a:stretch>
+                <a:fillRect/>
+              </a:stretch>
+            </p:blipFill>
+            <p:spPr bwMode="auto">
+              <a:xfrm>
+                <a:off x="4526606" y="1125655"/>
+                <a:ext cx="252935" cy="274638"/>
+              </a:xfrm>
+              <a:prstGeom prst="rect">
+                <a:avLst/>
+              </a:prstGeom>
+              <a:noFill/>
+              <a:ln>
+                <a:noFill/>
+              </a:ln>
+              <a:extLst>
+                <a:ext uri="{909E8E84-426E-40DD-AFC4-6F175D3DCCD1}">
+                  <a14:hiddenFill xmlns:a14="http://schemas.microsoft.com/office/drawing/2010/main">
+                    <a:solidFill>
+                      <a:srgbClr val="FFFFFF"/>
+                    </a:solidFill>
+                  </a14:hiddenFill>
+                </a:ext>
+                <a:ext uri="{91240B29-F687-4F45-9708-019B960494DF}">
+                  <a14:hiddenLine xmlns:a14="http://schemas.microsoft.com/office/drawing/2010/main" w="9525">
+                    <a:solidFill>
+                      <a:srgbClr val="000000"/>
+                    </a:solidFill>
+                    <a:miter lim="800000"/>
+                    <a:headEnd/>
+                    <a:tailEnd/>
+                  </a14:hiddenLine>
+                </a:ext>
+              </a:extLst>
+            </p:spPr>
+          </p:pic>
+        </p:grpSp>
+      </p:grpSp>
+      <p:grpSp>
+        <p:nvGrpSpPr>
+          <p:cNvPr id="187" name="Group 186">
+            <a:extLst>
+              <a:ext uri="{FF2B5EF4-FFF2-40B4-BE49-F238E27FC236}">
+                <a16:creationId xmlns:a16="http://schemas.microsoft.com/office/drawing/2014/main" id="{E1A588B3-2A77-ED45-B764-B72E8D132486}"/>
+              </a:ext>
+            </a:extLst>
+          </p:cNvPr>
+          <p:cNvGrpSpPr/>
+          <p:nvPr/>
+        </p:nvGrpSpPr>
+        <p:grpSpPr>
+          <a:xfrm>
+            <a:off x="5931695" y="472456"/>
+            <a:ext cx="2819937" cy="3072249"/>
+            <a:chOff x="3047463" y="473378"/>
+            <a:chExt cx="2819937" cy="3072249"/>
+          </a:xfrm>
+        </p:grpSpPr>
+        <p:sp>
+          <p:nvSpPr>
+            <p:cNvPr id="188" name="Rectangle 187">
+              <a:extLst>
+                <a:ext uri="{FF2B5EF4-FFF2-40B4-BE49-F238E27FC236}">
+                  <a16:creationId xmlns:a16="http://schemas.microsoft.com/office/drawing/2014/main" id="{618CD4FC-CE89-574C-8B99-00F7ACDEEB7E}"/>
+                </a:ext>
+              </a:extLst>
+            </p:cNvPr>
+            <p:cNvSpPr/>
+            <p:nvPr/>
+          </p:nvSpPr>
+          <p:spPr>
+            <a:xfrm>
+              <a:off x="3047463" y="474630"/>
+              <a:ext cx="2819937" cy="3070997"/>
+            </a:xfrm>
+            <a:prstGeom prst="rect">
+              <a:avLst/>
+            </a:prstGeom>
+            <a:noFill/>
+            <a:ln w="12700">
+              <a:solidFill>
+                <a:srgbClr val="1E8900"/>
+              </a:solidFill>
+            </a:ln>
+          </p:spPr>
+          <p:style>
+            <a:lnRef idx="2">
+              <a:schemeClr val="accent1">
+                <a:shade val="50000"/>
+              </a:schemeClr>
+            </a:lnRef>
+            <a:fillRef idx="1">
+              <a:schemeClr val="accent1"/>
+            </a:fillRef>
+            <a:effectRef idx="0">
+              <a:schemeClr val="accent1"/>
+            </a:effectRef>
+            <a:fontRef idx="minor">
+              <a:schemeClr val="lt1"/>
+            </a:fontRef>
+          </p:style>
+          <p:txBody>
+            <a:bodyPr lIns="457200" tIns="91440"/>
+            <a:lstStyle/>
+            <a:p>
+              <a:pPr eaLnBrk="1" fontAlgn="auto" hangingPunct="1">
+                <a:spcBef>
+                  <a:spcPts val="0"/>
+                </a:spcBef>
+                <a:spcAft>
+                  <a:spcPts val="0"/>
+                </a:spcAft>
+                <a:defRPr/>
+              </a:pPr>
+              <a:r>
+                <a:rPr lang="en-US" sz="1000" dirty="0">
+                  <a:ln w="0"/>
+                  <a:solidFill>
+                    <a:srgbClr val="1E8900"/>
+                  </a:solidFill>
+                  <a:latin typeface="Arial" panose="020B0604020202020204" pitchFamily="34" charset="0"/>
+                  <a:cs typeface="Arial" panose="020B0604020202020204" pitchFamily="34" charset="0"/>
+                </a:rPr>
+                <a:t>Development VPC</a:t>
+              </a:r>
+            </a:p>
+          </p:txBody>
+        </p:sp>
+        <p:pic>
+          <p:nvPicPr>
+            <p:cNvPr id="189" name="Graphic 28">
+              <a:extLst>
+                <a:ext uri="{FF2B5EF4-FFF2-40B4-BE49-F238E27FC236}">
+                  <a16:creationId xmlns:a16="http://schemas.microsoft.com/office/drawing/2014/main" id="{F12580CE-F532-D545-AAD5-87E271566421}"/>
+                </a:ext>
+              </a:extLst>
+            </p:cNvPr>
+            <p:cNvPicPr>
+              <a:picLocks noChangeAspect="1" noChangeArrowheads="1"/>
+            </p:cNvPicPr>
+            <p:nvPr/>
+          </p:nvPicPr>
+          <p:blipFill>
+            <a:blip r:embed="rId13">
+              <a:extLst>
+                <a:ext uri="{28A0092B-C50C-407E-A947-70E740481C1C}">
+                  <a14:useLocalDpi xmlns:a14="http://schemas.microsoft.com/office/drawing/2010/main" val="0"/>
+                </a:ext>
+              </a:extLst>
+            </a:blip>
+            <a:srcRect/>
+            <a:stretch>
+              <a:fillRect/>
+            </a:stretch>
+          </p:blipFill>
+          <p:spPr bwMode="auto">
+            <a:xfrm>
+              <a:off x="3048469" y="473378"/>
+              <a:ext cx="330200" cy="330200"/>
+            </a:xfrm>
+            <a:prstGeom prst="rect">
+              <a:avLst/>
+            </a:prstGeom>
+            <a:noFill/>
+            <a:ln>
+              <a:noFill/>
+            </a:ln>
+            <a:extLst>
+              <a:ext uri="{909E8E84-426E-40DD-AFC4-6F175D3DCCD1}">
+                <a14:hiddenFill xmlns:a14="http://schemas.microsoft.com/office/drawing/2010/main">
+                  <a:solidFill>
+                    <a:srgbClr val="FFFFFF"/>
+                  </a:solidFill>
+                </a14:hiddenFill>
+              </a:ext>
+              <a:ext uri="{91240B29-F687-4F45-9708-019B960494DF}">
+                <a14:hiddenLine xmlns:a14="http://schemas.microsoft.com/office/drawing/2010/main" w="9525">
+                  <a:solidFill>
+                    <a:srgbClr val="000000"/>
+                  </a:solidFill>
+                  <a:miter lim="800000"/>
+                  <a:headEnd/>
+                  <a:tailEnd/>
+                </a14:hiddenLine>
+              </a:ext>
+            </a:extLst>
+          </p:spPr>
+        </p:pic>
+        <p:grpSp>
+          <p:nvGrpSpPr>
+            <p:cNvPr id="190" name="Group 189">
+              <a:extLst>
+                <a:ext uri="{FF2B5EF4-FFF2-40B4-BE49-F238E27FC236}">
+                  <a16:creationId xmlns:a16="http://schemas.microsoft.com/office/drawing/2014/main" id="{C8F99AF0-9E62-2943-9043-BFEACE4BCB59}"/>
+                </a:ext>
+              </a:extLst>
+            </p:cNvPr>
+            <p:cNvGrpSpPr/>
+            <p:nvPr/>
+          </p:nvGrpSpPr>
+          <p:grpSpPr>
+            <a:xfrm>
+              <a:off x="4111981" y="2931282"/>
+              <a:ext cx="655864" cy="613423"/>
+              <a:chOff x="1606355" y="2960204"/>
+              <a:chExt cx="655864" cy="613423"/>
+            </a:xfrm>
+          </p:grpSpPr>
+          <p:sp>
+            <p:nvSpPr>
+              <p:cNvPr id="198" name="TextBox 20">
+                <a:extLst>
+                  <a:ext uri="{FF2B5EF4-FFF2-40B4-BE49-F238E27FC236}">
+                    <a16:creationId xmlns:a16="http://schemas.microsoft.com/office/drawing/2014/main" id="{DCB7A788-6E1F-B24E-B17E-9BDD0701BEC8}"/>
+                  </a:ext>
+                </a:extLst>
+              </p:cNvPr>
+              <p:cNvSpPr txBox="1">
+                <a:spLocks noChangeArrowheads="1"/>
+              </p:cNvSpPr>
+              <p:nvPr/>
+            </p:nvSpPr>
+            <p:spPr bwMode="auto">
+              <a:xfrm>
+                <a:off x="1606355" y="3358183"/>
+                <a:ext cx="655864" cy="215444"/>
+              </a:xfrm>
+              <a:prstGeom prst="rect">
+                <a:avLst/>
+              </a:prstGeom>
+              <a:noFill/>
+              <a:ln>
+                <a:noFill/>
+              </a:ln>
+              <a:extLst>
+                <a:ext uri="{909E8E84-426E-40DD-AFC4-6F175D3DCCD1}">
+                  <a14:hiddenFill xmlns:a14="http://schemas.microsoft.com/office/drawing/2010/main">
+                    <a:solidFill>
+                      <a:srgbClr val="FFFFFF"/>
+                    </a:solidFill>
+                  </a14:hiddenFill>
+                </a:ext>
+                <a:ext uri="{91240B29-F687-4F45-9708-019B960494DF}">
+                  <a14:hiddenLine xmlns:a14="http://schemas.microsoft.com/office/drawing/2010/main" w="9525">
+                    <a:solidFill>
+                      <a:srgbClr val="000000"/>
+                    </a:solidFill>
+                    <a:miter lim="800000"/>
+                    <a:headEnd/>
+                    <a:tailEnd/>
+                  </a14:hiddenLine>
+                </a:ext>
+              </a:extLst>
+            </p:spPr>
+            <p:txBody>
+              <a:bodyPr wrap="square">
+                <a:spAutoFit/>
+              </a:bodyPr>
+              <a:lstStyle>
+                <a:lvl1pPr>
+                  <a:defRPr>
+                    <a:solidFill>
+                      <a:schemeClr val="tx1"/>
+                    </a:solidFill>
+                    <a:latin typeface="Calibri" panose="020F0502020204030204" pitchFamily="34" charset="0"/>
+                  </a:defRPr>
+                </a:lvl1pPr>
+                <a:lvl2pPr marL="742950" indent="-285750">
+                  <a:defRPr>
+                    <a:solidFill>
+                      <a:schemeClr val="tx1"/>
+                    </a:solidFill>
+                    <a:latin typeface="Calibri" panose="020F0502020204030204" pitchFamily="34" charset="0"/>
+                  </a:defRPr>
+                </a:lvl2pPr>
+                <a:lvl3pPr marL="1143000" indent="-228600">
+                  <a:defRPr>
+                    <a:solidFill>
+                      <a:schemeClr val="tx1"/>
+                    </a:solidFill>
+                    <a:latin typeface="Calibri" panose="020F0502020204030204" pitchFamily="34" charset="0"/>
+                  </a:defRPr>
+                </a:lvl3pPr>
+                <a:lvl4pPr marL="1600200" indent="-228600">
+                  <a:defRPr>
+                    <a:solidFill>
+                      <a:schemeClr val="tx1"/>
+                    </a:solidFill>
+                    <a:latin typeface="Calibri" panose="020F0502020204030204" pitchFamily="34" charset="0"/>
+                  </a:defRPr>
+                </a:lvl4pPr>
+                <a:lvl5pPr marL="2057400" indent="-228600">
+                  <a:defRPr>
+                    <a:solidFill>
+                      <a:schemeClr val="tx1"/>
+                    </a:solidFill>
+                    <a:latin typeface="Calibri" panose="020F0502020204030204" pitchFamily="34" charset="0"/>
+                  </a:defRPr>
+                </a:lvl5pPr>
+                <a:lvl6pPr marL="2514600" indent="-228600" eaLnBrk="0" fontAlgn="base" hangingPunct="0">
+                  <a:spcBef>
+                    <a:spcPct val="0"/>
+                  </a:spcBef>
+                  <a:spcAft>
+                    <a:spcPct val="0"/>
+                  </a:spcAft>
+                  <a:defRPr>
+                    <a:solidFill>
+                      <a:schemeClr val="tx1"/>
+                    </a:solidFill>
+                    <a:latin typeface="Calibri" panose="020F0502020204030204" pitchFamily="34" charset="0"/>
+                  </a:defRPr>
+                </a:lvl6pPr>
+                <a:lvl7pPr marL="2971800" indent="-228600" eaLnBrk="0" fontAlgn="base" hangingPunct="0">
+                  <a:spcBef>
+                    <a:spcPct val="0"/>
+                  </a:spcBef>
+                  <a:spcAft>
+                    <a:spcPct val="0"/>
+                  </a:spcAft>
+                  <a:defRPr>
+                    <a:solidFill>
+                      <a:schemeClr val="tx1"/>
+                    </a:solidFill>
+                    <a:latin typeface="Calibri" panose="020F0502020204030204" pitchFamily="34" charset="0"/>
+                  </a:defRPr>
+                </a:lvl7pPr>
+                <a:lvl8pPr marL="3429000" indent="-228600" eaLnBrk="0" fontAlgn="base" hangingPunct="0">
+                  <a:spcBef>
+                    <a:spcPct val="0"/>
+                  </a:spcBef>
+                  <a:spcAft>
+                    <a:spcPct val="0"/>
+                  </a:spcAft>
+                  <a:defRPr>
+                    <a:solidFill>
+                      <a:schemeClr val="tx1"/>
+                    </a:solidFill>
+                    <a:latin typeface="Calibri" panose="020F0502020204030204" pitchFamily="34" charset="0"/>
+                  </a:defRPr>
+                </a:lvl8pPr>
+                <a:lvl9pPr marL="3886200" indent="-228600" eaLnBrk="0" fontAlgn="base" hangingPunct="0">
+                  <a:spcBef>
+                    <a:spcPct val="0"/>
+                  </a:spcBef>
+                  <a:spcAft>
+                    <a:spcPct val="0"/>
+                  </a:spcAft>
+                  <a:defRPr>
+                    <a:solidFill>
+                      <a:schemeClr val="tx1"/>
+                    </a:solidFill>
+                    <a:latin typeface="Calibri" panose="020F0502020204030204" pitchFamily="34" charset="0"/>
+                  </a:defRPr>
+                </a:lvl9pPr>
+              </a:lstStyle>
+              <a:p>
+                <a:pPr algn="ctr" eaLnBrk="1" hangingPunct="1"/>
+                <a:r>
+                  <a:rPr lang="en-US" altLang="en-US" sz="800" dirty="0">
+                    <a:latin typeface="Arial" panose="020B0604020202020204" pitchFamily="34" charset="0"/>
+                    <a:ea typeface="Amazon Ember" panose="020B0603020204020204" pitchFamily="34" charset="0"/>
+                    <a:cs typeface="Arial" panose="020B0604020202020204" pitchFamily="34" charset="0"/>
+                  </a:rPr>
+                  <a:t>Flow logs</a:t>
+                </a:r>
+              </a:p>
+            </p:txBody>
+          </p:sp>
+          <p:pic>
+            <p:nvPicPr>
+              <p:cNvPr id="199" name="Graphic 24">
+                <a:extLst>
+                  <a:ext uri="{FF2B5EF4-FFF2-40B4-BE49-F238E27FC236}">
+                    <a16:creationId xmlns:a16="http://schemas.microsoft.com/office/drawing/2014/main" id="{66AF3B16-CD55-F547-8F43-D6A2747AC3A8}"/>
+                  </a:ext>
+                </a:extLst>
+              </p:cNvPr>
+              <p:cNvPicPr>
+                <a:picLocks noChangeAspect="1" noChangeArrowheads="1"/>
+              </p:cNvPicPr>
+              <p:nvPr/>
+            </p:nvPicPr>
+            <p:blipFill>
+              <a:blip r:embed="rId12">
+                <a:extLst>
+                  <a:ext uri="{28A0092B-C50C-407E-A947-70E740481C1C}">
+                    <a14:useLocalDpi xmlns:a14="http://schemas.microsoft.com/office/drawing/2010/main" val="0"/>
+                  </a:ext>
+                </a:extLst>
+              </a:blip>
+              <a:srcRect/>
+              <a:stretch>
+                <a:fillRect/>
+              </a:stretch>
+            </p:blipFill>
+            <p:spPr bwMode="auto">
+              <a:xfrm>
+                <a:off x="1705687" y="2960204"/>
+                <a:ext cx="457200" cy="457200"/>
+              </a:xfrm>
+              <a:prstGeom prst="rect">
+                <a:avLst/>
+              </a:prstGeom>
+              <a:noFill/>
+              <a:ln>
+                <a:noFill/>
+              </a:ln>
+              <a:extLst>
+                <a:ext uri="{909E8E84-426E-40DD-AFC4-6F175D3DCCD1}">
+                  <a14:hiddenFill xmlns:a14="http://schemas.microsoft.com/office/drawing/2010/main">
+                    <a:solidFill>
+                      <a:srgbClr val="FFFFFF"/>
+                    </a:solidFill>
+                  </a14:hiddenFill>
+                </a:ext>
+                <a:ext uri="{91240B29-F687-4F45-9708-019B960494DF}">
+                  <a14:hiddenLine xmlns:a14="http://schemas.microsoft.com/office/drawing/2010/main" w="9525">
+                    <a:solidFill>
+                      <a:srgbClr val="000000"/>
+                    </a:solidFill>
+                    <a:miter lim="800000"/>
+                    <a:headEnd/>
+                    <a:tailEnd/>
+                  </a14:hiddenLine>
+                </a:ext>
+              </a:extLst>
+            </p:spPr>
+          </p:pic>
+        </p:grpSp>
+        <p:sp>
+          <p:nvSpPr>
+            <p:cNvPr id="191" name="Rectangle 190">
+              <a:extLst>
+                <a:ext uri="{FF2B5EF4-FFF2-40B4-BE49-F238E27FC236}">
+                  <a16:creationId xmlns:a16="http://schemas.microsoft.com/office/drawing/2014/main" id="{830F08E3-4628-EC49-8477-838DDDB02799}"/>
+                </a:ext>
+              </a:extLst>
+            </p:cNvPr>
+            <p:cNvSpPr/>
+            <p:nvPr/>
+          </p:nvSpPr>
+          <p:spPr>
+            <a:xfrm>
+              <a:off x="3095606" y="842425"/>
+              <a:ext cx="1349166" cy="2035628"/>
+            </a:xfrm>
+            <a:prstGeom prst="rect">
+              <a:avLst/>
+            </a:prstGeom>
+            <a:noFill/>
+            <a:ln w="12700">
+              <a:solidFill>
+                <a:srgbClr val="5B9CD5"/>
+              </a:solidFill>
+              <a:prstDash val="dash"/>
+            </a:ln>
+          </p:spPr>
+          <p:style>
+            <a:lnRef idx="2">
+              <a:schemeClr val="accent1">
+                <a:shade val="50000"/>
+              </a:schemeClr>
+            </a:lnRef>
+            <a:fillRef idx="1">
+              <a:schemeClr val="accent1"/>
+            </a:fillRef>
+            <a:effectRef idx="0">
+              <a:schemeClr val="accent1"/>
+            </a:effectRef>
+            <a:fontRef idx="minor">
+              <a:schemeClr val="lt1"/>
+            </a:fontRef>
+          </p:style>
+          <p:txBody>
+            <a:bodyPr tIns="91440"/>
+            <a:lstStyle/>
+            <a:p>
+              <a:pPr algn="ctr" eaLnBrk="1" fontAlgn="auto" hangingPunct="1">
+                <a:spcBef>
+                  <a:spcPts val="0"/>
+                </a:spcBef>
+                <a:spcAft>
+                  <a:spcPts val="0"/>
+                </a:spcAft>
+                <a:defRPr/>
+              </a:pPr>
+              <a:r>
+                <a:rPr lang="en-US" sz="1000" dirty="0">
+                  <a:solidFill>
+                    <a:srgbClr val="5B9CD5"/>
+                  </a:solidFill>
+                  <a:latin typeface="Arial" panose="020B0604020202020204" pitchFamily="34" charset="0"/>
+                  <a:cs typeface="Arial" panose="020B0604020202020204" pitchFamily="34" charset="0"/>
+                </a:rPr>
+                <a:t>Availability Zone</a:t>
+              </a:r>
+            </a:p>
+          </p:txBody>
+        </p:sp>
+        <p:sp>
+          <p:nvSpPr>
+            <p:cNvPr id="192" name="Rectangle 191">
+              <a:extLst>
+                <a:ext uri="{FF2B5EF4-FFF2-40B4-BE49-F238E27FC236}">
+                  <a16:creationId xmlns:a16="http://schemas.microsoft.com/office/drawing/2014/main" id="{C3A5316E-718E-1F4C-82B5-91A438746F61}"/>
+                </a:ext>
+              </a:extLst>
+            </p:cNvPr>
+            <p:cNvSpPr/>
+            <p:nvPr/>
+          </p:nvSpPr>
+          <p:spPr>
+            <a:xfrm>
+              <a:off x="3128970" y="1132209"/>
+              <a:ext cx="1260885" cy="1696995"/>
+            </a:xfrm>
+            <a:prstGeom prst="rect">
+              <a:avLst/>
+            </a:prstGeom>
+            <a:solidFill>
+              <a:srgbClr val="007CBC">
+                <a:alpha val="9804"/>
+              </a:srgbClr>
+            </a:solidFill>
+            <a:ln w="12700">
+              <a:noFill/>
+              <a:prstDash val="dash"/>
+            </a:ln>
+          </p:spPr>
+          <p:style>
+            <a:lnRef idx="2">
+              <a:schemeClr val="accent1">
+                <a:shade val="50000"/>
+              </a:schemeClr>
+            </a:lnRef>
+            <a:fillRef idx="1">
+              <a:schemeClr val="accent1"/>
+            </a:fillRef>
+            <a:effectRef idx="0">
+              <a:schemeClr val="accent1"/>
+            </a:effectRef>
+            <a:fontRef idx="minor">
+              <a:schemeClr val="lt1"/>
+            </a:fontRef>
+          </p:style>
+          <p:txBody>
+            <a:bodyPr lIns="338328"/>
+            <a:lstStyle/>
+            <a:p>
+              <a:pPr eaLnBrk="1" fontAlgn="auto" hangingPunct="1">
+                <a:spcBef>
+                  <a:spcPts val="0"/>
+                </a:spcBef>
+                <a:spcAft>
+                  <a:spcPts val="0"/>
+                </a:spcAft>
+                <a:defRPr/>
+              </a:pPr>
+              <a:r>
+                <a:rPr lang="en-US" sz="1000" dirty="0">
+                  <a:solidFill>
+                    <a:srgbClr val="5B9CD5"/>
+                  </a:solidFill>
+                  <a:latin typeface="Arial" panose="020B0604020202020204" pitchFamily="34" charset="0"/>
+                  <a:cs typeface="Arial" panose="020B0604020202020204" pitchFamily="34" charset="0"/>
+                </a:rPr>
+                <a:t>Private subnet</a:t>
+              </a:r>
+            </a:p>
+          </p:txBody>
+        </p:sp>
+        <p:pic>
+          <p:nvPicPr>
+            <p:cNvPr id="193" name="Graphic 35">
+              <a:extLst>
+                <a:ext uri="{FF2B5EF4-FFF2-40B4-BE49-F238E27FC236}">
+                  <a16:creationId xmlns:a16="http://schemas.microsoft.com/office/drawing/2014/main" id="{2782CCCC-9887-664C-843E-9974B6064D76}"/>
+                </a:ext>
+              </a:extLst>
+            </p:cNvPr>
+            <p:cNvPicPr>
+              <a:picLocks noChangeAspect="1" noChangeArrowheads="1"/>
+            </p:cNvPicPr>
+            <p:nvPr/>
+          </p:nvPicPr>
+          <p:blipFill>
+            <a:blip r:embed="rId16">
+              <a:extLst>
+                <a:ext uri="{28A0092B-C50C-407E-A947-70E740481C1C}">
+                  <a14:useLocalDpi xmlns:a14="http://schemas.microsoft.com/office/drawing/2010/main" val="0"/>
+                </a:ext>
+              </a:extLst>
+            </a:blip>
+            <a:srcRect/>
+            <a:stretch>
+              <a:fillRect/>
+            </a:stretch>
+          </p:blipFill>
+          <p:spPr bwMode="auto">
+            <a:xfrm>
+              <a:off x="3138132" y="1130622"/>
+              <a:ext cx="252935" cy="274638"/>
+            </a:xfrm>
+            <a:prstGeom prst="rect">
+              <a:avLst/>
+            </a:prstGeom>
+            <a:noFill/>
+            <a:ln>
+              <a:noFill/>
+            </a:ln>
+            <a:extLst>
+              <a:ext uri="{909E8E84-426E-40DD-AFC4-6F175D3DCCD1}">
+                <a14:hiddenFill xmlns:a14="http://schemas.microsoft.com/office/drawing/2010/main">
+                  <a:solidFill>
+                    <a:srgbClr val="FFFFFF"/>
+                  </a:solidFill>
+                </a14:hiddenFill>
+              </a:ext>
+              <a:ext uri="{91240B29-F687-4F45-9708-019B960494DF}">
+                <a14:hiddenLine xmlns:a14="http://schemas.microsoft.com/office/drawing/2010/main" w="9525">
+                  <a:solidFill>
+                    <a:srgbClr val="000000"/>
+                  </a:solidFill>
+                  <a:miter lim="800000"/>
+                  <a:headEnd/>
+                  <a:tailEnd/>
+                </a14:hiddenLine>
+              </a:ext>
+            </a:extLst>
+          </p:spPr>
+        </p:pic>
+        <p:grpSp>
+          <p:nvGrpSpPr>
+            <p:cNvPr id="194" name="Group 193">
+              <a:extLst>
+                <a:ext uri="{FF2B5EF4-FFF2-40B4-BE49-F238E27FC236}">
+                  <a16:creationId xmlns:a16="http://schemas.microsoft.com/office/drawing/2014/main" id="{4CECD2DD-370E-8A42-AD4B-DA447A5B646E}"/>
+                </a:ext>
+              </a:extLst>
+            </p:cNvPr>
+            <p:cNvGrpSpPr/>
+            <p:nvPr/>
+          </p:nvGrpSpPr>
+          <p:grpSpPr>
+            <a:xfrm>
+              <a:off x="4478194" y="842226"/>
+              <a:ext cx="1349166" cy="2035627"/>
+              <a:chOff x="4478194" y="842226"/>
+              <a:chExt cx="1349166" cy="2035627"/>
+            </a:xfrm>
+          </p:grpSpPr>
+          <p:sp>
+            <p:nvSpPr>
+              <p:cNvPr id="195" name="Rectangle 194">
+                <a:extLst>
+                  <a:ext uri="{FF2B5EF4-FFF2-40B4-BE49-F238E27FC236}">
+                    <a16:creationId xmlns:a16="http://schemas.microsoft.com/office/drawing/2014/main" id="{072FC313-7575-7747-AC44-0F1ECA31B820}"/>
+                  </a:ext>
+                </a:extLst>
+              </p:cNvPr>
+              <p:cNvSpPr/>
+              <p:nvPr/>
+            </p:nvSpPr>
+            <p:spPr>
+              <a:xfrm>
+                <a:off x="4478194" y="842226"/>
+                <a:ext cx="1349166" cy="2035627"/>
+              </a:xfrm>
+              <a:prstGeom prst="rect">
+                <a:avLst/>
+              </a:prstGeom>
+              <a:noFill/>
+              <a:ln w="12700">
+                <a:solidFill>
+                  <a:srgbClr val="5B9CD5"/>
+                </a:solidFill>
+                <a:prstDash val="dash"/>
+              </a:ln>
+            </p:spPr>
+            <p:style>
+              <a:lnRef idx="2">
+                <a:schemeClr val="accent1">
+                  <a:shade val="50000"/>
+                </a:schemeClr>
+              </a:lnRef>
+              <a:fillRef idx="1">
+                <a:schemeClr val="accent1"/>
+              </a:fillRef>
+              <a:effectRef idx="0">
+                <a:schemeClr val="accent1"/>
+              </a:effectRef>
+              <a:fontRef idx="minor">
+                <a:schemeClr val="lt1"/>
+              </a:fontRef>
+            </p:style>
+            <p:txBody>
+              <a:bodyPr tIns="91440"/>
+              <a:lstStyle/>
+              <a:p>
+                <a:pPr algn="ctr" eaLnBrk="1" fontAlgn="auto" hangingPunct="1">
+                  <a:spcBef>
+                    <a:spcPts val="0"/>
+                  </a:spcBef>
+                  <a:spcAft>
+                    <a:spcPts val="0"/>
+                  </a:spcAft>
+                  <a:defRPr/>
+                </a:pPr>
+                <a:r>
+                  <a:rPr lang="en-US" sz="1000" dirty="0">
+                    <a:solidFill>
+                      <a:srgbClr val="5B9CD5"/>
+                    </a:solidFill>
+                    <a:latin typeface="Arial" panose="020B0604020202020204" pitchFamily="34" charset="0"/>
+                    <a:cs typeface="Arial" panose="020B0604020202020204" pitchFamily="34" charset="0"/>
+                  </a:rPr>
+                  <a:t>Availability Zone</a:t>
+                </a:r>
+              </a:p>
+            </p:txBody>
+          </p:sp>
+          <p:sp>
+            <p:nvSpPr>
+              <p:cNvPr id="196" name="Rectangle 195">
+                <a:extLst>
+                  <a:ext uri="{FF2B5EF4-FFF2-40B4-BE49-F238E27FC236}">
+                    <a16:creationId xmlns:a16="http://schemas.microsoft.com/office/drawing/2014/main" id="{E496353A-121C-FD42-86D1-FFED5C2AE8B8}"/>
+                  </a:ext>
+                </a:extLst>
+              </p:cNvPr>
+              <p:cNvSpPr/>
+              <p:nvPr/>
+            </p:nvSpPr>
+            <p:spPr>
+              <a:xfrm>
+                <a:off x="4517444" y="1127242"/>
+                <a:ext cx="1260885" cy="1701961"/>
+              </a:xfrm>
+              <a:prstGeom prst="rect">
+                <a:avLst/>
+              </a:prstGeom>
+              <a:solidFill>
+                <a:srgbClr val="007CBC">
+                  <a:alpha val="9804"/>
+                </a:srgbClr>
+              </a:solidFill>
+              <a:ln w="12700">
+                <a:noFill/>
+                <a:prstDash val="dash"/>
+              </a:ln>
+            </p:spPr>
+            <p:style>
+              <a:lnRef idx="2">
+                <a:schemeClr val="accent1">
+                  <a:shade val="50000"/>
+                </a:schemeClr>
+              </a:lnRef>
+              <a:fillRef idx="1">
+                <a:schemeClr val="accent1"/>
+              </a:fillRef>
+              <a:effectRef idx="0">
+                <a:schemeClr val="accent1"/>
+              </a:effectRef>
+              <a:fontRef idx="minor">
+                <a:schemeClr val="lt1"/>
+              </a:fontRef>
+            </p:style>
+            <p:txBody>
+              <a:bodyPr lIns="338328"/>
+              <a:lstStyle/>
+              <a:p>
+                <a:pPr eaLnBrk="1" fontAlgn="auto" hangingPunct="1">
+                  <a:spcBef>
+                    <a:spcPts val="0"/>
+                  </a:spcBef>
+                  <a:spcAft>
+                    <a:spcPts val="0"/>
+                  </a:spcAft>
+                  <a:defRPr/>
+                </a:pPr>
+                <a:r>
+                  <a:rPr lang="en-US" sz="1000" dirty="0">
+                    <a:solidFill>
+                      <a:srgbClr val="5B9CD5"/>
+                    </a:solidFill>
+                    <a:latin typeface="Arial" panose="020B0604020202020204" pitchFamily="34" charset="0"/>
+                    <a:cs typeface="Arial" panose="020B0604020202020204" pitchFamily="34" charset="0"/>
+                  </a:rPr>
+                  <a:t>Private subnet</a:t>
+                </a:r>
+              </a:p>
+            </p:txBody>
+          </p:sp>
+          <p:pic>
+            <p:nvPicPr>
+              <p:cNvPr id="197" name="Graphic 35">
+                <a:extLst>
+                  <a:ext uri="{FF2B5EF4-FFF2-40B4-BE49-F238E27FC236}">
+                    <a16:creationId xmlns:a16="http://schemas.microsoft.com/office/drawing/2014/main" id="{D7CD5A48-9EB4-5348-812B-D7CC026469FA}"/>
+                  </a:ext>
+                </a:extLst>
+              </p:cNvPr>
+              <p:cNvPicPr>
+                <a:picLocks noChangeAspect="1" noChangeArrowheads="1"/>
+              </p:cNvPicPr>
+              <p:nvPr/>
+            </p:nvPicPr>
+            <p:blipFill>
+              <a:blip r:embed="rId16">
+                <a:extLst>
+                  <a:ext uri="{28A0092B-C50C-407E-A947-70E740481C1C}">
+                    <a14:useLocalDpi xmlns:a14="http://schemas.microsoft.com/office/drawing/2010/main" val="0"/>
+                  </a:ext>
+                </a:extLst>
+              </a:blip>
+              <a:srcRect/>
+              <a:stretch>
+                <a:fillRect/>
+              </a:stretch>
+            </p:blipFill>
+            <p:spPr bwMode="auto">
+              <a:xfrm>
+                <a:off x="4526606" y="1125655"/>
+                <a:ext cx="252935" cy="274638"/>
+              </a:xfrm>
+              <a:prstGeom prst="rect">
+                <a:avLst/>
+              </a:prstGeom>
+              <a:noFill/>
+              <a:ln>
+                <a:noFill/>
+              </a:ln>
+              <a:extLst>
+                <a:ext uri="{909E8E84-426E-40DD-AFC4-6F175D3DCCD1}">
+                  <a14:hiddenFill xmlns:a14="http://schemas.microsoft.com/office/drawing/2010/main">
+                    <a:solidFill>
+                      <a:srgbClr val="FFFFFF"/>
+                    </a:solidFill>
+                  </a14:hiddenFill>
+                </a:ext>
+                <a:ext uri="{91240B29-F687-4F45-9708-019B960494DF}">
+                  <a14:hiddenLine xmlns:a14="http://schemas.microsoft.com/office/drawing/2010/main" w="9525">
+                    <a:solidFill>
+                      <a:srgbClr val="000000"/>
+                    </a:solidFill>
+                    <a:miter lim="800000"/>
+                    <a:headEnd/>
+                    <a:tailEnd/>
+                  </a14:hiddenLine>
+                </a:ext>
+              </a:extLst>
+            </p:spPr>
+          </p:pic>
+        </p:grpSp>
+      </p:grpSp>
+      <p:cxnSp>
+        <p:nvCxnSpPr>
+          <p:cNvPr id="200" name="Elbow Connector 12">
+            <a:extLst>
+              <a:ext uri="{FF2B5EF4-FFF2-40B4-BE49-F238E27FC236}">
+                <a16:creationId xmlns:a16="http://schemas.microsoft.com/office/drawing/2014/main" id="{EE4A6949-9222-3041-AF6F-D574192DDAB5}"/>
+              </a:ext>
+            </a:extLst>
+          </p:cNvPr>
+          <p:cNvCxnSpPr>
+            <a:cxnSpLocks/>
+            <a:stCxn id="109" idx="2"/>
+            <a:endCxn id="115" idx="1"/>
+          </p:cNvCxnSpPr>
+          <p:nvPr/>
+        </p:nvCxnSpPr>
+        <p:spPr>
+          <a:xfrm rot="16200000" flipH="1">
+            <a:off x="2637385" y="2458331"/>
+            <a:ext cx="491290" cy="2664038"/>
+          </a:xfrm>
+          <a:prstGeom prst="bentConnector2">
+            <a:avLst/>
+          </a:prstGeom>
+          <a:ln w="12700">
+            <a:solidFill>
+              <a:srgbClr val="545B64"/>
+            </a:solidFill>
+            <a:headEnd type="arrow" w="med" len="med"/>
+            <a:tailEnd type="arrow" w="med" len="med"/>
+          </a:ln>
+        </p:spPr>
+        <p:style>
+          <a:lnRef idx="1">
+            <a:schemeClr val="accent1"/>
+          </a:lnRef>
+          <a:fillRef idx="0">
+            <a:schemeClr val="accent1"/>
+          </a:fillRef>
+          <a:effectRef idx="0">
+            <a:schemeClr val="accent1"/>
+          </a:effectRef>
+          <a:fontRef idx="minor">
+            <a:schemeClr val="tx1"/>
+          </a:fontRef>
+        </p:style>
+      </p:cxnSp>
+      <p:cxnSp>
+        <p:nvCxnSpPr>
+          <p:cNvPr id="201" name="Elbow Connector 12">
+            <a:extLst>
+              <a:ext uri="{FF2B5EF4-FFF2-40B4-BE49-F238E27FC236}">
+                <a16:creationId xmlns:a16="http://schemas.microsoft.com/office/drawing/2014/main" id="{2D2C9EDE-C50F-3F4E-AB0B-7FE114F0F3DF}"/>
+              </a:ext>
+            </a:extLst>
+          </p:cNvPr>
+          <p:cNvCxnSpPr>
+            <a:cxnSpLocks/>
+            <a:stCxn id="115" idx="3"/>
+            <a:endCxn id="188" idx="2"/>
+          </p:cNvCxnSpPr>
+          <p:nvPr/>
+        </p:nvCxnSpPr>
+        <p:spPr>
+          <a:xfrm flipV="1">
+            <a:off x="4695440" y="3544705"/>
+            <a:ext cx="2646224" cy="491290"/>
+          </a:xfrm>
+          <a:prstGeom prst="bentConnector2">
+            <a:avLst/>
+          </a:prstGeom>
+          <a:ln w="12700">
+            <a:solidFill>
+              <a:srgbClr val="545B64"/>
+            </a:solidFill>
+            <a:headEnd type="arrow" w="med" len="med"/>
+            <a:tailEnd type="arrow" w="med" len="med"/>
+          </a:ln>
+        </p:spPr>
+        <p:style>
+          <a:lnRef idx="1">
+            <a:schemeClr val="accent1"/>
+          </a:lnRef>
+          <a:fillRef idx="0">
+            <a:schemeClr val="accent1"/>
+          </a:fillRef>
+          <a:effectRef idx="0">
+            <a:schemeClr val="accent1"/>
+          </a:effectRef>
+          <a:fontRef idx="minor">
+            <a:schemeClr val="tx1"/>
+          </a:fontRef>
+        </p:style>
+      </p:cxnSp>
+      <p:grpSp>
+        <p:nvGrpSpPr>
+          <p:cNvPr id="49" name="Group 48">
+            <a:extLst>
+              <a:ext uri="{FF2B5EF4-FFF2-40B4-BE49-F238E27FC236}">
+                <a16:creationId xmlns:a16="http://schemas.microsoft.com/office/drawing/2014/main" id="{77B0A3A2-A05D-EC45-AD4C-64DF2B891290}"/>
+              </a:ext>
+            </a:extLst>
+          </p:cNvPr>
+          <p:cNvGrpSpPr/>
+          <p:nvPr/>
+        </p:nvGrpSpPr>
+        <p:grpSpPr>
+          <a:xfrm>
+            <a:off x="913612" y="4739879"/>
+            <a:ext cx="1963056" cy="848728"/>
+            <a:chOff x="33667" y="4880186"/>
+            <a:chExt cx="1963056" cy="848728"/>
+          </a:xfrm>
+        </p:grpSpPr>
+        <p:sp>
+          <p:nvSpPr>
+            <p:cNvPr id="37" name="TextBox 36">
+              <a:extLst>
+                <a:ext uri="{FF2B5EF4-FFF2-40B4-BE49-F238E27FC236}">
+                  <a16:creationId xmlns:a16="http://schemas.microsoft.com/office/drawing/2014/main" id="{4497DD0B-9225-4DD9-9DB1-8A25B36CD88C}"/>
+                </a:ext>
+              </a:extLst>
+            </p:cNvPr>
+            <p:cNvSpPr txBox="1"/>
+            <p:nvPr/>
+          </p:nvSpPr>
+          <p:spPr>
+            <a:xfrm>
+              <a:off x="33667" y="4880186"/>
+              <a:ext cx="1963056" cy="230832"/>
+            </a:xfrm>
+            <a:prstGeom prst="rect">
+              <a:avLst/>
+            </a:prstGeom>
+            <a:noFill/>
+          </p:spPr>
+          <p:txBody>
+            <a:bodyPr wrap="square" rtlCol="0">
+              <a:spAutoFit/>
+            </a:bodyPr>
+            <a:lstStyle/>
+            <a:p>
+              <a:r>
+                <a:rPr lang="en-US" sz="900" dirty="0"/>
+                <a:t>***All Flow Logs go to CloudWatch</a:t>
+              </a:r>
+            </a:p>
+          </p:txBody>
+        </p:sp>
+        <p:grpSp>
+          <p:nvGrpSpPr>
+            <p:cNvPr id="202" name="Group 201">
+              <a:extLst>
+                <a:ext uri="{FF2B5EF4-FFF2-40B4-BE49-F238E27FC236}">
+                  <a16:creationId xmlns:a16="http://schemas.microsoft.com/office/drawing/2014/main" id="{97BE3179-A7A1-D94F-B72B-747EB142E577}"/>
+                </a:ext>
+              </a:extLst>
+            </p:cNvPr>
+            <p:cNvGrpSpPr/>
+            <p:nvPr/>
+          </p:nvGrpSpPr>
+          <p:grpSpPr>
+            <a:xfrm>
+              <a:off x="688443" y="5115491"/>
+              <a:ext cx="655864" cy="613423"/>
+              <a:chOff x="1606355" y="2960204"/>
+              <a:chExt cx="655864" cy="613423"/>
+            </a:xfrm>
+          </p:grpSpPr>
+          <p:sp>
+            <p:nvSpPr>
+              <p:cNvPr id="203" name="TextBox 20">
+                <a:extLst>
+                  <a:ext uri="{FF2B5EF4-FFF2-40B4-BE49-F238E27FC236}">
+                    <a16:creationId xmlns:a16="http://schemas.microsoft.com/office/drawing/2014/main" id="{9ECB7F0A-8E83-2C42-9E9A-B724C3C22861}"/>
+                  </a:ext>
+                </a:extLst>
+              </p:cNvPr>
+              <p:cNvSpPr txBox="1">
+                <a:spLocks noChangeArrowheads="1"/>
+              </p:cNvSpPr>
+              <p:nvPr/>
+            </p:nvSpPr>
+            <p:spPr bwMode="auto">
+              <a:xfrm>
+                <a:off x="1606355" y="3358183"/>
+                <a:ext cx="655864" cy="215444"/>
+              </a:xfrm>
+              <a:prstGeom prst="rect">
+                <a:avLst/>
+              </a:prstGeom>
+              <a:noFill/>
+              <a:ln>
+                <a:noFill/>
+              </a:ln>
+              <a:extLst>
+                <a:ext uri="{909E8E84-426E-40DD-AFC4-6F175D3DCCD1}">
+                  <a14:hiddenFill xmlns:a14="http://schemas.microsoft.com/office/drawing/2010/main">
+                    <a:solidFill>
+                      <a:srgbClr val="FFFFFF"/>
+                    </a:solidFill>
+                  </a14:hiddenFill>
+                </a:ext>
+                <a:ext uri="{91240B29-F687-4F45-9708-019B960494DF}">
+                  <a14:hiddenLine xmlns:a14="http://schemas.microsoft.com/office/drawing/2010/main" w="9525">
+                    <a:solidFill>
+                      <a:srgbClr val="000000"/>
+                    </a:solidFill>
+                    <a:miter lim="800000"/>
+                    <a:headEnd/>
+                    <a:tailEnd/>
+                  </a14:hiddenLine>
+                </a:ext>
+              </a:extLst>
+            </p:spPr>
+            <p:txBody>
+              <a:bodyPr wrap="square">
+                <a:spAutoFit/>
+              </a:bodyPr>
+              <a:lstStyle>
+                <a:lvl1pPr>
+                  <a:defRPr>
+                    <a:solidFill>
+                      <a:schemeClr val="tx1"/>
+                    </a:solidFill>
+                    <a:latin typeface="Calibri" panose="020F0502020204030204" pitchFamily="34" charset="0"/>
+                  </a:defRPr>
+                </a:lvl1pPr>
+                <a:lvl2pPr marL="742950" indent="-285750">
+                  <a:defRPr>
+                    <a:solidFill>
+                      <a:schemeClr val="tx1"/>
+                    </a:solidFill>
+                    <a:latin typeface="Calibri" panose="020F0502020204030204" pitchFamily="34" charset="0"/>
+                  </a:defRPr>
+                </a:lvl2pPr>
+                <a:lvl3pPr marL="1143000" indent="-228600">
+                  <a:defRPr>
+                    <a:solidFill>
+                      <a:schemeClr val="tx1"/>
+                    </a:solidFill>
+                    <a:latin typeface="Calibri" panose="020F0502020204030204" pitchFamily="34" charset="0"/>
+                  </a:defRPr>
+                </a:lvl3pPr>
+                <a:lvl4pPr marL="1600200" indent="-228600">
+                  <a:defRPr>
+                    <a:solidFill>
+                      <a:schemeClr val="tx1"/>
+                    </a:solidFill>
+                    <a:latin typeface="Calibri" panose="020F0502020204030204" pitchFamily="34" charset="0"/>
+                  </a:defRPr>
+                </a:lvl4pPr>
+                <a:lvl5pPr marL="2057400" indent="-228600">
+                  <a:defRPr>
+                    <a:solidFill>
+                      <a:schemeClr val="tx1"/>
+                    </a:solidFill>
+                    <a:latin typeface="Calibri" panose="020F0502020204030204" pitchFamily="34" charset="0"/>
+                  </a:defRPr>
+                </a:lvl5pPr>
+                <a:lvl6pPr marL="2514600" indent="-228600" eaLnBrk="0" fontAlgn="base" hangingPunct="0">
+                  <a:spcBef>
+                    <a:spcPct val="0"/>
+                  </a:spcBef>
+                  <a:spcAft>
+                    <a:spcPct val="0"/>
+                  </a:spcAft>
+                  <a:defRPr>
+                    <a:solidFill>
+                      <a:schemeClr val="tx1"/>
+                    </a:solidFill>
+                    <a:latin typeface="Calibri" panose="020F0502020204030204" pitchFamily="34" charset="0"/>
+                  </a:defRPr>
+                </a:lvl6pPr>
+                <a:lvl7pPr marL="2971800" indent="-228600" eaLnBrk="0" fontAlgn="base" hangingPunct="0">
+                  <a:spcBef>
+                    <a:spcPct val="0"/>
+                  </a:spcBef>
+                  <a:spcAft>
+                    <a:spcPct val="0"/>
+                  </a:spcAft>
+                  <a:defRPr>
+                    <a:solidFill>
+                      <a:schemeClr val="tx1"/>
+                    </a:solidFill>
+                    <a:latin typeface="Calibri" panose="020F0502020204030204" pitchFamily="34" charset="0"/>
+                  </a:defRPr>
+                </a:lvl7pPr>
+                <a:lvl8pPr marL="3429000" indent="-228600" eaLnBrk="0" fontAlgn="base" hangingPunct="0">
+                  <a:spcBef>
+                    <a:spcPct val="0"/>
+                  </a:spcBef>
+                  <a:spcAft>
+                    <a:spcPct val="0"/>
+                  </a:spcAft>
+                  <a:defRPr>
+                    <a:solidFill>
+                      <a:schemeClr val="tx1"/>
+                    </a:solidFill>
+                    <a:latin typeface="Calibri" panose="020F0502020204030204" pitchFamily="34" charset="0"/>
+                  </a:defRPr>
+                </a:lvl8pPr>
+                <a:lvl9pPr marL="3886200" indent="-228600" eaLnBrk="0" fontAlgn="base" hangingPunct="0">
+                  <a:spcBef>
+                    <a:spcPct val="0"/>
+                  </a:spcBef>
+                  <a:spcAft>
+                    <a:spcPct val="0"/>
+                  </a:spcAft>
+                  <a:defRPr>
+                    <a:solidFill>
+                      <a:schemeClr val="tx1"/>
+                    </a:solidFill>
+                    <a:latin typeface="Calibri" panose="020F0502020204030204" pitchFamily="34" charset="0"/>
+                  </a:defRPr>
+                </a:lvl9pPr>
+              </a:lstStyle>
+              <a:p>
+                <a:pPr algn="ctr" eaLnBrk="1" hangingPunct="1"/>
+                <a:r>
+                  <a:rPr lang="en-US" altLang="en-US" sz="800" dirty="0">
+                    <a:latin typeface="Arial" panose="020B0604020202020204" pitchFamily="34" charset="0"/>
+                    <a:ea typeface="Amazon Ember" panose="020B0603020204020204" pitchFamily="34" charset="0"/>
+                    <a:cs typeface="Arial" panose="020B0604020202020204" pitchFamily="34" charset="0"/>
+                  </a:rPr>
+                  <a:t>Flow logs</a:t>
+                </a:r>
+              </a:p>
+            </p:txBody>
+          </p:sp>
+          <p:pic>
+            <p:nvPicPr>
+              <p:cNvPr id="204" name="Graphic 24">
+                <a:extLst>
+                  <a:ext uri="{FF2B5EF4-FFF2-40B4-BE49-F238E27FC236}">
+                    <a16:creationId xmlns:a16="http://schemas.microsoft.com/office/drawing/2014/main" id="{F4DE884B-BCD6-2045-96B9-777D16A4CCF8}"/>
+                  </a:ext>
+                </a:extLst>
+              </p:cNvPr>
+              <p:cNvPicPr>
+                <a:picLocks noChangeAspect="1" noChangeArrowheads="1"/>
+              </p:cNvPicPr>
+              <p:nvPr/>
+            </p:nvPicPr>
+            <p:blipFill>
+              <a:blip r:embed="rId12">
+                <a:extLst>
+                  <a:ext uri="{28A0092B-C50C-407E-A947-70E740481C1C}">
+                    <a14:useLocalDpi xmlns:a14="http://schemas.microsoft.com/office/drawing/2010/main" val="0"/>
+                  </a:ext>
+                </a:extLst>
+              </a:blip>
+              <a:srcRect/>
+              <a:stretch>
+                <a:fillRect/>
+              </a:stretch>
+            </p:blipFill>
+            <p:spPr bwMode="auto">
+              <a:xfrm>
+                <a:off x="1705687" y="2960204"/>
+                <a:ext cx="457200" cy="457200"/>
+              </a:xfrm>
+              <a:prstGeom prst="rect">
+                <a:avLst/>
+              </a:prstGeom>
+              <a:noFill/>
+              <a:ln>
+                <a:noFill/>
+              </a:ln>
+              <a:extLst>
+                <a:ext uri="{909E8E84-426E-40DD-AFC4-6F175D3DCCD1}">
+                  <a14:hiddenFill xmlns:a14="http://schemas.microsoft.com/office/drawing/2010/main">
+                    <a:solidFill>
+                      <a:srgbClr val="FFFFFF"/>
+                    </a:solidFill>
+                  </a14:hiddenFill>
+                </a:ext>
+                <a:ext uri="{91240B29-F687-4F45-9708-019B960494DF}">
+                  <a14:hiddenLine xmlns:a14="http://schemas.microsoft.com/office/drawing/2010/main" w="9525">
+                    <a:solidFill>
+                      <a:srgbClr val="000000"/>
+                    </a:solidFill>
+                    <a:miter lim="800000"/>
+                    <a:headEnd/>
+                    <a:tailEnd/>
+                  </a14:hiddenLine>
+                </a:ext>
+              </a:extLst>
+            </p:spPr>
+          </p:pic>
+        </p:grpSp>
+      </p:grpSp>
+      <p:grpSp>
+        <p:nvGrpSpPr>
+          <p:cNvPr id="205" name="Group 204">
+            <a:extLst>
+              <a:ext uri="{FF2B5EF4-FFF2-40B4-BE49-F238E27FC236}">
+                <a16:creationId xmlns:a16="http://schemas.microsoft.com/office/drawing/2014/main" id="{D61682D5-C253-7E4A-BB26-2874EFDE35B7}"/>
+              </a:ext>
+            </a:extLst>
+          </p:cNvPr>
+          <p:cNvGrpSpPr/>
+          <p:nvPr/>
+        </p:nvGrpSpPr>
+        <p:grpSpPr>
+          <a:xfrm>
+            <a:off x="3839719" y="5894502"/>
+            <a:ext cx="1159669" cy="820395"/>
+            <a:chOff x="5983978" y="3688943"/>
+            <a:chExt cx="1159669" cy="820395"/>
+          </a:xfrm>
+        </p:grpSpPr>
+        <p:pic>
+          <p:nvPicPr>
+            <p:cNvPr id="206" name="Graphic 8">
+              <a:extLst>
+                <a:ext uri="{FF2B5EF4-FFF2-40B4-BE49-F238E27FC236}">
+                  <a16:creationId xmlns:a16="http://schemas.microsoft.com/office/drawing/2014/main" id="{E849FC1F-1E0B-FC4D-B025-851A291F8BB9}"/>
+                </a:ext>
+              </a:extLst>
+            </p:cNvPr>
+            <p:cNvPicPr>
+              <a:picLocks noChangeAspect="1" noChangeArrowheads="1"/>
+            </p:cNvPicPr>
+            <p:nvPr/>
+          </p:nvPicPr>
+          <p:blipFill>
+            <a:blip r:embed="rId8">
+              <a:extLst>
+                <a:ext uri="{28A0092B-C50C-407E-A947-70E740481C1C}">
+                  <a14:useLocalDpi xmlns:a14="http://schemas.microsoft.com/office/drawing/2010/main" val="0"/>
+                </a:ext>
+              </a:extLst>
+            </a:blip>
+            <a:srcRect/>
+            <a:stretch>
+              <a:fillRect/>
+            </a:stretch>
+          </p:blipFill>
+          <p:spPr bwMode="auto">
+            <a:xfrm>
+              <a:off x="6324598" y="3688943"/>
+              <a:ext cx="480391" cy="480391"/>
+            </a:xfrm>
+            <a:prstGeom prst="rect">
+              <a:avLst/>
+            </a:prstGeom>
+            <a:noFill/>
+            <a:ln>
+              <a:noFill/>
+            </a:ln>
+            <a:extLst>
+              <a:ext uri="{909E8E84-426E-40DD-AFC4-6F175D3DCCD1}">
+                <a14:hiddenFill xmlns:a14="http://schemas.microsoft.com/office/drawing/2010/main">
+                  <a:solidFill>
+                    <a:srgbClr val="FFFFFF"/>
+                  </a:solidFill>
+                </a14:hiddenFill>
+              </a:ext>
+              <a:ext uri="{91240B29-F687-4F45-9708-019B960494DF}">
+                <a14:hiddenLine xmlns:a14="http://schemas.microsoft.com/office/drawing/2010/main" w="9525">
+                  <a:solidFill>
+                    <a:srgbClr val="000000"/>
+                  </a:solidFill>
+                  <a:miter lim="800000"/>
+                  <a:headEnd/>
+                  <a:tailEnd/>
+                </a14:hiddenLine>
+              </a:ext>
+            </a:extLst>
+          </p:spPr>
+        </p:pic>
+        <p:sp>
+          <p:nvSpPr>
+            <p:cNvPr id="207" name="TextBox 9">
+              <a:extLst>
+                <a:ext uri="{FF2B5EF4-FFF2-40B4-BE49-F238E27FC236}">
+                  <a16:creationId xmlns:a16="http://schemas.microsoft.com/office/drawing/2014/main" id="{DD5C7DDE-378E-BC4B-B533-A13F3DA2B9A6}"/>
+                </a:ext>
+              </a:extLst>
+            </p:cNvPr>
+            <p:cNvSpPr txBox="1">
+              <a:spLocks noChangeArrowheads="1"/>
+            </p:cNvSpPr>
+            <p:nvPr/>
+          </p:nvSpPr>
+          <p:spPr bwMode="auto">
+            <a:xfrm>
+              <a:off x="5983978" y="4170784"/>
+              <a:ext cx="1159669" cy="338554"/>
+            </a:xfrm>
+            <a:prstGeom prst="rect">
+              <a:avLst/>
+            </a:prstGeom>
+            <a:noFill/>
+            <a:ln>
+              <a:noFill/>
+            </a:ln>
+            <a:extLst>
+              <a:ext uri="{909E8E84-426E-40DD-AFC4-6F175D3DCCD1}">
+                <a14:hiddenFill xmlns:a14="http://schemas.microsoft.com/office/drawing/2010/main">
+                  <a:solidFill>
+                    <a:srgbClr val="FFFFFF"/>
+                  </a:solidFill>
+                </a14:hiddenFill>
+              </a:ext>
+              <a:ext uri="{91240B29-F687-4F45-9708-019B960494DF}">
+                <a14:hiddenLine xmlns:a14="http://schemas.microsoft.com/office/drawing/2010/main" w="9525">
+                  <a:solidFill>
+                    <a:srgbClr val="000000"/>
+                  </a:solidFill>
+                  <a:miter lim="800000"/>
+                  <a:headEnd/>
+                  <a:tailEnd/>
+                </a14:hiddenLine>
+              </a:ext>
+            </a:extLst>
+          </p:spPr>
+          <p:txBody>
+            <a:bodyPr wrap="square">
+              <a:spAutoFit/>
+            </a:bodyPr>
+            <a:lstStyle>
+              <a:lvl1pPr>
+                <a:defRPr>
+                  <a:solidFill>
+                    <a:schemeClr val="tx1"/>
+                  </a:solidFill>
+                  <a:latin typeface="Calibri" panose="020F0502020204030204" pitchFamily="34" charset="0"/>
+                </a:defRPr>
+              </a:lvl1pPr>
+              <a:lvl2pPr marL="742950" indent="-285750">
+                <a:defRPr>
+                  <a:solidFill>
+                    <a:schemeClr val="tx1"/>
+                  </a:solidFill>
+                  <a:latin typeface="Calibri" panose="020F0502020204030204" pitchFamily="34" charset="0"/>
+                </a:defRPr>
+              </a:lvl2pPr>
+              <a:lvl3pPr marL="1143000" indent="-228600">
+                <a:defRPr>
+                  <a:solidFill>
+                    <a:schemeClr val="tx1"/>
+                  </a:solidFill>
+                  <a:latin typeface="Calibri" panose="020F0502020204030204" pitchFamily="34" charset="0"/>
+                </a:defRPr>
+              </a:lvl3pPr>
+              <a:lvl4pPr marL="1600200" indent="-228600">
+                <a:defRPr>
+                  <a:solidFill>
+                    <a:schemeClr val="tx1"/>
+                  </a:solidFill>
+                  <a:latin typeface="Calibri" panose="020F0502020204030204" pitchFamily="34" charset="0"/>
+                </a:defRPr>
+              </a:lvl4pPr>
+              <a:lvl5pPr marL="2057400" indent="-228600">
+                <a:defRPr>
+                  <a:solidFill>
+                    <a:schemeClr val="tx1"/>
+                  </a:solidFill>
+                  <a:latin typeface="Calibri" panose="020F0502020204030204" pitchFamily="34" charset="0"/>
+                </a:defRPr>
+              </a:lvl5pPr>
+              <a:lvl6pPr marL="2514600" indent="-228600" eaLnBrk="0" fontAlgn="base" hangingPunct="0">
+                <a:spcBef>
+                  <a:spcPct val="0"/>
+                </a:spcBef>
+                <a:spcAft>
+                  <a:spcPct val="0"/>
+                </a:spcAft>
+                <a:defRPr>
+                  <a:solidFill>
+                    <a:schemeClr val="tx1"/>
+                  </a:solidFill>
+                  <a:latin typeface="Calibri" panose="020F0502020204030204" pitchFamily="34" charset="0"/>
+                </a:defRPr>
+              </a:lvl6pPr>
+              <a:lvl7pPr marL="2971800" indent="-228600" eaLnBrk="0" fontAlgn="base" hangingPunct="0">
+                <a:spcBef>
+                  <a:spcPct val="0"/>
+                </a:spcBef>
+                <a:spcAft>
+                  <a:spcPct val="0"/>
+                </a:spcAft>
+                <a:defRPr>
+                  <a:solidFill>
+                    <a:schemeClr val="tx1"/>
+                  </a:solidFill>
+                  <a:latin typeface="Calibri" panose="020F0502020204030204" pitchFamily="34" charset="0"/>
+                </a:defRPr>
+              </a:lvl7pPr>
+              <a:lvl8pPr marL="3429000" indent="-228600" eaLnBrk="0" fontAlgn="base" hangingPunct="0">
+                <a:spcBef>
+                  <a:spcPct val="0"/>
+                </a:spcBef>
+                <a:spcAft>
+                  <a:spcPct val="0"/>
+                </a:spcAft>
+                <a:defRPr>
+                  <a:solidFill>
+                    <a:schemeClr val="tx1"/>
+                  </a:solidFill>
+                  <a:latin typeface="Calibri" panose="020F0502020204030204" pitchFamily="34" charset="0"/>
+                </a:defRPr>
+              </a:lvl8pPr>
+              <a:lvl9pPr marL="3886200" indent="-228600" eaLnBrk="0" fontAlgn="base" hangingPunct="0">
+                <a:spcBef>
+                  <a:spcPct val="0"/>
+                </a:spcBef>
+                <a:spcAft>
+                  <a:spcPct val="0"/>
+                </a:spcAft>
+                <a:defRPr>
+                  <a:solidFill>
+                    <a:schemeClr val="tx1"/>
+                  </a:solidFill>
+                  <a:latin typeface="Calibri" panose="020F0502020204030204" pitchFamily="34" charset="0"/>
+                </a:defRPr>
+              </a:lvl9pPr>
+            </a:lstStyle>
+            <a:p>
+              <a:pPr algn="ctr" eaLnBrk="1" hangingPunct="1"/>
+              <a:r>
+                <a:rPr lang="en-US" altLang="en-US" sz="800" dirty="0">
+                  <a:latin typeface="Arial" panose="020B0604020202020204" pitchFamily="34" charset="0"/>
+                  <a:ea typeface="Amazon Ember" panose="020B0603020204020204" pitchFamily="34" charset="0"/>
+                  <a:cs typeface="Arial" panose="020B0604020202020204" pitchFamily="34" charset="0"/>
+                </a:rPr>
+                <a:t>Amazon Simple</a:t>
+              </a:r>
+              <a:br>
+                <a:rPr lang="en-US" altLang="en-US" sz="800" dirty="0">
+                  <a:latin typeface="Arial" panose="020B0604020202020204" pitchFamily="34" charset="0"/>
+                  <a:ea typeface="Amazon Ember" panose="020B0603020204020204" pitchFamily="34" charset="0"/>
+                  <a:cs typeface="Arial" panose="020B0604020202020204" pitchFamily="34" charset="0"/>
+                </a:rPr>
+              </a:br>
+              <a:r>
+                <a:rPr lang="en-US" altLang="en-US" sz="800" dirty="0">
+                  <a:latin typeface="Arial" panose="020B0604020202020204" pitchFamily="34" charset="0"/>
+                  <a:ea typeface="Amazon Ember" panose="020B0603020204020204" pitchFamily="34" charset="0"/>
+                  <a:cs typeface="Arial" panose="020B0604020202020204" pitchFamily="34" charset="0"/>
+                </a:rPr>
+                <a:t>Storage Service (S3)</a:t>
+              </a:r>
+            </a:p>
+          </p:txBody>
+        </p:sp>
+      </p:grpSp>
+      <p:grpSp>
+        <p:nvGrpSpPr>
+          <p:cNvPr id="208" name="Group 207">
+            <a:extLst>
+              <a:ext uri="{FF2B5EF4-FFF2-40B4-BE49-F238E27FC236}">
+                <a16:creationId xmlns:a16="http://schemas.microsoft.com/office/drawing/2014/main" id="{6D89A8F3-45EC-9245-97C2-9DAB59F239F7}"/>
+              </a:ext>
+            </a:extLst>
+          </p:cNvPr>
+          <p:cNvGrpSpPr/>
+          <p:nvPr/>
+        </p:nvGrpSpPr>
+        <p:grpSpPr>
+          <a:xfrm>
+            <a:off x="4924948" y="5883302"/>
+            <a:ext cx="1159669" cy="820395"/>
+            <a:chOff x="5983978" y="3688943"/>
+            <a:chExt cx="1159669" cy="820395"/>
+          </a:xfrm>
+        </p:grpSpPr>
+        <p:pic>
+          <p:nvPicPr>
+            <p:cNvPr id="209" name="Graphic 8">
+              <a:extLst>
+                <a:ext uri="{FF2B5EF4-FFF2-40B4-BE49-F238E27FC236}">
+                  <a16:creationId xmlns:a16="http://schemas.microsoft.com/office/drawing/2014/main" id="{DA90C7FB-FB54-DF4B-8C43-15A0A464C8CF}"/>
+                </a:ext>
+              </a:extLst>
+            </p:cNvPr>
+            <p:cNvPicPr>
+              <a:picLocks noChangeAspect="1" noChangeArrowheads="1"/>
+            </p:cNvPicPr>
+            <p:nvPr/>
+          </p:nvPicPr>
+          <p:blipFill>
+            <a:blip r:embed="rId8">
+              <a:extLst>
+                <a:ext uri="{28A0092B-C50C-407E-A947-70E740481C1C}">
+                  <a14:useLocalDpi xmlns:a14="http://schemas.microsoft.com/office/drawing/2010/main" val="0"/>
+                </a:ext>
+              </a:extLst>
+            </a:blip>
+            <a:srcRect/>
+            <a:stretch>
+              <a:fillRect/>
+            </a:stretch>
+          </p:blipFill>
+          <p:spPr bwMode="auto">
+            <a:xfrm>
+              <a:off x="6324598" y="3688943"/>
+              <a:ext cx="480391" cy="480391"/>
+            </a:xfrm>
+            <a:prstGeom prst="rect">
+              <a:avLst/>
+            </a:prstGeom>
+            <a:noFill/>
+            <a:ln>
+              <a:noFill/>
+            </a:ln>
+            <a:extLst>
+              <a:ext uri="{909E8E84-426E-40DD-AFC4-6F175D3DCCD1}">
+                <a14:hiddenFill xmlns:a14="http://schemas.microsoft.com/office/drawing/2010/main">
+                  <a:solidFill>
+                    <a:srgbClr val="FFFFFF"/>
+                  </a:solidFill>
+                </a14:hiddenFill>
+              </a:ext>
+              <a:ext uri="{91240B29-F687-4F45-9708-019B960494DF}">
+                <a14:hiddenLine xmlns:a14="http://schemas.microsoft.com/office/drawing/2010/main" w="9525">
+                  <a:solidFill>
+                    <a:srgbClr val="000000"/>
+                  </a:solidFill>
+                  <a:miter lim="800000"/>
+                  <a:headEnd/>
+                  <a:tailEnd/>
+                </a14:hiddenLine>
+              </a:ext>
+            </a:extLst>
+          </p:spPr>
+        </p:pic>
+        <p:sp>
+          <p:nvSpPr>
+            <p:cNvPr id="210" name="TextBox 9">
+              <a:extLst>
+                <a:ext uri="{FF2B5EF4-FFF2-40B4-BE49-F238E27FC236}">
+                  <a16:creationId xmlns:a16="http://schemas.microsoft.com/office/drawing/2014/main" id="{1CB5D51D-C1C0-6448-9C0D-E5F2F48D7747}"/>
+                </a:ext>
+              </a:extLst>
+            </p:cNvPr>
+            <p:cNvSpPr txBox="1">
+              <a:spLocks noChangeArrowheads="1"/>
+            </p:cNvSpPr>
+            <p:nvPr/>
+          </p:nvSpPr>
+          <p:spPr bwMode="auto">
+            <a:xfrm>
+              <a:off x="5983978" y="4170784"/>
+              <a:ext cx="1159669" cy="338554"/>
+            </a:xfrm>
+            <a:prstGeom prst="rect">
+              <a:avLst/>
+            </a:prstGeom>
+            <a:noFill/>
+            <a:ln>
+              <a:noFill/>
+            </a:ln>
+            <a:extLst>
+              <a:ext uri="{909E8E84-426E-40DD-AFC4-6F175D3DCCD1}">
+                <a14:hiddenFill xmlns:a14="http://schemas.microsoft.com/office/drawing/2010/main">
+                  <a:solidFill>
+                    <a:srgbClr val="FFFFFF"/>
+                  </a:solidFill>
+                </a14:hiddenFill>
+              </a:ext>
+              <a:ext uri="{91240B29-F687-4F45-9708-019B960494DF}">
+                <a14:hiddenLine xmlns:a14="http://schemas.microsoft.com/office/drawing/2010/main" w="9525">
+                  <a:solidFill>
+                    <a:srgbClr val="000000"/>
+                  </a:solidFill>
+                  <a:miter lim="800000"/>
+                  <a:headEnd/>
+                  <a:tailEnd/>
+                </a14:hiddenLine>
+              </a:ext>
+            </a:extLst>
+          </p:spPr>
+          <p:txBody>
+            <a:bodyPr wrap="square">
+              <a:spAutoFit/>
+            </a:bodyPr>
+            <a:lstStyle>
+              <a:lvl1pPr>
+                <a:defRPr>
+                  <a:solidFill>
+                    <a:schemeClr val="tx1"/>
+                  </a:solidFill>
+                  <a:latin typeface="Calibri" panose="020F0502020204030204" pitchFamily="34" charset="0"/>
+                </a:defRPr>
+              </a:lvl1pPr>
+              <a:lvl2pPr marL="742950" indent="-285750">
+                <a:defRPr>
+                  <a:solidFill>
+                    <a:schemeClr val="tx1"/>
+                  </a:solidFill>
+                  <a:latin typeface="Calibri" panose="020F0502020204030204" pitchFamily="34" charset="0"/>
+                </a:defRPr>
+              </a:lvl2pPr>
+              <a:lvl3pPr marL="1143000" indent="-228600">
+                <a:defRPr>
+                  <a:solidFill>
+                    <a:schemeClr val="tx1"/>
+                  </a:solidFill>
+                  <a:latin typeface="Calibri" panose="020F0502020204030204" pitchFamily="34" charset="0"/>
+                </a:defRPr>
+              </a:lvl3pPr>
+              <a:lvl4pPr marL="1600200" indent="-228600">
+                <a:defRPr>
+                  <a:solidFill>
+                    <a:schemeClr val="tx1"/>
+                  </a:solidFill>
+                  <a:latin typeface="Calibri" panose="020F0502020204030204" pitchFamily="34" charset="0"/>
+                </a:defRPr>
+              </a:lvl4pPr>
+              <a:lvl5pPr marL="2057400" indent="-228600">
+                <a:defRPr>
+                  <a:solidFill>
+                    <a:schemeClr val="tx1"/>
+                  </a:solidFill>
+                  <a:latin typeface="Calibri" panose="020F0502020204030204" pitchFamily="34" charset="0"/>
+                </a:defRPr>
+              </a:lvl5pPr>
+              <a:lvl6pPr marL="2514600" indent="-228600" eaLnBrk="0" fontAlgn="base" hangingPunct="0">
+                <a:spcBef>
+                  <a:spcPct val="0"/>
+                </a:spcBef>
+                <a:spcAft>
+                  <a:spcPct val="0"/>
+                </a:spcAft>
+                <a:defRPr>
+                  <a:solidFill>
+                    <a:schemeClr val="tx1"/>
+                  </a:solidFill>
+                  <a:latin typeface="Calibri" panose="020F0502020204030204" pitchFamily="34" charset="0"/>
+                </a:defRPr>
+              </a:lvl6pPr>
+              <a:lvl7pPr marL="2971800" indent="-228600" eaLnBrk="0" fontAlgn="base" hangingPunct="0">
+                <a:spcBef>
+                  <a:spcPct val="0"/>
+                </a:spcBef>
+                <a:spcAft>
+                  <a:spcPct val="0"/>
+                </a:spcAft>
+                <a:defRPr>
+                  <a:solidFill>
+                    <a:schemeClr val="tx1"/>
+                  </a:solidFill>
+                  <a:latin typeface="Calibri" panose="020F0502020204030204" pitchFamily="34" charset="0"/>
+                </a:defRPr>
+              </a:lvl7pPr>
+              <a:lvl8pPr marL="3429000" indent="-228600" eaLnBrk="0" fontAlgn="base" hangingPunct="0">
+                <a:spcBef>
+                  <a:spcPct val="0"/>
+                </a:spcBef>
+                <a:spcAft>
+                  <a:spcPct val="0"/>
+                </a:spcAft>
+                <a:defRPr>
+                  <a:solidFill>
+                    <a:schemeClr val="tx1"/>
+                  </a:solidFill>
+                  <a:latin typeface="Calibri" panose="020F0502020204030204" pitchFamily="34" charset="0"/>
+                </a:defRPr>
+              </a:lvl8pPr>
+              <a:lvl9pPr marL="3886200" indent="-228600" eaLnBrk="0" fontAlgn="base" hangingPunct="0">
+                <a:spcBef>
+                  <a:spcPct val="0"/>
+                </a:spcBef>
+                <a:spcAft>
+                  <a:spcPct val="0"/>
+                </a:spcAft>
+                <a:defRPr>
+                  <a:solidFill>
+                    <a:schemeClr val="tx1"/>
+                  </a:solidFill>
+                  <a:latin typeface="Calibri" panose="020F0502020204030204" pitchFamily="34" charset="0"/>
+                </a:defRPr>
+              </a:lvl9pPr>
+            </a:lstStyle>
+            <a:p>
+              <a:pPr algn="ctr" eaLnBrk="1" hangingPunct="1"/>
+              <a:r>
+                <a:rPr lang="en-US" altLang="en-US" sz="800" dirty="0">
+                  <a:latin typeface="Arial" panose="020B0604020202020204" pitchFamily="34" charset="0"/>
+                  <a:ea typeface="Amazon Ember" panose="020B0603020204020204" pitchFamily="34" charset="0"/>
+                  <a:cs typeface="Arial" panose="020B0604020202020204" pitchFamily="34" charset="0"/>
+                </a:rPr>
+                <a:t>Amazon Simple</a:t>
+              </a:r>
+              <a:br>
+                <a:rPr lang="en-US" altLang="en-US" sz="800" dirty="0">
+                  <a:latin typeface="Arial" panose="020B0604020202020204" pitchFamily="34" charset="0"/>
+                  <a:ea typeface="Amazon Ember" panose="020B0603020204020204" pitchFamily="34" charset="0"/>
+                  <a:cs typeface="Arial" panose="020B0604020202020204" pitchFamily="34" charset="0"/>
+                </a:rPr>
+              </a:br>
+              <a:r>
+                <a:rPr lang="en-US" altLang="en-US" sz="800" dirty="0">
+                  <a:latin typeface="Arial" panose="020B0604020202020204" pitchFamily="34" charset="0"/>
+                  <a:ea typeface="Amazon Ember" panose="020B0603020204020204" pitchFamily="34" charset="0"/>
+                  <a:cs typeface="Arial" panose="020B0604020202020204" pitchFamily="34" charset="0"/>
+                </a:rPr>
+                <a:t>Storage Service (S3)</a:t>
+              </a:r>
+            </a:p>
+          </p:txBody>
+        </p:sp>
+      </p:grpSp>
+      <p:sp>
+        <p:nvSpPr>
+          <p:cNvPr id="214" name="Rectangle 213">
+            <a:extLst>
+              <a:ext uri="{FF2B5EF4-FFF2-40B4-BE49-F238E27FC236}">
+                <a16:creationId xmlns:a16="http://schemas.microsoft.com/office/drawing/2014/main" id="{158A8D9A-798C-DA40-AAE1-A18FF89D4F6F}"/>
+              </a:ext>
+            </a:extLst>
+          </p:cNvPr>
+          <p:cNvSpPr/>
+          <p:nvPr/>
+        </p:nvSpPr>
+        <p:spPr>
+          <a:xfrm>
+            <a:off x="2836018" y="4630115"/>
+            <a:ext cx="3217508" cy="2073547"/>
+          </a:xfrm>
+          <a:prstGeom prst="rect">
+            <a:avLst/>
+          </a:prstGeom>
+          <a:noFill/>
+          <a:ln w="12700">
+            <a:solidFill>
+              <a:srgbClr val="5A6B86"/>
+            </a:solidFill>
+            <a:prstDash val="dash"/>
+          </a:ln>
+        </p:spPr>
+        <p:style>
+          <a:lnRef idx="2">
+            <a:schemeClr val="accent1">
+              <a:shade val="50000"/>
+            </a:schemeClr>
+          </a:lnRef>
+          <a:fillRef idx="1">
+            <a:schemeClr val="accent1"/>
+          </a:fillRef>
+          <a:effectRef idx="0">
+            <a:schemeClr val="accent1"/>
+          </a:effectRef>
+          <a:fontRef idx="minor">
+            <a:schemeClr val="lt1"/>
+          </a:fontRef>
+        </p:style>
+        <p:txBody>
+          <a:bodyPr tIns="91440"/>
+          <a:lstStyle/>
+          <a:p>
+            <a:pPr algn="ctr" eaLnBrk="1" fontAlgn="auto" hangingPunct="1">
+              <a:spcBef>
+                <a:spcPts val="0"/>
+              </a:spcBef>
+              <a:spcAft>
+                <a:spcPts val="0"/>
+              </a:spcAft>
+              <a:defRPr/>
+            </a:pPr>
+            <a:r>
+              <a:rPr lang="en-US" sz="1000" dirty="0">
+                <a:solidFill>
+                  <a:srgbClr val="5A6B86"/>
+                </a:solidFill>
+                <a:latin typeface="Arial" panose="020B0604020202020204" pitchFamily="34" charset="0"/>
+                <a:cs typeface="Arial" panose="020B0604020202020204" pitchFamily="34" charset="0"/>
+              </a:rPr>
+              <a:t>Logging and audit controls</a:t>
+            </a:r>
+          </a:p>
+        </p:txBody>
+      </p:sp>
+      <p:cxnSp>
+        <p:nvCxnSpPr>
+          <p:cNvPr id="215" name="Straight Arrow Connector 214">
+            <a:extLst>
+              <a:ext uri="{FF2B5EF4-FFF2-40B4-BE49-F238E27FC236}">
+                <a16:creationId xmlns:a16="http://schemas.microsoft.com/office/drawing/2014/main" id="{C53F6542-63B3-D644-A3AB-6771CEF84C0F}"/>
+              </a:ext>
+            </a:extLst>
+          </p:cNvPr>
+          <p:cNvCxnSpPr>
+            <a:cxnSpLocks/>
+          </p:cNvCxnSpPr>
+          <p:nvPr/>
+        </p:nvCxnSpPr>
+        <p:spPr>
+          <a:xfrm flipV="1">
+            <a:off x="3361070" y="5602970"/>
+            <a:ext cx="2187" cy="250172"/>
+          </a:xfrm>
+          <a:prstGeom prst="straightConnector1">
+            <a:avLst/>
+          </a:prstGeom>
+          <a:ln w="12700">
+            <a:solidFill>
+              <a:schemeClr val="tx2"/>
+            </a:solidFill>
+            <a:headEnd type="arrow" w="med" len="sm"/>
+            <a:tailEnd type="arrow" w="med" len="sm"/>
+          </a:ln>
+        </p:spPr>
+        <p:style>
+          <a:lnRef idx="1">
+            <a:schemeClr val="accent1"/>
+          </a:lnRef>
+          <a:fillRef idx="0">
+            <a:schemeClr val="accent1"/>
+          </a:fillRef>
+          <a:effectRef idx="0">
+            <a:schemeClr val="accent1"/>
+          </a:effectRef>
+          <a:fontRef idx="minor">
+            <a:schemeClr val="tx1"/>
+          </a:fontRef>
+        </p:style>
+      </p:cxnSp>
+      <p:cxnSp>
+        <p:nvCxnSpPr>
+          <p:cNvPr id="216" name="Straight Arrow Connector 215">
+            <a:extLst>
+              <a:ext uri="{FF2B5EF4-FFF2-40B4-BE49-F238E27FC236}">
+                <a16:creationId xmlns:a16="http://schemas.microsoft.com/office/drawing/2014/main" id="{00FF750B-EC9B-A940-AC3E-5C9FF53C0C54}"/>
+              </a:ext>
+            </a:extLst>
+          </p:cNvPr>
+          <p:cNvCxnSpPr>
+            <a:cxnSpLocks/>
+          </p:cNvCxnSpPr>
+          <p:nvPr/>
+        </p:nvCxnSpPr>
+        <p:spPr>
+          <a:xfrm flipV="1">
+            <a:off x="4413036" y="5604728"/>
+            <a:ext cx="2187" cy="250172"/>
+          </a:xfrm>
+          <a:prstGeom prst="straightConnector1">
+            <a:avLst/>
+          </a:prstGeom>
+          <a:ln w="12700">
+            <a:solidFill>
+              <a:schemeClr val="tx2"/>
+            </a:solidFill>
+            <a:headEnd type="arrow" w="med" len="sm"/>
+            <a:tailEnd type="arrow" w="med" len="sm"/>
+          </a:ln>
+        </p:spPr>
+        <p:style>
+          <a:lnRef idx="1">
+            <a:schemeClr val="accent1"/>
+          </a:lnRef>
+          <a:fillRef idx="0">
+            <a:schemeClr val="accent1"/>
+          </a:fillRef>
+          <a:effectRef idx="0">
+            <a:schemeClr val="accent1"/>
+          </a:effectRef>
+          <a:fontRef idx="minor">
+            <a:schemeClr val="tx1"/>
+          </a:fontRef>
+        </p:style>
+      </p:cxnSp>
+      <p:cxnSp>
+        <p:nvCxnSpPr>
+          <p:cNvPr id="217" name="Straight Arrow Connector 216">
+            <a:extLst>
+              <a:ext uri="{FF2B5EF4-FFF2-40B4-BE49-F238E27FC236}">
+                <a16:creationId xmlns:a16="http://schemas.microsoft.com/office/drawing/2014/main" id="{939BAD36-F32D-B84D-B251-E976B250C9C5}"/>
+              </a:ext>
+            </a:extLst>
+          </p:cNvPr>
+          <p:cNvCxnSpPr>
+            <a:cxnSpLocks/>
+          </p:cNvCxnSpPr>
+          <p:nvPr/>
+        </p:nvCxnSpPr>
+        <p:spPr>
+          <a:xfrm flipV="1">
+            <a:off x="5502768" y="5602970"/>
+            <a:ext cx="2187" cy="250172"/>
+          </a:xfrm>
+          <a:prstGeom prst="straightConnector1">
+            <a:avLst/>
+          </a:prstGeom>
+          <a:ln w="12700">
+            <a:solidFill>
+              <a:schemeClr val="tx2"/>
+            </a:solidFill>
+            <a:headEnd type="arrow" w="med" len="sm"/>
+            <a:tailEnd type="arrow" w="med" len="sm"/>
+          </a:ln>
+        </p:spPr>
+        <p:style>
+          <a:lnRef idx="1">
+            <a:schemeClr val="accent1"/>
+          </a:lnRef>
+          <a:fillRef idx="0">
+            <a:schemeClr val="accent1"/>
+          </a:fillRef>
+          <a:effectRef idx="0">
+            <a:schemeClr val="accent1"/>
+          </a:effectRef>
+          <a:fontRef idx="minor">
+            <a:schemeClr val="tx1"/>
+          </a:fontRef>
+        </p:style>
+      </p:cxnSp>
+      <p:grpSp>
+        <p:nvGrpSpPr>
+          <p:cNvPr id="73" name="Group 72">
+            <a:extLst>
+              <a:ext uri="{FF2B5EF4-FFF2-40B4-BE49-F238E27FC236}">
+                <a16:creationId xmlns:a16="http://schemas.microsoft.com/office/drawing/2014/main" id="{BBDB2F1C-6DDC-0F4E-AC7D-D6E92C11DC9F}"/>
+              </a:ext>
+            </a:extLst>
+          </p:cNvPr>
+          <p:cNvGrpSpPr/>
+          <p:nvPr/>
+        </p:nvGrpSpPr>
+        <p:grpSpPr>
+          <a:xfrm>
+            <a:off x="8703485" y="481581"/>
+            <a:ext cx="2879158" cy="2082430"/>
+            <a:chOff x="8315863" y="307363"/>
+            <a:chExt cx="2879158" cy="2082430"/>
+          </a:xfrm>
+        </p:grpSpPr>
+        <p:pic>
+          <p:nvPicPr>
+            <p:cNvPr id="128" name="Graphic 19">
+              <a:extLst>
+                <a:ext uri="{FF2B5EF4-FFF2-40B4-BE49-F238E27FC236}">
+                  <a16:creationId xmlns:a16="http://schemas.microsoft.com/office/drawing/2014/main" id="{0AFCFE33-6B96-45AB-AE2E-03AB59F97E5A}"/>
+                </a:ext>
+              </a:extLst>
+            </p:cNvPr>
+            <p:cNvPicPr>
+              <a:picLocks noChangeAspect="1" noChangeArrowheads="1"/>
+            </p:cNvPicPr>
+            <p:nvPr/>
+          </p:nvPicPr>
+          <p:blipFill>
+            <a:blip r:embed="rId17">
+              <a:extLst>
+                <a:ext uri="{28A0092B-C50C-407E-A947-70E740481C1C}">
+                  <a14:useLocalDpi xmlns:a14="http://schemas.microsoft.com/office/drawing/2010/main" val="0"/>
+                </a:ext>
+              </a:extLst>
+            </a:blip>
+            <a:srcRect/>
+            <a:stretch>
+              <a:fillRect/>
+            </a:stretch>
+          </p:blipFill>
+          <p:spPr bwMode="auto">
+            <a:xfrm>
+              <a:off x="9618042" y="1453067"/>
+              <a:ext cx="429874" cy="480391"/>
+            </a:xfrm>
+            <a:prstGeom prst="rect">
+              <a:avLst/>
+            </a:prstGeom>
+            <a:noFill/>
+            <a:ln>
+              <a:noFill/>
+            </a:ln>
+            <a:extLst>
+              <a:ext uri="{909E8E84-426E-40DD-AFC4-6F175D3DCCD1}">
+                <a14:hiddenFill xmlns:a14="http://schemas.microsoft.com/office/drawing/2010/main">
+                  <a:solidFill>
+                    <a:srgbClr val="FFFFFF"/>
+                  </a:solidFill>
+                </a14:hiddenFill>
+              </a:ext>
+              <a:ext uri="{91240B29-F687-4F45-9708-019B960494DF}">
+                <a14:hiddenLine xmlns:a14="http://schemas.microsoft.com/office/drawing/2010/main" w="9525">
+                  <a:solidFill>
+                    <a:srgbClr val="000000"/>
+                  </a:solidFill>
+                  <a:miter lim="800000"/>
+                  <a:headEnd/>
+                  <a:tailEnd/>
+                </a14:hiddenLine>
+              </a:ext>
+            </a:extLst>
+          </p:spPr>
+        </p:pic>
+        <p:sp>
+          <p:nvSpPr>
+            <p:cNvPr id="129" name="TextBox 12">
+              <a:extLst>
+                <a:ext uri="{FF2B5EF4-FFF2-40B4-BE49-F238E27FC236}">
+                  <a16:creationId xmlns:a16="http://schemas.microsoft.com/office/drawing/2014/main" id="{5B63BEF6-FDEF-4261-987E-255D58FC90D3}"/>
+                </a:ext>
+              </a:extLst>
+            </p:cNvPr>
+            <p:cNvSpPr txBox="1">
+              <a:spLocks noChangeArrowheads="1"/>
+            </p:cNvSpPr>
+            <p:nvPr/>
+          </p:nvSpPr>
+          <p:spPr bwMode="auto">
+            <a:xfrm>
+              <a:off x="9254170" y="1928128"/>
+              <a:ext cx="1078321" cy="461665"/>
+            </a:xfrm>
+            <a:prstGeom prst="rect">
+              <a:avLst/>
+            </a:prstGeom>
+            <a:noFill/>
+            <a:ln>
+              <a:noFill/>
+            </a:ln>
+            <a:extLst>
+              <a:ext uri="{909E8E84-426E-40DD-AFC4-6F175D3DCCD1}">
+                <a14:hiddenFill xmlns:a14="http://schemas.microsoft.com/office/drawing/2010/main">
+                  <a:solidFill>
+                    <a:srgbClr val="FFFFFF"/>
+                  </a:solidFill>
+                </a14:hiddenFill>
+              </a:ext>
+              <a:ext uri="{91240B29-F687-4F45-9708-019B960494DF}">
+                <a14:hiddenLine xmlns:a14="http://schemas.microsoft.com/office/drawing/2010/main" w="9525">
+                  <a:solidFill>
+                    <a:srgbClr val="000000"/>
+                  </a:solidFill>
+                  <a:miter lim="800000"/>
+                  <a:headEnd/>
+                  <a:tailEnd/>
+                </a14:hiddenLine>
+              </a:ext>
+            </a:extLst>
+          </p:spPr>
+          <p:txBody>
+            <a:bodyPr wrap="square">
+              <a:spAutoFit/>
+            </a:bodyPr>
+            <a:lstStyle>
+              <a:lvl1pPr>
+                <a:defRPr>
+                  <a:solidFill>
+                    <a:schemeClr val="tx1"/>
+                  </a:solidFill>
+                  <a:latin typeface="Calibri" panose="020F0502020204030204" pitchFamily="34" charset="0"/>
+                </a:defRPr>
+              </a:lvl1pPr>
+              <a:lvl2pPr marL="742950" indent="-285750">
+                <a:defRPr>
+                  <a:solidFill>
+                    <a:schemeClr val="tx1"/>
+                  </a:solidFill>
+                  <a:latin typeface="Calibri" panose="020F0502020204030204" pitchFamily="34" charset="0"/>
+                </a:defRPr>
+              </a:lvl2pPr>
+              <a:lvl3pPr marL="1143000" indent="-228600">
+                <a:defRPr>
+                  <a:solidFill>
+                    <a:schemeClr val="tx1"/>
+                  </a:solidFill>
+                  <a:latin typeface="Calibri" panose="020F0502020204030204" pitchFamily="34" charset="0"/>
+                </a:defRPr>
+              </a:lvl3pPr>
+              <a:lvl4pPr marL="1600200" indent="-228600">
+                <a:defRPr>
+                  <a:solidFill>
+                    <a:schemeClr val="tx1"/>
+                  </a:solidFill>
+                  <a:latin typeface="Calibri" panose="020F0502020204030204" pitchFamily="34" charset="0"/>
+                </a:defRPr>
+              </a:lvl4pPr>
+              <a:lvl5pPr marL="2057400" indent="-228600">
+                <a:defRPr>
+                  <a:solidFill>
+                    <a:schemeClr val="tx1"/>
+                  </a:solidFill>
+                  <a:latin typeface="Calibri" panose="020F0502020204030204" pitchFamily="34" charset="0"/>
+                </a:defRPr>
+              </a:lvl5pPr>
+              <a:lvl6pPr marL="2514600" indent="-228600" eaLnBrk="0" fontAlgn="base" hangingPunct="0">
+                <a:spcBef>
+                  <a:spcPct val="0"/>
+                </a:spcBef>
+                <a:spcAft>
+                  <a:spcPct val="0"/>
+                </a:spcAft>
+                <a:defRPr>
+                  <a:solidFill>
+                    <a:schemeClr val="tx1"/>
+                  </a:solidFill>
+                  <a:latin typeface="Calibri" panose="020F0502020204030204" pitchFamily="34" charset="0"/>
+                </a:defRPr>
+              </a:lvl6pPr>
+              <a:lvl7pPr marL="2971800" indent="-228600" eaLnBrk="0" fontAlgn="base" hangingPunct="0">
+                <a:spcBef>
+                  <a:spcPct val="0"/>
+                </a:spcBef>
+                <a:spcAft>
+                  <a:spcPct val="0"/>
+                </a:spcAft>
+                <a:defRPr>
+                  <a:solidFill>
+                    <a:schemeClr val="tx1"/>
+                  </a:solidFill>
+                  <a:latin typeface="Calibri" panose="020F0502020204030204" pitchFamily="34" charset="0"/>
+                </a:defRPr>
+              </a:lvl7pPr>
+              <a:lvl8pPr marL="3429000" indent="-228600" eaLnBrk="0" fontAlgn="base" hangingPunct="0">
+                <a:spcBef>
+                  <a:spcPct val="0"/>
+                </a:spcBef>
+                <a:spcAft>
+                  <a:spcPct val="0"/>
+                </a:spcAft>
+                <a:defRPr>
+                  <a:solidFill>
+                    <a:schemeClr val="tx1"/>
+                  </a:solidFill>
+                  <a:latin typeface="Calibri" panose="020F0502020204030204" pitchFamily="34" charset="0"/>
+                </a:defRPr>
+              </a:lvl8pPr>
+              <a:lvl9pPr marL="3886200" indent="-228600" eaLnBrk="0" fontAlgn="base" hangingPunct="0">
+                <a:spcBef>
+                  <a:spcPct val="0"/>
+                </a:spcBef>
+                <a:spcAft>
+                  <a:spcPct val="0"/>
+                </a:spcAft>
+                <a:defRPr>
+                  <a:solidFill>
+                    <a:schemeClr val="tx1"/>
+                  </a:solidFill>
+                  <a:latin typeface="Calibri" panose="020F0502020204030204" pitchFamily="34" charset="0"/>
+                </a:defRPr>
+              </a:lvl9pPr>
+            </a:lstStyle>
+            <a:p>
+              <a:pPr algn="ctr" eaLnBrk="1" hangingPunct="1"/>
+              <a:r>
+                <a:rPr lang="en-US" altLang="en-US" sz="800" dirty="0">
+                  <a:latin typeface="Arial" panose="020B0604020202020204" pitchFamily="34" charset="0"/>
+                  <a:ea typeface="Amazon Ember" panose="020B0603020204020204" pitchFamily="34" charset="0"/>
+                  <a:cs typeface="Arial" panose="020B0604020202020204" pitchFamily="34" charset="0"/>
+                </a:rPr>
+                <a:t>AWS Identity &amp;</a:t>
+              </a:r>
+              <a:br>
+                <a:rPr lang="en-US" altLang="en-US" sz="800" dirty="0">
+                  <a:latin typeface="Arial" panose="020B0604020202020204" pitchFamily="34" charset="0"/>
+                  <a:ea typeface="Amazon Ember" panose="020B0603020204020204" pitchFamily="34" charset="0"/>
+                  <a:cs typeface="Arial" panose="020B0604020202020204" pitchFamily="34" charset="0"/>
+                </a:rPr>
+              </a:br>
+              <a:r>
+                <a:rPr lang="en-US" altLang="en-US" sz="800" dirty="0">
+                  <a:latin typeface="Arial" panose="020B0604020202020204" pitchFamily="34" charset="0"/>
+                  <a:ea typeface="Amazon Ember" panose="020B0603020204020204" pitchFamily="34" charset="0"/>
+                  <a:cs typeface="Arial" panose="020B0604020202020204" pitchFamily="34" charset="0"/>
+                </a:rPr>
+                <a:t>Access Management</a:t>
+              </a:r>
+            </a:p>
+          </p:txBody>
+        </p:sp>
+        <p:pic>
+          <p:nvPicPr>
+            <p:cNvPr id="132" name="Graphic 24">
+              <a:extLst>
+                <a:ext uri="{FF2B5EF4-FFF2-40B4-BE49-F238E27FC236}">
+                  <a16:creationId xmlns:a16="http://schemas.microsoft.com/office/drawing/2014/main" id="{3560F18C-1F5E-4EBB-AC15-141F4C72CCC2}"/>
+                </a:ext>
+              </a:extLst>
+            </p:cNvPr>
+            <p:cNvPicPr>
+              <a:picLocks noChangeAspect="1" noChangeArrowheads="1"/>
+            </p:cNvPicPr>
+            <p:nvPr/>
+          </p:nvPicPr>
+          <p:blipFill>
+            <a:blip r:embed="rId18">
+              <a:extLst>
+                <a:ext uri="{28A0092B-C50C-407E-A947-70E740481C1C}">
+                  <a14:useLocalDpi xmlns:a14="http://schemas.microsoft.com/office/drawing/2010/main" val="0"/>
+                </a:ext>
+              </a:extLst>
+            </a:blip>
+            <a:srcRect/>
+            <a:stretch>
+              <a:fillRect/>
+            </a:stretch>
+          </p:blipFill>
+          <p:spPr bwMode="auto">
+            <a:xfrm>
+              <a:off x="9600680" y="622379"/>
+              <a:ext cx="429874" cy="480391"/>
+            </a:xfrm>
+            <a:prstGeom prst="rect">
+              <a:avLst/>
+            </a:prstGeom>
+            <a:noFill/>
+            <a:ln>
+              <a:noFill/>
+            </a:ln>
+            <a:extLst>
+              <a:ext uri="{909E8E84-426E-40DD-AFC4-6F175D3DCCD1}">
+                <a14:hiddenFill xmlns:a14="http://schemas.microsoft.com/office/drawing/2010/main">
+                  <a:solidFill>
+                    <a:srgbClr val="FFFFFF"/>
+                  </a:solidFill>
+                </a14:hiddenFill>
+              </a:ext>
+              <a:ext uri="{91240B29-F687-4F45-9708-019B960494DF}">
+                <a14:hiddenLine xmlns:a14="http://schemas.microsoft.com/office/drawing/2010/main" w="9525">
+                  <a:solidFill>
+                    <a:srgbClr val="000000"/>
+                  </a:solidFill>
+                  <a:miter lim="800000"/>
+                  <a:headEnd/>
+                  <a:tailEnd/>
+                </a14:hiddenLine>
+              </a:ext>
+            </a:extLst>
+          </p:spPr>
+        </p:pic>
+        <p:sp>
+          <p:nvSpPr>
+            <p:cNvPr id="133" name="TextBox 9">
+              <a:extLst>
+                <a:ext uri="{FF2B5EF4-FFF2-40B4-BE49-F238E27FC236}">
+                  <a16:creationId xmlns:a16="http://schemas.microsoft.com/office/drawing/2014/main" id="{6975EC91-11E9-4E8A-A4DE-AD8ED8346136}"/>
+                </a:ext>
+              </a:extLst>
+            </p:cNvPr>
+            <p:cNvSpPr txBox="1">
+              <a:spLocks noChangeArrowheads="1"/>
+            </p:cNvSpPr>
+            <p:nvPr/>
+          </p:nvSpPr>
+          <p:spPr bwMode="auto">
+            <a:xfrm>
+              <a:off x="8315863" y="1150917"/>
+              <a:ext cx="2879158" cy="215444"/>
+            </a:xfrm>
+            <a:prstGeom prst="rect">
+              <a:avLst/>
+            </a:prstGeom>
+            <a:noFill/>
+            <a:ln>
+              <a:noFill/>
+            </a:ln>
+            <a:extLst>
+              <a:ext uri="{909E8E84-426E-40DD-AFC4-6F175D3DCCD1}">
+                <a14:hiddenFill xmlns:a14="http://schemas.microsoft.com/office/drawing/2010/main">
+                  <a:solidFill>
+                    <a:srgbClr val="FFFFFF"/>
+                  </a:solidFill>
+                </a14:hiddenFill>
+              </a:ext>
+              <a:ext uri="{91240B29-F687-4F45-9708-019B960494DF}">
+                <a14:hiddenLine xmlns:a14="http://schemas.microsoft.com/office/drawing/2010/main" w="9525">
+                  <a:solidFill>
+                    <a:srgbClr val="000000"/>
+                  </a:solidFill>
+                  <a:miter lim="800000"/>
+                  <a:headEnd/>
+                  <a:tailEnd/>
+                </a14:hiddenLine>
+              </a:ext>
+            </a:extLst>
+          </p:spPr>
+          <p:txBody>
+            <a:bodyPr wrap="square">
+              <a:spAutoFit/>
+            </a:bodyPr>
+            <a:lstStyle>
+              <a:lvl1pPr>
+                <a:defRPr>
+                  <a:solidFill>
+                    <a:schemeClr val="tx1"/>
+                  </a:solidFill>
+                  <a:latin typeface="Calibri" panose="020F0502020204030204" pitchFamily="34" charset="0"/>
+                </a:defRPr>
+              </a:lvl1pPr>
+              <a:lvl2pPr marL="742950" indent="-285750">
+                <a:defRPr>
+                  <a:solidFill>
+                    <a:schemeClr val="tx1"/>
+                  </a:solidFill>
+                  <a:latin typeface="Calibri" panose="020F0502020204030204" pitchFamily="34" charset="0"/>
+                </a:defRPr>
+              </a:lvl2pPr>
+              <a:lvl3pPr marL="1143000" indent="-228600">
+                <a:defRPr>
+                  <a:solidFill>
+                    <a:schemeClr val="tx1"/>
+                  </a:solidFill>
+                  <a:latin typeface="Calibri" panose="020F0502020204030204" pitchFamily="34" charset="0"/>
+                </a:defRPr>
+              </a:lvl3pPr>
+              <a:lvl4pPr marL="1600200" indent="-228600">
+                <a:defRPr>
+                  <a:solidFill>
+                    <a:schemeClr val="tx1"/>
+                  </a:solidFill>
+                  <a:latin typeface="Calibri" panose="020F0502020204030204" pitchFamily="34" charset="0"/>
+                </a:defRPr>
+              </a:lvl4pPr>
+              <a:lvl5pPr marL="2057400" indent="-228600">
+                <a:defRPr>
+                  <a:solidFill>
+                    <a:schemeClr val="tx1"/>
+                  </a:solidFill>
+                  <a:latin typeface="Calibri" panose="020F0502020204030204" pitchFamily="34" charset="0"/>
+                </a:defRPr>
+              </a:lvl5pPr>
+              <a:lvl6pPr marL="2514600" indent="-228600" eaLnBrk="0" fontAlgn="base" hangingPunct="0">
+                <a:spcBef>
+                  <a:spcPct val="0"/>
+                </a:spcBef>
+                <a:spcAft>
+                  <a:spcPct val="0"/>
+                </a:spcAft>
+                <a:defRPr>
+                  <a:solidFill>
+                    <a:schemeClr val="tx1"/>
+                  </a:solidFill>
+                  <a:latin typeface="Calibri" panose="020F0502020204030204" pitchFamily="34" charset="0"/>
+                </a:defRPr>
+              </a:lvl6pPr>
+              <a:lvl7pPr marL="2971800" indent="-228600" eaLnBrk="0" fontAlgn="base" hangingPunct="0">
+                <a:spcBef>
+                  <a:spcPct val="0"/>
+                </a:spcBef>
+                <a:spcAft>
+                  <a:spcPct val="0"/>
+                </a:spcAft>
+                <a:defRPr>
+                  <a:solidFill>
+                    <a:schemeClr val="tx1"/>
+                  </a:solidFill>
+                  <a:latin typeface="Calibri" panose="020F0502020204030204" pitchFamily="34" charset="0"/>
+                </a:defRPr>
+              </a:lvl7pPr>
+              <a:lvl8pPr marL="3429000" indent="-228600" eaLnBrk="0" fontAlgn="base" hangingPunct="0">
+                <a:spcBef>
+                  <a:spcPct val="0"/>
+                </a:spcBef>
+                <a:spcAft>
+                  <a:spcPct val="0"/>
+                </a:spcAft>
+                <a:defRPr>
+                  <a:solidFill>
+                    <a:schemeClr val="tx1"/>
+                  </a:solidFill>
+                  <a:latin typeface="Calibri" panose="020F0502020204030204" pitchFamily="34" charset="0"/>
+                </a:defRPr>
+              </a:lvl8pPr>
+              <a:lvl9pPr marL="3886200" indent="-228600" eaLnBrk="0" fontAlgn="base" hangingPunct="0">
+                <a:spcBef>
+                  <a:spcPct val="0"/>
+                </a:spcBef>
+                <a:spcAft>
+                  <a:spcPct val="0"/>
+                </a:spcAft>
+                <a:defRPr>
+                  <a:solidFill>
+                    <a:schemeClr val="tx1"/>
+                  </a:solidFill>
+                  <a:latin typeface="Calibri" panose="020F0502020204030204" pitchFamily="34" charset="0"/>
+                </a:defRPr>
+              </a:lvl9pPr>
+            </a:lstStyle>
+            <a:p>
+              <a:pPr algn="ctr" eaLnBrk="1" hangingPunct="1"/>
+              <a:r>
+                <a:rPr lang="en-US" altLang="en-US" sz="800" dirty="0">
+                  <a:latin typeface="Arial" panose="020B0604020202020204" pitchFamily="34" charset="0"/>
+                  <a:ea typeface="Amazon Ember" panose="020B0603020204020204" pitchFamily="34" charset="0"/>
+                  <a:cs typeface="Arial" panose="020B0604020202020204" pitchFamily="34" charset="0"/>
+                </a:rPr>
+                <a:t>Amazon Simple Notification Service</a:t>
+              </a:r>
+            </a:p>
+          </p:txBody>
+        </p:sp>
+        <p:sp>
+          <p:nvSpPr>
+            <p:cNvPr id="218" name="Rectangle 217">
+              <a:extLst>
+                <a:ext uri="{FF2B5EF4-FFF2-40B4-BE49-F238E27FC236}">
+                  <a16:creationId xmlns:a16="http://schemas.microsoft.com/office/drawing/2014/main" id="{4666066D-CDD3-FA42-9ED6-C6A051CD8FA2}"/>
+                </a:ext>
+              </a:extLst>
+            </p:cNvPr>
+            <p:cNvSpPr/>
+            <p:nvPr/>
+          </p:nvSpPr>
+          <p:spPr>
+            <a:xfrm>
+              <a:off x="8851414" y="307363"/>
+              <a:ext cx="1852804" cy="2073547"/>
+            </a:xfrm>
+            <a:prstGeom prst="rect">
+              <a:avLst/>
+            </a:prstGeom>
+            <a:noFill/>
+            <a:ln w="12700">
+              <a:solidFill>
+                <a:srgbClr val="5A6B86"/>
+              </a:solidFill>
+              <a:prstDash val="dash"/>
+            </a:ln>
+          </p:spPr>
+          <p:style>
+            <a:lnRef idx="2">
+              <a:schemeClr val="accent1">
+                <a:shade val="50000"/>
+              </a:schemeClr>
+            </a:lnRef>
+            <a:fillRef idx="1">
+              <a:schemeClr val="accent1"/>
+            </a:fillRef>
+            <a:effectRef idx="0">
+              <a:schemeClr val="accent1"/>
+            </a:effectRef>
+            <a:fontRef idx="minor">
+              <a:schemeClr val="lt1"/>
+            </a:fontRef>
+          </p:style>
+          <p:txBody>
+            <a:bodyPr tIns="91440"/>
+            <a:lstStyle/>
+            <a:p>
+              <a:pPr algn="ctr" eaLnBrk="1" fontAlgn="auto" hangingPunct="1">
+                <a:spcBef>
+                  <a:spcPts val="0"/>
+                </a:spcBef>
+                <a:spcAft>
+                  <a:spcPts val="0"/>
+                </a:spcAft>
+                <a:defRPr/>
+              </a:pPr>
+              <a:r>
+                <a:rPr lang="en-US" sz="1000" dirty="0">
+                  <a:solidFill>
+                    <a:srgbClr val="5A6B86"/>
+                  </a:solidFill>
+                  <a:latin typeface="Arial" panose="020B0604020202020204" pitchFamily="34" charset="0"/>
+                  <a:cs typeface="Arial" panose="020B0604020202020204" pitchFamily="34" charset="0"/>
+                </a:rPr>
+                <a:t>Access Control and Alerting</a:t>
+              </a:r>
+            </a:p>
+          </p:txBody>
+        </p:sp>
+      </p:grpSp>
+      <p:cxnSp>
+        <p:nvCxnSpPr>
+          <p:cNvPr id="51" name="Straight Arrow Connector 50">
+            <a:extLst>
+              <a:ext uri="{FF2B5EF4-FFF2-40B4-BE49-F238E27FC236}">
+                <a16:creationId xmlns:a16="http://schemas.microsoft.com/office/drawing/2014/main" id="{A48C7521-240D-7548-815A-48152B2D6553}"/>
+              </a:ext>
+            </a:extLst>
+          </p:cNvPr>
+          <p:cNvCxnSpPr>
+            <a:cxnSpLocks/>
+            <a:stCxn id="204" idx="3"/>
+            <a:endCxn id="139" idx="1"/>
+          </p:cNvCxnSpPr>
+          <p:nvPr/>
+        </p:nvCxnSpPr>
+        <p:spPr>
+          <a:xfrm flipV="1">
+            <a:off x="2124920" y="5199410"/>
+            <a:ext cx="986460" cy="4374"/>
+          </a:xfrm>
+          <a:prstGeom prst="straightConnector1">
+            <a:avLst/>
+          </a:prstGeom>
+          <a:ln w="12700">
+            <a:solidFill>
+              <a:srgbClr val="545B64"/>
+            </a:solidFill>
+            <a:headEnd type="arrow" w="med" len="med"/>
+            <a:tailEnd type="arrow" w="med" len="med"/>
+          </a:ln>
+        </p:spPr>
+        <p:style>
+          <a:lnRef idx="1">
+            <a:schemeClr val="accent1"/>
+          </a:lnRef>
+          <a:fillRef idx="0">
+            <a:schemeClr val="accent1"/>
+          </a:fillRef>
+          <a:effectRef idx="0">
+            <a:schemeClr val="accent1"/>
+          </a:effectRef>
+          <a:fontRef idx="minor">
+            <a:schemeClr val="tx1"/>
+          </a:fontRef>
+        </p:style>
+      </p:cxnSp>
+    </p:spTree>
+    <p:extLst>
+      <p:ext uri="{BB962C8B-B14F-4D97-AF65-F5344CB8AC3E}">
+        <p14:creationId xmlns:p14="http://schemas.microsoft.com/office/powerpoint/2010/main" val="1313762913"/>
       </p:ext>
     </p:extLst>
   </p:cSld>
